--- a/Prezentare -Colban Mihai.pptx
+++ b/Prezentare -Colban Mihai.pptx
@@ -10604,8 +10604,34 @@
           </a:p>
           <a:p>
             <a:r>
+              <a:rPr lang="en-US" dirty="0"/>
+              <a:t>Mai rapid </a:t>
+            </a:r>
+            <a:r>
+              <a:rPr lang="en-US" dirty="0" err="1"/>
+              <a:t>dec</a:t>
+            </a:r>
+            <a:r>
+              <a:rPr lang="ro-RO" dirty="0" err="1"/>
+              <a:t>ât</a:t>
+            </a:r>
+            <a:r>
               <a:rPr lang="ro-RO" dirty="0"/>
-              <a:t>În general folosit pentru clasificarea documentelor</a:t>
+              <a:t> </a:t>
+            </a:r>
+            <a:r>
+              <a:rPr lang="ro-RO" dirty="0" err="1"/>
+              <a:t>skip</a:t>
+            </a:r>
+            <a:r>
+              <a:rPr lang="ro-RO" dirty="0"/>
+              <a:t>-gram</a:t>
+            </a:r>
+          </a:p>
+          <a:p>
+            <a:r>
+              <a:rPr lang="ro-RO" dirty="0"/>
+              <a:t>Mai eficient pe seturi mari de date</a:t>
             </a:r>
             <a:endParaRPr lang="en-150" dirty="0"/>
           </a:p>
@@ -10690,15 +10716,25 @@
             <p:ph idx="1"/>
           </p:nvPr>
         </p:nvSpPr>
-        <p:spPr/>
+        <p:spPr>
+          <a:xfrm>
+            <a:off x="1484311" y="2666999"/>
+            <a:ext cx="5777624" cy="3124201"/>
+          </a:xfrm>
+        </p:spPr>
         <p:txBody>
           <a:bodyPr/>
           <a:lstStyle/>
           <a:p>
             <a:r>
               <a:rPr lang="ro-RO" dirty="0"/>
-              <a:t>Opusul CBOW</a:t>
-            </a:r>
+              <a:t>Mai lent, dar mai eficient pentru cuvinte cu </a:t>
+            </a:r>
+            <a:r>
+              <a:rPr lang="ro-RO"/>
+              <a:t>frecvență redusă</a:t>
+            </a:r>
+            <a:endParaRPr lang="ro-RO" dirty="0"/>
           </a:p>
           <a:p>
             <a:endParaRPr lang="ro-RO" dirty="0"/>

--- a/Prezentare -Colban Mihai.pptx
+++ b/Prezentare -Colban Mihai.pptx
@@ -12,17 +12,20 @@
     <p:sldId id="279" r:id="rId6"/>
     <p:sldId id="258" r:id="rId7"/>
     <p:sldId id="259" r:id="rId8"/>
-    <p:sldId id="260" r:id="rId9"/>
-    <p:sldId id="261" r:id="rId10"/>
-    <p:sldId id="267" r:id="rId11"/>
-    <p:sldId id="277" r:id="rId12"/>
-    <p:sldId id="274" r:id="rId13"/>
-    <p:sldId id="275" r:id="rId14"/>
-    <p:sldId id="276" r:id="rId15"/>
-    <p:sldId id="278" r:id="rId16"/>
-    <p:sldId id="280" r:id="rId17"/>
-    <p:sldId id="281" r:id="rId18"/>
-    <p:sldId id="269" r:id="rId19"/>
+    <p:sldId id="282" r:id="rId9"/>
+    <p:sldId id="260" r:id="rId10"/>
+    <p:sldId id="261" r:id="rId11"/>
+    <p:sldId id="283" r:id="rId12"/>
+    <p:sldId id="267" r:id="rId13"/>
+    <p:sldId id="284" r:id="rId14"/>
+    <p:sldId id="277" r:id="rId15"/>
+    <p:sldId id="274" r:id="rId16"/>
+    <p:sldId id="275" r:id="rId17"/>
+    <p:sldId id="276" r:id="rId18"/>
+    <p:sldId id="278" r:id="rId19"/>
+    <p:sldId id="280" r:id="rId20"/>
+    <p:sldId id="281" r:id="rId21"/>
+    <p:sldId id="269" r:id="rId22"/>
   </p:sldIdLst>
   <p:sldSz cx="12192000" cy="6858000"/>
   <p:notesSz cx="6858000" cy="9144000"/>
@@ -6250,6 +6253,1946 @@
           <p:cNvPr id="2" name="Titlu 1">
             <a:extLst>
               <a:ext uri="{FF2B5EF4-FFF2-40B4-BE49-F238E27FC236}">
+                <a16:creationId xmlns:a16="http://schemas.microsoft.com/office/drawing/2014/main" id="{B3E1011E-2D47-4111-AC82-1B94CF6AE9B6}"/>
+              </a:ext>
+            </a:extLst>
+          </p:cNvPr>
+          <p:cNvSpPr>
+            <a:spLocks noGrp="1"/>
+          </p:cNvSpPr>
+          <p:nvPr>
+            <p:ph type="title"/>
+          </p:nvPr>
+        </p:nvSpPr>
+        <p:spPr/>
+        <p:txBody>
+          <a:bodyPr/>
+          <a:lstStyle/>
+          <a:p>
+            <a:r>
+              <a:rPr lang="en-US" dirty="0" err="1"/>
+              <a:t>Preprocesare</a:t>
+            </a:r>
+            <a:endParaRPr lang="en-150" dirty="0"/>
+          </a:p>
+        </p:txBody>
+      </p:sp>
+      <p:graphicFrame>
+        <p:nvGraphicFramePr>
+          <p:cNvPr id="8" name="Substituent conținut 7">
+            <a:extLst>
+              <a:ext uri="{FF2B5EF4-FFF2-40B4-BE49-F238E27FC236}">
+                <a16:creationId xmlns:a16="http://schemas.microsoft.com/office/drawing/2014/main" id="{4EFE4D5F-7CF1-47B8-99C6-E53E1B86CE41}"/>
+              </a:ext>
+            </a:extLst>
+          </p:cNvPr>
+          <p:cNvGraphicFramePr>
+            <a:graphicFrameLocks noGrp="1"/>
+          </p:cNvGraphicFramePr>
+          <p:nvPr>
+            <p:ph idx="1"/>
+            <p:extLst>
+              <p:ext uri="{D42A27DB-BD31-4B8C-83A1-F6EECF244321}">
+                <p14:modId xmlns:p14="http://schemas.microsoft.com/office/powerpoint/2010/main" val="605442732"/>
+              </p:ext>
+            </p:extLst>
+          </p:nvPr>
+        </p:nvGraphicFramePr>
+        <p:xfrm>
+          <a:off x="1484313" y="2667000"/>
+          <a:ext cx="10018712" cy="2931160"/>
+        </p:xfrm>
+        <a:graphic>
+          <a:graphicData uri="http://schemas.openxmlformats.org/drawingml/2006/table">
+            <a:tbl>
+              <a:tblPr firstRow="1" bandRow="1">
+                <a:tableStyleId>{5C22544A-7EE6-4342-B048-85BDC9FD1C3A}</a:tableStyleId>
+              </a:tblPr>
+              <a:tblGrid>
+                <a:gridCol w="5009356">
+                  <a:extLst>
+                    <a:ext uri="{9D8B030D-6E8A-4147-A177-3AD203B41FA5}">
+                      <a16:colId xmlns:a16="http://schemas.microsoft.com/office/drawing/2014/main" val="3648535028"/>
+                    </a:ext>
+                  </a:extLst>
+                </a:gridCol>
+                <a:gridCol w="5009356">
+                  <a:extLst>
+                    <a:ext uri="{9D8B030D-6E8A-4147-A177-3AD203B41FA5}">
+                      <a16:colId xmlns:a16="http://schemas.microsoft.com/office/drawing/2014/main" val="2958090788"/>
+                    </a:ext>
+                  </a:extLst>
+                </a:gridCol>
+              </a:tblGrid>
+              <a:tr h="370840">
+                <a:tc>
+                  <a:txBody>
+                    <a:bodyPr/>
+                    <a:lstStyle/>
+                    <a:p>
+                      <a:r>
+                        <a:rPr lang="en-US" dirty="0">
+                          <a:solidFill>
+                            <a:schemeClr val="tx1"/>
+                          </a:solidFill>
+                        </a:rPr>
+                        <a:t>Opera</a:t>
+                      </a:r>
+                      <a:r>
+                        <a:rPr lang="ro-RO" dirty="0">
+                          <a:solidFill>
+                            <a:schemeClr val="tx1"/>
+                          </a:solidFill>
+                        </a:rPr>
+                        <a:t>ție</a:t>
+                      </a:r>
+                      <a:endParaRPr lang="en-150" dirty="0">
+                        <a:solidFill>
+                          <a:schemeClr val="tx1"/>
+                        </a:solidFill>
+                      </a:endParaRPr>
+                    </a:p>
+                  </a:txBody>
+                  <a:tcPr/>
+                </a:tc>
+                <a:tc>
+                  <a:txBody>
+                    <a:bodyPr/>
+                    <a:lstStyle/>
+                    <a:p>
+                      <a:r>
+                        <a:rPr lang="ro-RO" dirty="0">
+                          <a:solidFill>
+                            <a:schemeClr val="tx1"/>
+                          </a:solidFill>
+                        </a:rPr>
+                        <a:t>Timp</a:t>
+                      </a:r>
+                      <a:endParaRPr lang="en-150" dirty="0">
+                        <a:solidFill>
+                          <a:schemeClr val="tx1"/>
+                        </a:solidFill>
+                      </a:endParaRPr>
+                    </a:p>
+                  </a:txBody>
+                  <a:tcPr/>
+                </a:tc>
+                <a:extLst>
+                  <a:ext uri="{0D108BD9-81ED-4DB2-BD59-A6C34878D82A}">
+                    <a16:rowId xmlns:a16="http://schemas.microsoft.com/office/drawing/2014/main" val="2123248629"/>
+                  </a:ext>
+                </a:extLst>
+              </a:tr>
+              <a:tr h="370840">
+                <a:tc>
+                  <a:txBody>
+                    <a:bodyPr/>
+                    <a:lstStyle/>
+                    <a:p>
+                      <a:r>
+                        <a:rPr lang="en-US" dirty="0" err="1"/>
+                        <a:t>Extragere</a:t>
+                      </a:r>
+                      <a:r>
+                        <a:rPr lang="en-US" dirty="0"/>
+                        <a:t> plaintext</a:t>
+                      </a:r>
+                      <a:r>
+                        <a:rPr lang="ro-RO" dirty="0"/>
+                        <a:t> (</a:t>
+                      </a:r>
+                      <a:r>
+                        <a:rPr lang="ro-RO" dirty="0" err="1"/>
+                        <a:t>WikiExtractor</a:t>
+                      </a:r>
+                      <a:r>
+                        <a:rPr lang="ro-RO" dirty="0"/>
+                        <a:t> + </a:t>
+                      </a:r>
+                      <a:r>
+                        <a:rPr lang="ro-RO" dirty="0" err="1"/>
+                        <a:t>RegEx</a:t>
+                      </a:r>
+                      <a:r>
+                        <a:rPr lang="ro-RO" dirty="0"/>
+                        <a:t>)</a:t>
+                      </a:r>
+                      <a:endParaRPr lang="en-US" dirty="0"/>
+                    </a:p>
+                    <a:p>
+                      <a:endParaRPr lang="en-150" dirty="0"/>
+                    </a:p>
+                  </a:txBody>
+                  <a:tcPr/>
+                </a:tc>
+                <a:tc>
+                  <a:txBody>
+                    <a:bodyPr/>
+                    <a:lstStyle/>
+                    <a:p>
+                      <a:r>
+                        <a:rPr lang="en-US" dirty="0"/>
+                        <a:t>~ 4 ore</a:t>
+                      </a:r>
+                      <a:endParaRPr lang="en-150" dirty="0"/>
+                    </a:p>
+                  </a:txBody>
+                  <a:tcPr/>
+                </a:tc>
+                <a:extLst>
+                  <a:ext uri="{0D108BD9-81ED-4DB2-BD59-A6C34878D82A}">
+                    <a16:rowId xmlns:a16="http://schemas.microsoft.com/office/drawing/2014/main" val="3576372904"/>
+                  </a:ext>
+                </a:extLst>
+              </a:tr>
+              <a:tr h="370840">
+                <a:tc>
+                  <a:txBody>
+                    <a:bodyPr/>
+                    <a:lstStyle/>
+                    <a:p>
+                      <a:pPr marL="0" marR="0" lvl="0" indent="0" algn="l" defTabSz="457200" rtl="0" eaLnBrk="1" fontAlgn="auto" latinLnBrk="0" hangingPunct="1">
+                        <a:lnSpc>
+                          <a:spcPct val="100000"/>
+                        </a:lnSpc>
+                        <a:spcBef>
+                          <a:spcPts val="0"/>
+                        </a:spcBef>
+                        <a:spcAft>
+                          <a:spcPts val="0"/>
+                        </a:spcAft>
+                        <a:buClrTx/>
+                        <a:buSzTx/>
+                        <a:buFontTx/>
+                        <a:buNone/>
+                        <a:tabLst/>
+                        <a:defRPr/>
+                      </a:pPr>
+                      <a:r>
+                        <a:rPr lang="en-US" dirty="0" err="1"/>
+                        <a:t>Normalizarea</a:t>
+                      </a:r>
+                      <a:r>
+                        <a:rPr lang="en-US" dirty="0"/>
+                        <a:t> </a:t>
+                      </a:r>
+                      <a:r>
+                        <a:rPr lang="en-US" dirty="0" err="1"/>
+                        <a:t>textului</a:t>
+                      </a:r>
+                      <a:r>
+                        <a:rPr lang="ro-RO" dirty="0"/>
+                        <a:t> (diacritice)</a:t>
+                      </a:r>
+                      <a:endParaRPr lang="en-US" dirty="0"/>
+                    </a:p>
+                    <a:p>
+                      <a:endParaRPr lang="en-150" dirty="0"/>
+                    </a:p>
+                  </a:txBody>
+                  <a:tcPr/>
+                </a:tc>
+                <a:tc>
+                  <a:txBody>
+                    <a:bodyPr/>
+                    <a:lstStyle/>
+                    <a:p>
+                      <a:r>
+                        <a:rPr lang="en-US" dirty="0"/>
+                        <a:t>~ 2 ore</a:t>
+                      </a:r>
+                      <a:endParaRPr lang="en-150" dirty="0"/>
+                    </a:p>
+                  </a:txBody>
+                  <a:tcPr/>
+                </a:tc>
+                <a:extLst>
+                  <a:ext uri="{0D108BD9-81ED-4DB2-BD59-A6C34878D82A}">
+                    <a16:rowId xmlns:a16="http://schemas.microsoft.com/office/drawing/2014/main" val="3105747198"/>
+                  </a:ext>
+                </a:extLst>
+              </a:tr>
+              <a:tr h="370840">
+                <a:tc>
+                  <a:txBody>
+                    <a:bodyPr/>
+                    <a:lstStyle/>
+                    <a:p>
+                      <a:pPr marL="0" marR="0" lvl="0" indent="0" algn="l" defTabSz="457200" rtl="0" eaLnBrk="1" fontAlgn="auto" latinLnBrk="0" hangingPunct="1">
+                        <a:lnSpc>
+                          <a:spcPct val="100000"/>
+                        </a:lnSpc>
+                        <a:spcBef>
+                          <a:spcPts val="0"/>
+                        </a:spcBef>
+                        <a:spcAft>
+                          <a:spcPts val="0"/>
+                        </a:spcAft>
+                        <a:buClrTx/>
+                        <a:buSzTx/>
+                        <a:buFontTx/>
+                        <a:buNone/>
+                        <a:tabLst/>
+                        <a:defRPr/>
+                      </a:pPr>
+                      <a:r>
+                        <a:rPr lang="en-US" dirty="0" err="1"/>
+                        <a:t>Stopword</a:t>
+                      </a:r>
+                      <a:r>
+                        <a:rPr lang="en-US" dirty="0"/>
+                        <a:t> removal</a:t>
+                      </a:r>
+                    </a:p>
+                    <a:p>
+                      <a:endParaRPr lang="en-150" dirty="0"/>
+                    </a:p>
+                  </a:txBody>
+                  <a:tcPr/>
+                </a:tc>
+                <a:tc>
+                  <a:txBody>
+                    <a:bodyPr/>
+                    <a:lstStyle/>
+                    <a:p>
+                      <a:r>
+                        <a:rPr lang="en-US" dirty="0"/>
+                        <a:t>~ 3 ore</a:t>
+                      </a:r>
+                      <a:endParaRPr lang="en-150" dirty="0"/>
+                    </a:p>
+                  </a:txBody>
+                  <a:tcPr/>
+                </a:tc>
+                <a:extLst>
+                  <a:ext uri="{0D108BD9-81ED-4DB2-BD59-A6C34878D82A}">
+                    <a16:rowId xmlns:a16="http://schemas.microsoft.com/office/drawing/2014/main" val="2103177598"/>
+                  </a:ext>
+                </a:extLst>
+              </a:tr>
+              <a:tr h="370840">
+                <a:tc>
+                  <a:txBody>
+                    <a:bodyPr/>
+                    <a:lstStyle/>
+                    <a:p>
+                      <a:pPr marL="0" marR="0" lvl="0" indent="0" algn="l" defTabSz="457200" rtl="0" eaLnBrk="1" fontAlgn="auto" latinLnBrk="0" hangingPunct="1">
+                        <a:lnSpc>
+                          <a:spcPct val="100000"/>
+                        </a:lnSpc>
+                        <a:spcBef>
+                          <a:spcPts val="0"/>
+                        </a:spcBef>
+                        <a:spcAft>
+                          <a:spcPts val="0"/>
+                        </a:spcAft>
+                        <a:buClrTx/>
+                        <a:buSzTx/>
+                        <a:buFontTx/>
+                        <a:buNone/>
+                        <a:tabLst/>
+                        <a:defRPr/>
+                      </a:pPr>
+                      <a:r>
+                        <a:rPr lang="en-US" dirty="0"/>
+                        <a:t>Stemming</a:t>
+                      </a:r>
+                    </a:p>
+                    <a:p>
+                      <a:endParaRPr lang="en-150" dirty="0"/>
+                    </a:p>
+                  </a:txBody>
+                  <a:tcPr/>
+                </a:tc>
+                <a:tc>
+                  <a:txBody>
+                    <a:bodyPr/>
+                    <a:lstStyle/>
+                    <a:p>
+                      <a:r>
+                        <a:rPr lang="en-US" dirty="0"/>
+                        <a:t>~ 4 ore</a:t>
+                      </a:r>
+                      <a:endParaRPr lang="en-150" dirty="0"/>
+                    </a:p>
+                  </a:txBody>
+                  <a:tcPr/>
+                </a:tc>
+                <a:extLst>
+                  <a:ext uri="{0D108BD9-81ED-4DB2-BD59-A6C34878D82A}">
+                    <a16:rowId xmlns:a16="http://schemas.microsoft.com/office/drawing/2014/main" val="246041717"/>
+                  </a:ext>
+                </a:extLst>
+              </a:tr>
+            </a:tbl>
+          </a:graphicData>
+        </a:graphic>
+      </p:graphicFrame>
+    </p:spTree>
+    <p:extLst>
+      <p:ext uri="{BB962C8B-B14F-4D97-AF65-F5344CB8AC3E}">
+        <p14:creationId xmlns:p14="http://schemas.microsoft.com/office/powerpoint/2010/main" val="3342104314"/>
+      </p:ext>
+    </p:extLst>
+  </p:cSld>
+  <p:clrMapOvr>
+    <a:masterClrMapping/>
+  </p:clrMapOvr>
+</p:sld>
+</file>
+
+<file path=ppt/slides/slide11.xml><?xml version="1.0" encoding="utf-8"?>
+<p:sld xmlns:a="http://schemas.openxmlformats.org/drawingml/2006/main" xmlns:r="http://schemas.openxmlformats.org/officeDocument/2006/relationships" xmlns:p="http://schemas.openxmlformats.org/presentationml/2006/main">
+  <p:cSld>
+    <p:spTree>
+      <p:nvGrpSpPr>
+        <p:cNvPr id="1" name=""/>
+        <p:cNvGrpSpPr/>
+        <p:nvPr/>
+      </p:nvGrpSpPr>
+      <p:grpSpPr>
+        <a:xfrm>
+          <a:off x="0" y="0"/>
+          <a:ext cx="0" cy="0"/>
+          <a:chOff x="0" y="0"/>
+          <a:chExt cx="0" cy="0"/>
+        </a:xfrm>
+      </p:grpSpPr>
+      <p:graphicFrame>
+        <p:nvGraphicFramePr>
+          <p:cNvPr id="5" name="Tabel 4">
+            <a:extLst>
+              <a:ext uri="{FF2B5EF4-FFF2-40B4-BE49-F238E27FC236}">
+                <a16:creationId xmlns:a16="http://schemas.microsoft.com/office/drawing/2014/main" id="{5B7B8CF1-C39F-423C-B2EE-093417574777}"/>
+              </a:ext>
+            </a:extLst>
+          </p:cNvPr>
+          <p:cNvGraphicFramePr>
+            <a:graphicFrameLocks noGrp="1"/>
+          </p:cNvGraphicFramePr>
+          <p:nvPr>
+            <p:extLst>
+              <p:ext uri="{D42A27DB-BD31-4B8C-83A1-F6EECF244321}">
+                <p14:modId xmlns:p14="http://schemas.microsoft.com/office/powerpoint/2010/main" val="3539541385"/>
+              </p:ext>
+            </p:extLst>
+          </p:nvPr>
+        </p:nvGraphicFramePr>
+        <p:xfrm>
+          <a:off x="2120776" y="1465390"/>
+          <a:ext cx="9242642" cy="4851400"/>
+        </p:xfrm>
+        <a:graphic>
+          <a:graphicData uri="http://schemas.openxmlformats.org/drawingml/2006/table">
+            <a:tbl>
+              <a:tblPr firstRow="1" bandRow="1">
+                <a:tableStyleId>{5C22544A-7EE6-4342-B048-85BDC9FD1C3A}</a:tableStyleId>
+              </a:tblPr>
+              <a:tblGrid>
+                <a:gridCol w="4621321">
+                  <a:extLst>
+                    <a:ext uri="{9D8B030D-6E8A-4147-A177-3AD203B41FA5}">
+                      <a16:colId xmlns:a16="http://schemas.microsoft.com/office/drawing/2014/main" val="472272501"/>
+                    </a:ext>
+                  </a:extLst>
+                </a:gridCol>
+                <a:gridCol w="4621321">
+                  <a:extLst>
+                    <a:ext uri="{9D8B030D-6E8A-4147-A177-3AD203B41FA5}">
+                      <a16:colId xmlns:a16="http://schemas.microsoft.com/office/drawing/2014/main" val="3600905458"/>
+                    </a:ext>
+                  </a:extLst>
+                </a:gridCol>
+              </a:tblGrid>
+              <a:tr h="370840">
+                <a:tc>
+                  <a:txBody>
+                    <a:bodyPr/>
+                    <a:lstStyle/>
+                    <a:p>
+                      <a:r>
+                        <a:rPr lang="en-US" dirty="0">
+                          <a:solidFill>
+                            <a:schemeClr val="tx1"/>
+                          </a:solidFill>
+                        </a:rPr>
+                        <a:t>Input</a:t>
+                      </a:r>
+                      <a:endParaRPr lang="en-150" dirty="0">
+                        <a:solidFill>
+                          <a:schemeClr val="tx1"/>
+                        </a:solidFill>
+                      </a:endParaRPr>
+                    </a:p>
+                  </a:txBody>
+                  <a:tcPr/>
+                </a:tc>
+                <a:tc>
+                  <a:txBody>
+                    <a:bodyPr/>
+                    <a:lstStyle/>
+                    <a:p>
+                      <a:r>
+                        <a:rPr lang="en-US" dirty="0">
+                          <a:solidFill>
+                            <a:schemeClr val="tx1"/>
+                          </a:solidFill>
+                        </a:rPr>
+                        <a:t>Output</a:t>
+                      </a:r>
+                      <a:endParaRPr lang="en-150" dirty="0">
+                        <a:solidFill>
+                          <a:schemeClr val="tx1"/>
+                        </a:solidFill>
+                      </a:endParaRPr>
+                    </a:p>
+                  </a:txBody>
+                  <a:tcPr/>
+                </a:tc>
+                <a:extLst>
+                  <a:ext uri="{0D108BD9-81ED-4DB2-BD59-A6C34878D82A}">
+                    <a16:rowId xmlns:a16="http://schemas.microsoft.com/office/drawing/2014/main" val="1739239454"/>
+                  </a:ext>
+                </a:extLst>
+              </a:tr>
+              <a:tr h="370840">
+                <a:tc>
+                  <a:txBody>
+                    <a:bodyPr/>
+                    <a:lstStyle/>
+                    <a:p>
+                      <a:pPr marL="0" marR="0" lvl="0" indent="0" algn="l" defTabSz="457200" rtl="0" eaLnBrk="1" fontAlgn="auto" latinLnBrk="0" hangingPunct="1">
+                        <a:lnSpc>
+                          <a:spcPct val="100000"/>
+                        </a:lnSpc>
+                        <a:spcBef>
+                          <a:spcPts val="0"/>
+                        </a:spcBef>
+                        <a:spcAft>
+                          <a:spcPts val="0"/>
+                        </a:spcAft>
+                        <a:buClrTx/>
+                        <a:buSzTx/>
+                        <a:buFontTx/>
+                        <a:buNone/>
+                        <a:tabLst/>
+                        <a:defRPr/>
+                      </a:pPr>
+                      <a:r>
+                        <a:rPr lang="en-US" sz="1800" b="0" i="0" u="none" strike="noStrike" kern="1200" dirty="0">
+                          <a:solidFill>
+                            <a:schemeClr val="tx1"/>
+                          </a:solidFill>
+                          <a:effectLst/>
+                          <a:latin typeface="Courier New" panose="02070309020205020404" pitchFamily="49" charset="0"/>
+                          <a:ea typeface="+mn-ea"/>
+                          <a:cs typeface="Courier New" panose="02070309020205020404" pitchFamily="49" charset="0"/>
+                        </a:rPr>
+                        <a:t>'''</a:t>
+                      </a:r>
+                      <a:r>
+                        <a:rPr lang="en-US" sz="1800" b="0" i="0" u="none" strike="noStrike" kern="1200" dirty="0" err="1">
+                          <a:solidFill>
+                            <a:schemeClr val="tx1"/>
+                          </a:solidFill>
+                          <a:effectLst/>
+                          <a:latin typeface="Courier New" panose="02070309020205020404" pitchFamily="49" charset="0"/>
+                          <a:ea typeface="+mn-ea"/>
+                          <a:cs typeface="Courier New" panose="02070309020205020404" pitchFamily="49" charset="0"/>
+                        </a:rPr>
+                        <a:t>Cheile</a:t>
+                      </a:r>
+                      <a:r>
+                        <a:rPr lang="en-US" sz="1800" b="0" i="0" u="none" strike="noStrike" kern="1200" dirty="0">
+                          <a:solidFill>
+                            <a:schemeClr val="tx1"/>
+                          </a:solidFill>
+                          <a:effectLst/>
+                          <a:latin typeface="Courier New" panose="02070309020205020404" pitchFamily="49" charset="0"/>
+                          <a:ea typeface="+mn-ea"/>
+                          <a:cs typeface="Courier New" panose="02070309020205020404" pitchFamily="49" charset="0"/>
+                        </a:rPr>
+                        <a:t> </a:t>
+                      </a:r>
+                      <a:r>
+                        <a:rPr lang="en-US" sz="1800" b="0" i="0" u="none" strike="noStrike" kern="1200" dirty="0" err="1">
+                          <a:solidFill>
+                            <a:schemeClr val="tx1"/>
+                          </a:solidFill>
+                          <a:effectLst/>
+                          <a:latin typeface="Courier New" panose="02070309020205020404" pitchFamily="49" charset="0"/>
+                          <a:ea typeface="+mn-ea"/>
+                          <a:cs typeface="Courier New" panose="02070309020205020404" pitchFamily="49" charset="0"/>
+                        </a:rPr>
+                        <a:t>Șușarei</a:t>
+                      </a:r>
+                      <a:r>
+                        <a:rPr lang="en-US" sz="1800" b="0" i="0" u="none" strike="noStrike" kern="1200" dirty="0">
+                          <a:solidFill>
+                            <a:schemeClr val="tx1"/>
+                          </a:solidFill>
+                          <a:effectLst/>
+                          <a:latin typeface="Courier New" panose="02070309020205020404" pitchFamily="49" charset="0"/>
+                          <a:ea typeface="+mn-ea"/>
+                          <a:cs typeface="Courier New" panose="02070309020205020404" pitchFamily="49" charset="0"/>
+                        </a:rPr>
+                        <a:t>''' (</a:t>
+                      </a:r>
+                      <a:r>
+                        <a:rPr lang="en-US" sz="1800" b="0" i="0" u="none" strike="noStrike" kern="1200" dirty="0" err="1">
+                          <a:solidFill>
+                            <a:schemeClr val="tx1"/>
+                          </a:solidFill>
+                          <a:effectLst/>
+                          <a:latin typeface="Courier New" panose="02070309020205020404" pitchFamily="49" charset="0"/>
+                          <a:ea typeface="+mn-ea"/>
+                          <a:cs typeface="Courier New" panose="02070309020205020404" pitchFamily="49" charset="0"/>
+                        </a:rPr>
+                        <a:t>cunoscute</a:t>
+                      </a:r>
+                      <a:r>
+                        <a:rPr lang="en-US" sz="1800" b="0" i="0" u="none" strike="noStrike" kern="1200" dirty="0">
+                          <a:solidFill>
+                            <a:schemeClr val="tx1"/>
+                          </a:solidFill>
+                          <a:effectLst/>
+                          <a:latin typeface="Courier New" panose="02070309020205020404" pitchFamily="49" charset="0"/>
+                          <a:ea typeface="+mn-ea"/>
+                          <a:cs typeface="Courier New" panose="02070309020205020404" pitchFamily="49" charset="0"/>
+                        </a:rPr>
+                        <a:t> </a:t>
+                      </a:r>
+                      <a:r>
+                        <a:rPr lang="en-US" sz="1800" b="0" i="0" u="none" strike="noStrike" kern="1200" dirty="0" err="1">
+                          <a:solidFill>
+                            <a:schemeClr val="tx1"/>
+                          </a:solidFill>
+                          <a:effectLst/>
+                          <a:latin typeface="Courier New" panose="02070309020205020404" pitchFamily="49" charset="0"/>
+                          <a:ea typeface="+mn-ea"/>
+                          <a:cs typeface="Courier New" panose="02070309020205020404" pitchFamily="49" charset="0"/>
+                        </a:rPr>
+                        <a:t>și</a:t>
+                      </a:r>
+                      <a:r>
+                        <a:rPr lang="en-US" sz="1800" b="0" i="0" u="none" strike="noStrike" kern="1200" dirty="0">
+                          <a:solidFill>
+                            <a:schemeClr val="tx1"/>
+                          </a:solidFill>
+                          <a:effectLst/>
+                          <a:latin typeface="Courier New" panose="02070309020205020404" pitchFamily="49" charset="0"/>
+                          <a:ea typeface="+mn-ea"/>
+                          <a:cs typeface="Courier New" panose="02070309020205020404" pitchFamily="49" charset="0"/>
+                        </a:rPr>
+                        <a:t> sub </a:t>
+                      </a:r>
+                      <a:r>
+                        <a:rPr lang="en-US" sz="1800" b="0" i="0" u="none" strike="noStrike" kern="1200" dirty="0" err="1">
+                          <a:solidFill>
+                            <a:schemeClr val="tx1"/>
+                          </a:solidFill>
+                          <a:effectLst/>
+                          <a:latin typeface="Courier New" panose="02070309020205020404" pitchFamily="49" charset="0"/>
+                          <a:ea typeface="+mn-ea"/>
+                          <a:cs typeface="Courier New" panose="02070309020205020404" pitchFamily="49" charset="0"/>
+                        </a:rPr>
+                        <a:t>numele</a:t>
+                      </a:r>
+                      <a:r>
+                        <a:rPr lang="en-US" sz="1800" b="0" i="0" u="none" strike="noStrike" kern="1200" dirty="0">
+                          <a:solidFill>
+                            <a:schemeClr val="tx1"/>
+                          </a:solidFill>
+                          <a:effectLst/>
+                          <a:latin typeface="Courier New" panose="02070309020205020404" pitchFamily="49" charset="0"/>
+                          <a:ea typeface="+mn-ea"/>
+                          <a:cs typeface="Courier New" panose="02070309020205020404" pitchFamily="49" charset="0"/>
+                        </a:rPr>
+                        <a:t> de ''</a:t>
+                      </a:r>
+                      <a:r>
+                        <a:rPr lang="en-US" sz="1800" b="0" i="0" u="none" strike="noStrike" kern="1200" dirty="0" err="1">
+                          <a:solidFill>
+                            <a:schemeClr val="tx1"/>
+                          </a:solidFill>
+                          <a:effectLst/>
+                          <a:latin typeface="Courier New" panose="02070309020205020404" pitchFamily="49" charset="0"/>
+                          <a:ea typeface="+mn-ea"/>
+                          <a:cs typeface="Courier New" panose="02070309020205020404" pitchFamily="49" charset="0"/>
+                        </a:rPr>
+                        <a:t>Cheile</a:t>
+                      </a:r>
+                      <a:r>
+                        <a:rPr lang="en-US" sz="1800" b="0" i="0" u="none" strike="noStrike" kern="1200" dirty="0">
+                          <a:solidFill>
+                            <a:schemeClr val="tx1"/>
+                          </a:solidFill>
+                          <a:effectLst/>
+                          <a:latin typeface="Courier New" panose="02070309020205020404" pitchFamily="49" charset="0"/>
+                          <a:ea typeface="+mn-ea"/>
+                          <a:cs typeface="Courier New" panose="02070309020205020404" pitchFamily="49" charset="0"/>
+                        </a:rPr>
+                        <a:t> </a:t>
+                      </a:r>
+                      <a:r>
+                        <a:rPr lang="en-US" sz="1800" b="0" i="0" u="none" strike="noStrike" kern="1200" dirty="0" err="1">
+                          <a:solidFill>
+                            <a:schemeClr val="tx1"/>
+                          </a:solidFill>
+                          <a:effectLst/>
+                          <a:latin typeface="Courier New" panose="02070309020205020404" pitchFamily="49" charset="0"/>
+                          <a:ea typeface="+mn-ea"/>
+                          <a:cs typeface="Courier New" panose="02070309020205020404" pitchFamily="49" charset="0"/>
+                        </a:rPr>
+                        <a:t>Valea</a:t>
+                      </a:r>
+                      <a:r>
+                        <a:rPr lang="en-US" sz="1800" b="0" i="0" u="none" strike="noStrike" kern="1200" dirty="0">
+                          <a:solidFill>
+                            <a:schemeClr val="tx1"/>
+                          </a:solidFill>
+                          <a:effectLst/>
+                          <a:latin typeface="Courier New" panose="02070309020205020404" pitchFamily="49" charset="0"/>
+                          <a:ea typeface="+mn-ea"/>
+                          <a:cs typeface="Courier New" panose="02070309020205020404" pitchFamily="49" charset="0"/>
+                        </a:rPr>
+                        <a:t> </a:t>
+                      </a:r>
+                      <a:r>
+                        <a:rPr lang="en-US" sz="1800" b="0" i="0" u="none" strike="noStrike" kern="1200" dirty="0" err="1">
+                          <a:solidFill>
+                            <a:schemeClr val="tx1"/>
+                          </a:solidFill>
+                          <a:effectLst/>
+                          <a:latin typeface="Courier New" panose="02070309020205020404" pitchFamily="49" charset="0"/>
+                          <a:ea typeface="+mn-ea"/>
+                          <a:cs typeface="Courier New" panose="02070309020205020404" pitchFamily="49" charset="0"/>
+                        </a:rPr>
+                        <a:t>Morii</a:t>
+                      </a:r>
+                      <a:r>
+                        <a:rPr lang="en-US" sz="1800" b="0" i="0" u="none" strike="noStrike" kern="1200" dirty="0">
+                          <a:solidFill>
+                            <a:schemeClr val="tx1"/>
+                          </a:solidFill>
+                          <a:effectLst/>
+                          <a:latin typeface="Courier New" panose="02070309020205020404" pitchFamily="49" charset="0"/>
+                          <a:ea typeface="+mn-ea"/>
+                          <a:cs typeface="Courier New" panose="02070309020205020404" pitchFamily="49" charset="0"/>
+                        </a:rPr>
+                        <a:t>'') </a:t>
+                      </a:r>
+                      <a:r>
+                        <a:rPr lang="en-US" sz="1800" b="0" i="0" u="none" strike="noStrike" kern="1200" dirty="0" err="1">
+                          <a:solidFill>
+                            <a:schemeClr val="tx1"/>
+                          </a:solidFill>
+                          <a:effectLst/>
+                          <a:latin typeface="Courier New" panose="02070309020205020404" pitchFamily="49" charset="0"/>
+                          <a:ea typeface="+mn-ea"/>
+                          <a:cs typeface="Courier New" panose="02070309020205020404" pitchFamily="49" charset="0"/>
+                        </a:rPr>
+                        <a:t>alcătuiesc</a:t>
+                      </a:r>
+                      <a:r>
+                        <a:rPr lang="en-US" sz="1800" b="0" i="0" u="none" strike="noStrike" kern="1200" dirty="0">
+                          <a:solidFill>
+                            <a:schemeClr val="tx1"/>
+                          </a:solidFill>
+                          <a:effectLst/>
+                          <a:latin typeface="Courier New" panose="02070309020205020404" pitchFamily="49" charset="0"/>
+                          <a:ea typeface="+mn-ea"/>
+                          <a:cs typeface="Courier New" panose="02070309020205020404" pitchFamily="49" charset="0"/>
+                        </a:rPr>
+                        <a:t> o </a:t>
+                      </a:r>
+                      <a:r>
+                        <a:rPr lang="en-US" sz="1800" b="0" i="0" u="none" strike="noStrike" kern="1200" dirty="0" err="1">
+                          <a:solidFill>
+                            <a:schemeClr val="tx1"/>
+                          </a:solidFill>
+                          <a:effectLst/>
+                          <a:latin typeface="Courier New" panose="02070309020205020404" pitchFamily="49" charset="0"/>
+                          <a:ea typeface="+mn-ea"/>
+                          <a:cs typeface="Courier New" panose="02070309020205020404" pitchFamily="49" charset="0"/>
+                        </a:rPr>
+                        <a:t>arie</a:t>
+                      </a:r>
+                      <a:r>
+                        <a:rPr lang="en-US" sz="1800" b="0" i="0" u="none" strike="noStrike" kern="1200" dirty="0">
+                          <a:solidFill>
+                            <a:schemeClr val="tx1"/>
+                          </a:solidFill>
+                          <a:effectLst/>
+                          <a:latin typeface="Courier New" panose="02070309020205020404" pitchFamily="49" charset="0"/>
+                          <a:ea typeface="+mn-ea"/>
+                          <a:cs typeface="Courier New" panose="02070309020205020404" pitchFamily="49" charset="0"/>
+                        </a:rPr>
+                        <a:t> </a:t>
+                      </a:r>
+                      <a:r>
+                        <a:rPr lang="en-US" sz="1800" b="0" i="0" u="none" strike="noStrike" kern="1200" dirty="0" err="1">
+                          <a:solidFill>
+                            <a:schemeClr val="tx1"/>
+                          </a:solidFill>
+                          <a:effectLst/>
+                          <a:latin typeface="Courier New" panose="02070309020205020404" pitchFamily="49" charset="0"/>
+                          <a:ea typeface="+mn-ea"/>
+                          <a:cs typeface="Courier New" panose="02070309020205020404" pitchFamily="49" charset="0"/>
+                        </a:rPr>
+                        <a:t>protejată</a:t>
+                      </a:r>
+                      <a:r>
+                        <a:rPr lang="en-US" sz="1800" b="0" i="0" u="none" strike="noStrike" kern="1200" dirty="0">
+                          <a:solidFill>
+                            <a:schemeClr val="tx1"/>
+                          </a:solidFill>
+                          <a:effectLst/>
+                          <a:latin typeface="Courier New" panose="02070309020205020404" pitchFamily="49" charset="0"/>
+                          <a:ea typeface="+mn-ea"/>
+                          <a:cs typeface="Courier New" panose="02070309020205020404" pitchFamily="49" charset="0"/>
+                        </a:rPr>
+                        <a:t> de </a:t>
+                      </a:r>
+                      <a:r>
+                        <a:rPr lang="en-US" sz="1800" b="0" i="0" u="none" strike="noStrike" kern="1200" dirty="0" err="1">
+                          <a:solidFill>
+                            <a:schemeClr val="tx1"/>
+                          </a:solidFill>
+                          <a:effectLst/>
+                          <a:latin typeface="Courier New" panose="02070309020205020404" pitchFamily="49" charset="0"/>
+                          <a:ea typeface="+mn-ea"/>
+                          <a:cs typeface="Courier New" panose="02070309020205020404" pitchFamily="49" charset="0"/>
+                        </a:rPr>
+                        <a:t>interes</a:t>
+                      </a:r>
+                      <a:r>
+                        <a:rPr lang="en-US" sz="1800" b="0" i="0" u="none" strike="noStrike" kern="1200" dirty="0">
+                          <a:solidFill>
+                            <a:schemeClr val="tx1"/>
+                          </a:solidFill>
+                          <a:effectLst/>
+                          <a:latin typeface="Courier New" panose="02070309020205020404" pitchFamily="49" charset="0"/>
+                          <a:ea typeface="+mn-ea"/>
+                          <a:cs typeface="Courier New" panose="02070309020205020404" pitchFamily="49" charset="0"/>
+                        </a:rPr>
+                        <a:t> </a:t>
+                      </a:r>
+                      <a:r>
+                        <a:rPr lang="en-US" sz="1800" b="0" i="0" u="none" strike="noStrike" kern="1200" dirty="0" err="1">
+                          <a:solidFill>
+                            <a:schemeClr val="tx1"/>
+                          </a:solidFill>
+                          <a:effectLst/>
+                          <a:latin typeface="Courier New" panose="02070309020205020404" pitchFamily="49" charset="0"/>
+                          <a:ea typeface="+mn-ea"/>
+                          <a:cs typeface="Courier New" panose="02070309020205020404" pitchFamily="49" charset="0"/>
+                        </a:rPr>
+                        <a:t>național</a:t>
+                      </a:r>
+                      <a:r>
+                        <a:rPr lang="en-US" sz="1800" b="0" i="0" u="none" strike="noStrike" kern="1200" dirty="0">
+                          <a:solidFill>
+                            <a:schemeClr val="tx1"/>
+                          </a:solidFill>
+                          <a:effectLst/>
+                          <a:latin typeface="Courier New" panose="02070309020205020404" pitchFamily="49" charset="0"/>
+                          <a:ea typeface="+mn-ea"/>
+                          <a:cs typeface="Courier New" panose="02070309020205020404" pitchFamily="49" charset="0"/>
+                        </a:rPr>
+                        <a:t> </a:t>
+                      </a:r>
+                      <a:r>
+                        <a:rPr lang="en-US" sz="1800" b="0" i="0" u="none" strike="noStrike" kern="1200" dirty="0" err="1">
+                          <a:solidFill>
+                            <a:schemeClr val="tx1"/>
+                          </a:solidFill>
+                          <a:effectLst/>
+                          <a:latin typeface="Courier New" panose="02070309020205020404" pitchFamily="49" charset="0"/>
+                          <a:ea typeface="+mn-ea"/>
+                          <a:cs typeface="Courier New" panose="02070309020205020404" pitchFamily="49" charset="0"/>
+                        </a:rPr>
+                        <a:t>ce</a:t>
+                      </a:r>
+                      <a:r>
+                        <a:rPr lang="en-US" sz="1800" b="0" i="0" u="none" strike="noStrike" kern="1200" dirty="0">
+                          <a:solidFill>
+                            <a:schemeClr val="tx1"/>
+                          </a:solidFill>
+                          <a:effectLst/>
+                          <a:latin typeface="Courier New" panose="02070309020205020404" pitchFamily="49" charset="0"/>
+                          <a:ea typeface="+mn-ea"/>
+                          <a:cs typeface="Courier New" panose="02070309020205020404" pitchFamily="49" charset="0"/>
+                        </a:rPr>
+                        <a:t> </a:t>
+                      </a:r>
+                      <a:r>
+                        <a:rPr lang="en-US" sz="1800" b="0" i="0" u="none" strike="noStrike" kern="1200" dirty="0" err="1">
+                          <a:solidFill>
+                            <a:schemeClr val="tx1"/>
+                          </a:solidFill>
+                          <a:effectLst/>
+                          <a:latin typeface="Courier New" panose="02070309020205020404" pitchFamily="49" charset="0"/>
+                          <a:ea typeface="+mn-ea"/>
+                          <a:cs typeface="Courier New" panose="02070309020205020404" pitchFamily="49" charset="0"/>
+                        </a:rPr>
+                        <a:t>corespunde</a:t>
+                      </a:r>
+                      <a:r>
+                        <a:rPr lang="en-US" sz="1800" b="0" i="0" u="none" strike="noStrike" kern="1200" dirty="0">
+                          <a:solidFill>
+                            <a:schemeClr val="tx1"/>
+                          </a:solidFill>
+                          <a:effectLst/>
+                          <a:latin typeface="Courier New" panose="02070309020205020404" pitchFamily="49" charset="0"/>
+                          <a:ea typeface="+mn-ea"/>
+                          <a:cs typeface="Courier New" panose="02070309020205020404" pitchFamily="49" charset="0"/>
+                        </a:rPr>
+                        <a:t> </a:t>
+                      </a:r>
+                      <a:r>
+                        <a:rPr lang="en-US" sz="1800" b="0" i="0" u="none" strike="noStrike" kern="1200" dirty="0" err="1">
+                          <a:solidFill>
+                            <a:schemeClr val="tx1"/>
+                          </a:solidFill>
+                          <a:effectLst/>
+                          <a:latin typeface="Courier New" panose="02070309020205020404" pitchFamily="49" charset="0"/>
+                          <a:ea typeface="+mn-ea"/>
+                          <a:cs typeface="Courier New" panose="02070309020205020404" pitchFamily="49" charset="0"/>
+                        </a:rPr>
+                        <a:t>categoriei</a:t>
+                      </a:r>
+                      <a:r>
+                        <a:rPr lang="en-US" sz="1800" b="0" i="0" u="none" strike="noStrike" kern="1200" dirty="0">
+                          <a:solidFill>
+                            <a:schemeClr val="tx1"/>
+                          </a:solidFill>
+                          <a:effectLst/>
+                          <a:latin typeface="Courier New" panose="02070309020205020404" pitchFamily="49" charset="0"/>
+                          <a:ea typeface="+mn-ea"/>
+                          <a:cs typeface="Courier New" panose="02070309020205020404" pitchFamily="49" charset="0"/>
+                        </a:rPr>
+                        <a:t> a IV [[IUCN]] (</a:t>
+                      </a:r>
+                      <a:r>
+                        <a:rPr lang="en-US" sz="1800" b="0" i="0" u="none" strike="noStrike" kern="1200" dirty="0" err="1">
+                          <a:solidFill>
+                            <a:schemeClr val="tx1"/>
+                          </a:solidFill>
+                          <a:effectLst/>
+                          <a:latin typeface="Courier New" panose="02070309020205020404" pitchFamily="49" charset="0"/>
+                          <a:ea typeface="+mn-ea"/>
+                          <a:cs typeface="Courier New" panose="02070309020205020404" pitchFamily="49" charset="0"/>
+                        </a:rPr>
+                        <a:t>rezervație</a:t>
+                      </a:r>
+                      <a:r>
+                        <a:rPr lang="en-US" sz="1800" b="0" i="0" u="none" strike="noStrike" kern="1200" dirty="0">
+                          <a:solidFill>
+                            <a:schemeClr val="tx1"/>
+                          </a:solidFill>
+                          <a:effectLst/>
+                          <a:latin typeface="Courier New" panose="02070309020205020404" pitchFamily="49" charset="0"/>
+                          <a:ea typeface="+mn-ea"/>
+                          <a:cs typeface="Courier New" panose="02070309020205020404" pitchFamily="49" charset="0"/>
+                        </a:rPr>
+                        <a:t> </a:t>
+                      </a:r>
+                      <a:r>
+                        <a:rPr lang="en-US" sz="1800" b="0" i="0" u="none" strike="noStrike" kern="1200" dirty="0" err="1">
+                          <a:solidFill>
+                            <a:schemeClr val="tx1"/>
+                          </a:solidFill>
+                          <a:effectLst/>
+                          <a:latin typeface="Courier New" panose="02070309020205020404" pitchFamily="49" charset="0"/>
+                          <a:ea typeface="+mn-ea"/>
+                          <a:cs typeface="Courier New" panose="02070309020205020404" pitchFamily="49" charset="0"/>
+                        </a:rPr>
+                        <a:t>naturală</a:t>
+                      </a:r>
+                      <a:r>
+                        <a:rPr lang="en-US" sz="1800" b="0" i="0" u="none" strike="noStrike" kern="1200" dirty="0">
+                          <a:solidFill>
+                            <a:schemeClr val="tx1"/>
+                          </a:solidFill>
+                          <a:effectLst/>
+                          <a:latin typeface="Courier New" panose="02070309020205020404" pitchFamily="49" charset="0"/>
+                          <a:ea typeface="+mn-ea"/>
+                          <a:cs typeface="Courier New" panose="02070309020205020404" pitchFamily="49" charset="0"/>
+                        </a:rPr>
+                        <a:t> de tip mixt), </a:t>
+                      </a:r>
+                      <a:r>
+                        <a:rPr lang="en-US" sz="1800" b="0" i="0" u="none" strike="noStrike" kern="1200" dirty="0" err="1">
+                          <a:solidFill>
+                            <a:schemeClr val="tx1"/>
+                          </a:solidFill>
+                          <a:effectLst/>
+                          <a:latin typeface="Courier New" panose="02070309020205020404" pitchFamily="49" charset="0"/>
+                          <a:ea typeface="+mn-ea"/>
+                          <a:cs typeface="Courier New" panose="02070309020205020404" pitchFamily="49" charset="0"/>
+                        </a:rPr>
+                        <a:t>situată</a:t>
+                      </a:r>
+                      <a:r>
+                        <a:rPr lang="en-US" sz="1800" b="0" i="0" u="none" strike="noStrike" kern="1200" dirty="0">
+                          <a:solidFill>
+                            <a:schemeClr val="tx1"/>
+                          </a:solidFill>
+                          <a:effectLst/>
+                          <a:latin typeface="Courier New" panose="02070309020205020404" pitchFamily="49" charset="0"/>
+                          <a:ea typeface="+mn-ea"/>
+                          <a:cs typeface="Courier New" panose="02070309020205020404" pitchFamily="49" charset="0"/>
+                        </a:rPr>
+                        <a:t> </a:t>
+                      </a:r>
+                      <a:r>
+                        <a:rPr lang="en-US" sz="1800" b="0" i="0" u="none" strike="noStrike" kern="1200" dirty="0" err="1">
+                          <a:solidFill>
+                            <a:schemeClr val="tx1"/>
+                          </a:solidFill>
+                          <a:effectLst/>
+                          <a:latin typeface="Courier New" panose="02070309020205020404" pitchFamily="49" charset="0"/>
+                          <a:ea typeface="+mn-ea"/>
+                          <a:cs typeface="Courier New" panose="02070309020205020404" pitchFamily="49" charset="0"/>
+                        </a:rPr>
+                        <a:t>în</a:t>
+                      </a:r>
+                      <a:r>
+                        <a:rPr lang="en-US" sz="1800" b="0" i="0" u="none" strike="noStrike" kern="1200" dirty="0">
+                          <a:solidFill>
+                            <a:schemeClr val="tx1"/>
+                          </a:solidFill>
+                          <a:effectLst/>
+                          <a:latin typeface="Courier New" panose="02070309020205020404" pitchFamily="49" charset="0"/>
+                          <a:ea typeface="+mn-ea"/>
+                          <a:cs typeface="Courier New" panose="02070309020205020404" pitchFamily="49" charset="0"/>
+                        </a:rPr>
+                        <a:t> [[Banat]], </a:t>
+                      </a:r>
+                      <a:r>
+                        <a:rPr lang="en-US" sz="1800" b="0" i="0" u="none" strike="noStrike" kern="1200" dirty="0" err="1">
+                          <a:solidFill>
+                            <a:schemeClr val="tx1"/>
+                          </a:solidFill>
+                          <a:effectLst/>
+                          <a:latin typeface="Courier New" panose="02070309020205020404" pitchFamily="49" charset="0"/>
+                          <a:ea typeface="+mn-ea"/>
+                          <a:cs typeface="Courier New" panose="02070309020205020404" pitchFamily="49" charset="0"/>
+                        </a:rPr>
+                        <a:t>pe</a:t>
+                      </a:r>
+                      <a:r>
+                        <a:rPr lang="en-US" sz="1800" b="0" i="0" u="none" strike="noStrike" kern="1200" dirty="0">
+                          <a:solidFill>
+                            <a:schemeClr val="tx1"/>
+                          </a:solidFill>
+                          <a:effectLst/>
+                          <a:latin typeface="Courier New" panose="02070309020205020404" pitchFamily="49" charset="0"/>
+                          <a:ea typeface="+mn-ea"/>
+                          <a:cs typeface="Courier New" panose="02070309020205020404" pitchFamily="49" charset="0"/>
+                        </a:rPr>
+                        <a:t> </a:t>
+                      </a:r>
+                      <a:r>
+                        <a:rPr lang="en-US" sz="1800" b="0" i="0" u="none" strike="noStrike" kern="1200" dirty="0" err="1">
+                          <a:solidFill>
+                            <a:schemeClr val="tx1"/>
+                          </a:solidFill>
+                          <a:effectLst/>
+                          <a:latin typeface="Courier New" panose="02070309020205020404" pitchFamily="49" charset="0"/>
+                          <a:ea typeface="+mn-ea"/>
+                          <a:cs typeface="Courier New" panose="02070309020205020404" pitchFamily="49" charset="0"/>
+                        </a:rPr>
+                        <a:t>teritoriul</a:t>
+                      </a:r>
+                      <a:r>
+                        <a:rPr lang="en-US" sz="1800" b="0" i="0" u="none" strike="noStrike" kern="1200" dirty="0">
+                          <a:solidFill>
+                            <a:schemeClr val="tx1"/>
+                          </a:solidFill>
+                          <a:effectLst/>
+                          <a:latin typeface="Courier New" panose="02070309020205020404" pitchFamily="49" charset="0"/>
+                          <a:ea typeface="+mn-ea"/>
+                          <a:cs typeface="Courier New" panose="02070309020205020404" pitchFamily="49" charset="0"/>
+                        </a:rPr>
+                        <a:t> </a:t>
+                      </a:r>
+                      <a:r>
+                        <a:rPr lang="en-US" sz="1800" b="0" i="0" u="none" strike="noStrike" kern="1200" dirty="0" err="1">
+                          <a:solidFill>
+                            <a:schemeClr val="tx1"/>
+                          </a:solidFill>
+                          <a:effectLst/>
+                          <a:latin typeface="Courier New" panose="02070309020205020404" pitchFamily="49" charset="0"/>
+                          <a:ea typeface="+mn-ea"/>
+                          <a:cs typeface="Courier New" panose="02070309020205020404" pitchFamily="49" charset="0"/>
+                        </a:rPr>
+                        <a:t>județuli</a:t>
+                      </a:r>
+                      <a:r>
+                        <a:rPr lang="en-US" sz="1800" b="0" i="0" u="none" strike="noStrike" kern="1200" dirty="0">
+                          <a:solidFill>
+                            <a:schemeClr val="tx1"/>
+                          </a:solidFill>
+                          <a:effectLst/>
+                          <a:latin typeface="Courier New" panose="02070309020205020404" pitchFamily="49" charset="0"/>
+                          <a:ea typeface="+mn-ea"/>
+                          <a:cs typeface="Courier New" panose="02070309020205020404" pitchFamily="49" charset="0"/>
+                        </a:rPr>
+                        <a:t> [[</a:t>
+                      </a:r>
+                      <a:r>
+                        <a:rPr lang="en-US" sz="1800" b="0" i="0" u="none" strike="noStrike" kern="1200" dirty="0" err="1">
+                          <a:solidFill>
+                            <a:schemeClr val="tx1"/>
+                          </a:solidFill>
+                          <a:effectLst/>
+                          <a:latin typeface="Courier New" panose="02070309020205020404" pitchFamily="49" charset="0"/>
+                          <a:ea typeface="+mn-ea"/>
+                          <a:cs typeface="Courier New" panose="02070309020205020404" pitchFamily="49" charset="0"/>
+                        </a:rPr>
+                        <a:t>Județul</a:t>
+                      </a:r>
+                      <a:r>
+                        <a:rPr lang="en-US" sz="1800" b="0" i="0" u="none" strike="noStrike" kern="1200" dirty="0">
+                          <a:solidFill>
+                            <a:schemeClr val="tx1"/>
+                          </a:solidFill>
+                          <a:effectLst/>
+                          <a:latin typeface="Courier New" panose="02070309020205020404" pitchFamily="49" charset="0"/>
+                          <a:ea typeface="+mn-ea"/>
+                          <a:cs typeface="Courier New" panose="02070309020205020404" pitchFamily="49" charset="0"/>
+                        </a:rPr>
+                        <a:t> </a:t>
+                      </a:r>
+                      <a:r>
+                        <a:rPr lang="en-US" sz="1800" b="0" i="0" u="none" strike="noStrike" kern="1200" dirty="0" err="1">
+                          <a:solidFill>
+                            <a:schemeClr val="tx1"/>
+                          </a:solidFill>
+                          <a:effectLst/>
+                          <a:latin typeface="Courier New" panose="02070309020205020404" pitchFamily="49" charset="0"/>
+                          <a:ea typeface="+mn-ea"/>
+                          <a:cs typeface="Courier New" panose="02070309020205020404" pitchFamily="49" charset="0"/>
+                        </a:rPr>
+                        <a:t>Caraș-Severin|Caraș-Severin</a:t>
+                      </a:r>
+                      <a:r>
+                        <a:rPr lang="en-US" sz="1800" b="0" i="0" u="none" strike="noStrike" kern="1200" dirty="0">
+                          <a:solidFill>
+                            <a:schemeClr val="tx1"/>
+                          </a:solidFill>
+                          <a:effectLst/>
+                          <a:latin typeface="Courier New" panose="02070309020205020404" pitchFamily="49" charset="0"/>
+                          <a:ea typeface="+mn-ea"/>
+                          <a:cs typeface="Courier New" panose="02070309020205020404" pitchFamily="49" charset="0"/>
+                        </a:rPr>
+                        <a:t>]]&lt;ref&gt;[http://www.protectedplanet.net/sites/183539 ProtectedPlanet.net - </a:t>
+                      </a:r>
+                      <a:r>
+                        <a:rPr lang="en-US" sz="1800" b="0" i="0" u="none" strike="noStrike" kern="1200" dirty="0" err="1">
+                          <a:solidFill>
+                            <a:schemeClr val="tx1"/>
+                          </a:solidFill>
+                          <a:effectLst/>
+                          <a:latin typeface="Courier New" panose="02070309020205020404" pitchFamily="49" charset="0"/>
+                          <a:ea typeface="+mn-ea"/>
+                          <a:cs typeface="Courier New" panose="02070309020205020404" pitchFamily="49" charset="0"/>
+                        </a:rPr>
+                        <a:t>Cheile</a:t>
+                      </a:r>
+                      <a:r>
+                        <a:rPr lang="en-US" sz="1800" b="0" i="0" u="none" strike="noStrike" kern="1200" dirty="0">
+                          <a:solidFill>
+                            <a:schemeClr val="tx1"/>
+                          </a:solidFill>
+                          <a:effectLst/>
+                          <a:latin typeface="Courier New" panose="02070309020205020404" pitchFamily="49" charset="0"/>
+                          <a:ea typeface="+mn-ea"/>
+                          <a:cs typeface="Courier New" panose="02070309020205020404" pitchFamily="49" charset="0"/>
+                        </a:rPr>
+                        <a:t> </a:t>
+                      </a:r>
+                      <a:r>
+                        <a:rPr lang="en-US" sz="1800" b="0" i="0" u="none" strike="noStrike" kern="1200" dirty="0" err="1">
+                          <a:solidFill>
+                            <a:schemeClr val="tx1"/>
+                          </a:solidFill>
+                          <a:effectLst/>
+                          <a:latin typeface="Courier New" panose="02070309020205020404" pitchFamily="49" charset="0"/>
+                          <a:ea typeface="+mn-ea"/>
+                          <a:cs typeface="Courier New" panose="02070309020205020404" pitchFamily="49" charset="0"/>
+                        </a:rPr>
+                        <a:t>Șușarei</a:t>
+                      </a:r>
+                      <a:r>
+                        <a:rPr lang="en-US" sz="1800" b="0" i="0" u="none" strike="noStrike" kern="1200" dirty="0">
+                          <a:solidFill>
+                            <a:schemeClr val="tx1"/>
+                          </a:solidFill>
+                          <a:effectLst/>
+                          <a:latin typeface="Courier New" panose="02070309020205020404" pitchFamily="49" charset="0"/>
+                          <a:ea typeface="+mn-ea"/>
+                          <a:cs typeface="Courier New" panose="02070309020205020404" pitchFamily="49" charset="0"/>
+                        </a:rPr>
+                        <a:t> - </a:t>
+                      </a:r>
+                      <a:r>
+                        <a:rPr lang="en-US" sz="1800" b="0" i="0" u="none" strike="noStrike" kern="1200" dirty="0" err="1">
+                          <a:solidFill>
+                            <a:schemeClr val="tx1"/>
+                          </a:solidFill>
+                          <a:effectLst/>
+                          <a:latin typeface="Courier New" panose="02070309020205020404" pitchFamily="49" charset="0"/>
+                          <a:ea typeface="+mn-ea"/>
+                          <a:cs typeface="Courier New" panose="02070309020205020404" pitchFamily="49" charset="0"/>
+                        </a:rPr>
+                        <a:t>delimitarea</a:t>
+                      </a:r>
+                      <a:r>
+                        <a:rPr lang="en-US" sz="1800" b="0" i="0" u="none" strike="noStrike" kern="1200" dirty="0">
+                          <a:solidFill>
+                            <a:schemeClr val="tx1"/>
+                          </a:solidFill>
+                          <a:effectLst/>
+                          <a:latin typeface="Courier New" panose="02070309020205020404" pitchFamily="49" charset="0"/>
+                          <a:ea typeface="+mn-ea"/>
+                          <a:cs typeface="Courier New" panose="02070309020205020404" pitchFamily="49" charset="0"/>
+                        </a:rPr>
+                        <a:t> </a:t>
+                      </a:r>
+                      <a:r>
+                        <a:rPr lang="en-US" sz="1800" b="0" i="0" u="none" strike="noStrike" kern="1200" dirty="0" err="1">
+                          <a:solidFill>
+                            <a:schemeClr val="tx1"/>
+                          </a:solidFill>
+                          <a:effectLst/>
+                          <a:latin typeface="Courier New" panose="02070309020205020404" pitchFamily="49" charset="0"/>
+                          <a:ea typeface="+mn-ea"/>
+                          <a:cs typeface="Courier New" panose="02070309020205020404" pitchFamily="49" charset="0"/>
+                        </a:rPr>
+                        <a:t>ariei</a:t>
+                      </a:r>
+                      <a:r>
+                        <a:rPr lang="en-US" sz="1800" b="0" i="0" u="none" strike="noStrike" kern="1200" dirty="0">
+                          <a:solidFill>
+                            <a:schemeClr val="tx1"/>
+                          </a:solidFill>
+                          <a:effectLst/>
+                          <a:latin typeface="Courier New" panose="02070309020205020404" pitchFamily="49" charset="0"/>
+                          <a:ea typeface="+mn-ea"/>
+                          <a:cs typeface="Courier New" panose="02070309020205020404" pitchFamily="49" charset="0"/>
+                        </a:rPr>
+                        <a:t> </a:t>
+                      </a:r>
+                      <a:r>
+                        <a:rPr lang="en-US" sz="1800" b="0" i="0" u="none" strike="noStrike" kern="1200" dirty="0" err="1">
+                          <a:solidFill>
+                            <a:schemeClr val="tx1"/>
+                          </a:solidFill>
+                          <a:effectLst/>
+                          <a:latin typeface="Courier New" panose="02070309020205020404" pitchFamily="49" charset="0"/>
+                          <a:ea typeface="+mn-ea"/>
+                          <a:cs typeface="Courier New" panose="02070309020205020404" pitchFamily="49" charset="0"/>
+                        </a:rPr>
+                        <a:t>protejate</a:t>
+                      </a:r>
+                      <a:r>
+                        <a:rPr lang="en-US" sz="1800" b="0" i="0" u="none" strike="noStrike" kern="1200" dirty="0">
+                          <a:solidFill>
+                            <a:schemeClr val="tx1"/>
+                          </a:solidFill>
+                          <a:effectLst/>
+                          <a:latin typeface="Courier New" panose="02070309020205020404" pitchFamily="49" charset="0"/>
+                          <a:ea typeface="+mn-ea"/>
+                          <a:cs typeface="Courier New" panose="02070309020205020404" pitchFamily="49" charset="0"/>
+                        </a:rPr>
+                        <a:t>], </a:t>
+                      </a:r>
+                      <a:r>
+                        <a:rPr lang="en-US" sz="1800" b="0" i="0" u="none" strike="noStrike" kern="1200" dirty="0" err="1">
+                          <a:solidFill>
+                            <a:schemeClr val="tx1"/>
+                          </a:solidFill>
+                          <a:effectLst/>
+                          <a:latin typeface="Courier New" panose="02070309020205020404" pitchFamily="49" charset="0"/>
+                          <a:ea typeface="+mn-ea"/>
+                          <a:cs typeface="Courier New" panose="02070309020205020404" pitchFamily="49" charset="0"/>
+                        </a:rPr>
+                        <a:t>accesat</a:t>
+                      </a:r>
+                      <a:r>
+                        <a:rPr lang="en-US" sz="1800" b="0" i="0" u="none" strike="noStrike" kern="1200" dirty="0">
+                          <a:solidFill>
+                            <a:schemeClr val="tx1"/>
+                          </a:solidFill>
+                          <a:effectLst/>
+                          <a:latin typeface="Courier New" panose="02070309020205020404" pitchFamily="49" charset="0"/>
+                          <a:ea typeface="+mn-ea"/>
+                          <a:cs typeface="Courier New" panose="02070309020205020404" pitchFamily="49" charset="0"/>
+                        </a:rPr>
+                        <a:t> la 10 </a:t>
+                      </a:r>
+                      <a:r>
+                        <a:rPr lang="en-US" sz="1800" b="0" i="0" u="none" strike="noStrike" kern="1200" dirty="0" err="1">
+                          <a:solidFill>
+                            <a:schemeClr val="tx1"/>
+                          </a:solidFill>
+                          <a:effectLst/>
+                          <a:latin typeface="Courier New" panose="02070309020205020404" pitchFamily="49" charset="0"/>
+                          <a:ea typeface="+mn-ea"/>
+                          <a:cs typeface="Courier New" panose="02070309020205020404" pitchFamily="49" charset="0"/>
+                        </a:rPr>
+                        <a:t>martie</a:t>
+                      </a:r>
+                      <a:r>
+                        <a:rPr lang="en-US" sz="1800" b="0" i="0" u="none" strike="noStrike" kern="1200" dirty="0">
+                          <a:solidFill>
+                            <a:schemeClr val="tx1"/>
+                          </a:solidFill>
+                          <a:effectLst/>
+                          <a:latin typeface="Courier New" panose="02070309020205020404" pitchFamily="49" charset="0"/>
+                          <a:ea typeface="+mn-ea"/>
+                          <a:cs typeface="Courier New" panose="02070309020205020404" pitchFamily="49" charset="0"/>
+                        </a:rPr>
+                        <a:t> 2012&lt;/ref&gt;.</a:t>
+                      </a:r>
+                      <a:endParaRPr lang="en-US" sz="1800" dirty="0">
+                        <a:solidFill>
+                          <a:schemeClr val="tx1"/>
+                        </a:solidFill>
+                        <a:effectLst/>
+                        <a:latin typeface="Courier New" panose="02070309020205020404" pitchFamily="49" charset="0"/>
+                        <a:cs typeface="Courier New" panose="02070309020205020404" pitchFamily="49" charset="0"/>
+                      </a:endParaRPr>
+                    </a:p>
+                    <a:p>
+                      <a:endParaRPr lang="en-150" dirty="0">
+                        <a:solidFill>
+                          <a:schemeClr val="tx1"/>
+                        </a:solidFill>
+                        <a:latin typeface="Courier New" panose="02070309020205020404" pitchFamily="49" charset="0"/>
+                        <a:cs typeface="Courier New" panose="02070309020205020404" pitchFamily="49" charset="0"/>
+                      </a:endParaRPr>
+                    </a:p>
+                  </a:txBody>
+                  <a:tcPr/>
+                </a:tc>
+                <a:tc>
+                  <a:txBody>
+                    <a:bodyPr/>
+                    <a:lstStyle/>
+                    <a:p>
+                      <a:pPr marL="0" marR="0" lvl="0" indent="0" algn="l" defTabSz="457200" rtl="0" eaLnBrk="1" fontAlgn="auto" latinLnBrk="0" hangingPunct="1">
+                        <a:lnSpc>
+                          <a:spcPct val="100000"/>
+                        </a:lnSpc>
+                        <a:spcBef>
+                          <a:spcPts val="0"/>
+                        </a:spcBef>
+                        <a:spcAft>
+                          <a:spcPts val="0"/>
+                        </a:spcAft>
+                        <a:buClrTx/>
+                        <a:buSzTx/>
+                        <a:buFontTx/>
+                        <a:buNone/>
+                        <a:tabLst/>
+                        <a:defRPr/>
+                      </a:pPr>
+                      <a:r>
+                        <a:rPr lang="en-US" sz="1800" b="0" i="0" u="none" strike="noStrike" kern="1200" dirty="0" err="1">
+                          <a:solidFill>
+                            <a:schemeClr val="tx1"/>
+                          </a:solidFill>
+                          <a:effectLst/>
+                          <a:latin typeface="Courier New" panose="02070309020205020404" pitchFamily="49" charset="0"/>
+                          <a:ea typeface="+mn-ea"/>
+                          <a:cs typeface="Courier New" panose="02070309020205020404" pitchFamily="49" charset="0"/>
+                        </a:rPr>
+                        <a:t>cheile</a:t>
+                      </a:r>
+                      <a:r>
+                        <a:rPr lang="en-US" sz="1800" b="0" i="0" u="none" strike="noStrike" kern="1200" dirty="0">
+                          <a:solidFill>
+                            <a:schemeClr val="tx1"/>
+                          </a:solidFill>
+                          <a:effectLst/>
+                          <a:latin typeface="Courier New" panose="02070309020205020404" pitchFamily="49" charset="0"/>
+                          <a:ea typeface="+mn-ea"/>
+                          <a:cs typeface="Courier New" panose="02070309020205020404" pitchFamily="49" charset="0"/>
+                        </a:rPr>
+                        <a:t> </a:t>
+                      </a:r>
+                      <a:r>
+                        <a:rPr lang="en-US" sz="1800" b="0" i="0" u="none" strike="noStrike" kern="1200" dirty="0" err="1">
+                          <a:solidFill>
+                            <a:schemeClr val="tx1"/>
+                          </a:solidFill>
+                          <a:effectLst/>
+                          <a:latin typeface="Courier New" panose="02070309020205020404" pitchFamily="49" charset="0"/>
+                          <a:ea typeface="+mn-ea"/>
+                          <a:cs typeface="Courier New" panose="02070309020205020404" pitchFamily="49" charset="0"/>
+                        </a:rPr>
+                        <a:t>sușarei</a:t>
+                      </a:r>
+                      <a:r>
+                        <a:rPr lang="en-US" sz="1800" b="0" i="0" u="none" strike="noStrike" kern="1200" dirty="0">
+                          <a:solidFill>
+                            <a:schemeClr val="tx1"/>
+                          </a:solidFill>
+                          <a:effectLst/>
+                          <a:latin typeface="Courier New" panose="02070309020205020404" pitchFamily="49" charset="0"/>
+                          <a:ea typeface="+mn-ea"/>
+                          <a:cs typeface="Courier New" panose="02070309020205020404" pitchFamily="49" charset="0"/>
+                        </a:rPr>
+                        <a:t> </a:t>
+                      </a:r>
+                      <a:r>
+                        <a:rPr lang="en-US" sz="1800" b="0" i="0" u="none" strike="noStrike" kern="1200" dirty="0" err="1">
+                          <a:solidFill>
+                            <a:schemeClr val="tx1"/>
+                          </a:solidFill>
+                          <a:effectLst/>
+                          <a:latin typeface="Courier New" panose="02070309020205020404" pitchFamily="49" charset="0"/>
+                          <a:ea typeface="+mn-ea"/>
+                          <a:cs typeface="Courier New" panose="02070309020205020404" pitchFamily="49" charset="0"/>
+                        </a:rPr>
+                        <a:t>cunoscute</a:t>
+                      </a:r>
+                      <a:r>
+                        <a:rPr lang="en-US" sz="1800" b="0" i="0" u="none" strike="noStrike" kern="1200" dirty="0">
+                          <a:solidFill>
+                            <a:schemeClr val="tx1"/>
+                          </a:solidFill>
+                          <a:effectLst/>
+                          <a:latin typeface="Courier New" panose="02070309020205020404" pitchFamily="49" charset="0"/>
+                          <a:ea typeface="+mn-ea"/>
+                          <a:cs typeface="Courier New" panose="02070309020205020404" pitchFamily="49" charset="0"/>
+                        </a:rPr>
+                        <a:t> </a:t>
+                      </a:r>
+                      <a:r>
+                        <a:rPr lang="en-US" sz="1800" b="0" i="0" u="none" strike="noStrike" kern="1200" dirty="0" err="1">
+                          <a:solidFill>
+                            <a:schemeClr val="tx1"/>
+                          </a:solidFill>
+                          <a:effectLst/>
+                          <a:latin typeface="Courier New" panose="02070309020205020404" pitchFamily="49" charset="0"/>
+                          <a:ea typeface="+mn-ea"/>
+                          <a:cs typeface="Courier New" panose="02070309020205020404" pitchFamily="49" charset="0"/>
+                        </a:rPr>
+                        <a:t>numele</a:t>
+                      </a:r>
+                      <a:r>
+                        <a:rPr lang="en-US" sz="1800" b="0" i="0" u="none" strike="noStrike" kern="1200" dirty="0">
+                          <a:solidFill>
+                            <a:schemeClr val="tx1"/>
+                          </a:solidFill>
+                          <a:effectLst/>
+                          <a:latin typeface="Courier New" panose="02070309020205020404" pitchFamily="49" charset="0"/>
+                          <a:ea typeface="+mn-ea"/>
+                          <a:cs typeface="Courier New" panose="02070309020205020404" pitchFamily="49" charset="0"/>
+                        </a:rPr>
+                        <a:t> de </a:t>
+                      </a:r>
+                      <a:r>
+                        <a:rPr lang="en-US" sz="1800" b="0" i="0" u="none" strike="noStrike" kern="1200" dirty="0" err="1">
+                          <a:solidFill>
+                            <a:schemeClr val="tx1"/>
+                          </a:solidFill>
+                          <a:effectLst/>
+                          <a:latin typeface="Courier New" panose="02070309020205020404" pitchFamily="49" charset="0"/>
+                          <a:ea typeface="+mn-ea"/>
+                          <a:cs typeface="Courier New" panose="02070309020205020404" pitchFamily="49" charset="0"/>
+                        </a:rPr>
+                        <a:t>chei</a:t>
+                      </a:r>
+                      <a:r>
+                        <a:rPr lang="en-US" sz="1800" b="0" i="0" u="none" strike="noStrike" kern="1200" dirty="0">
+                          <a:solidFill>
+                            <a:schemeClr val="tx1"/>
+                          </a:solidFill>
+                          <a:effectLst/>
+                          <a:latin typeface="Courier New" panose="02070309020205020404" pitchFamily="49" charset="0"/>
+                          <a:ea typeface="+mn-ea"/>
+                          <a:cs typeface="Courier New" panose="02070309020205020404" pitchFamily="49" charset="0"/>
+                        </a:rPr>
+                        <a:t> </a:t>
+                      </a:r>
+                      <a:r>
+                        <a:rPr lang="en-US" sz="1800" b="0" i="0" u="none" strike="noStrike" kern="1200" dirty="0" err="1">
+                          <a:solidFill>
+                            <a:schemeClr val="tx1"/>
+                          </a:solidFill>
+                          <a:effectLst/>
+                          <a:latin typeface="Courier New" panose="02070309020205020404" pitchFamily="49" charset="0"/>
+                          <a:ea typeface="+mn-ea"/>
+                          <a:cs typeface="Courier New" panose="02070309020205020404" pitchFamily="49" charset="0"/>
+                        </a:rPr>
+                        <a:t>valea</a:t>
+                      </a:r>
+                      <a:r>
+                        <a:rPr lang="en-US" sz="1800" b="0" i="0" u="none" strike="noStrike" kern="1200" dirty="0">
+                          <a:solidFill>
+                            <a:schemeClr val="tx1"/>
+                          </a:solidFill>
+                          <a:effectLst/>
+                          <a:latin typeface="Courier New" panose="02070309020205020404" pitchFamily="49" charset="0"/>
+                          <a:ea typeface="+mn-ea"/>
+                          <a:cs typeface="Courier New" panose="02070309020205020404" pitchFamily="49" charset="0"/>
+                        </a:rPr>
+                        <a:t> </a:t>
+                      </a:r>
+                      <a:r>
+                        <a:rPr lang="en-US" sz="1800" b="0" i="0" u="none" strike="noStrike" kern="1200" dirty="0" err="1">
+                          <a:solidFill>
+                            <a:schemeClr val="tx1"/>
+                          </a:solidFill>
+                          <a:effectLst/>
+                          <a:latin typeface="Courier New" panose="02070309020205020404" pitchFamily="49" charset="0"/>
+                          <a:ea typeface="+mn-ea"/>
+                          <a:cs typeface="Courier New" panose="02070309020205020404" pitchFamily="49" charset="0"/>
+                        </a:rPr>
+                        <a:t>mori</a:t>
+                      </a:r>
+                      <a:r>
+                        <a:rPr lang="en-US" sz="1800" b="0" i="0" u="none" strike="noStrike" kern="1200" dirty="0">
+                          <a:solidFill>
+                            <a:schemeClr val="tx1"/>
+                          </a:solidFill>
+                          <a:effectLst/>
+                          <a:latin typeface="Courier New" panose="02070309020205020404" pitchFamily="49" charset="0"/>
+                          <a:ea typeface="+mn-ea"/>
+                          <a:cs typeface="Courier New" panose="02070309020205020404" pitchFamily="49" charset="0"/>
+                        </a:rPr>
+                        <a:t> </a:t>
+                      </a:r>
+                      <a:r>
+                        <a:rPr lang="en-US" sz="1800" b="0" i="0" u="none" strike="noStrike" kern="1200" dirty="0" err="1">
+                          <a:solidFill>
+                            <a:schemeClr val="tx1"/>
+                          </a:solidFill>
+                          <a:effectLst/>
+                          <a:latin typeface="Courier New" panose="02070309020205020404" pitchFamily="49" charset="0"/>
+                          <a:ea typeface="+mn-ea"/>
+                          <a:cs typeface="Courier New" panose="02070309020205020404" pitchFamily="49" charset="0"/>
+                        </a:rPr>
+                        <a:t>alcătui</a:t>
+                      </a:r>
+                      <a:r>
+                        <a:rPr lang="en-US" sz="1800" b="0" i="0" u="none" strike="noStrike" kern="1200" dirty="0">
+                          <a:solidFill>
+                            <a:schemeClr val="tx1"/>
+                          </a:solidFill>
+                          <a:effectLst/>
+                          <a:latin typeface="Courier New" panose="02070309020205020404" pitchFamily="49" charset="0"/>
+                          <a:ea typeface="+mn-ea"/>
+                          <a:cs typeface="Courier New" panose="02070309020205020404" pitchFamily="49" charset="0"/>
+                        </a:rPr>
+                        <a:t> </a:t>
+                      </a:r>
+                      <a:r>
+                        <a:rPr lang="en-US" sz="1800" b="0" i="0" u="none" strike="noStrike" kern="1200" dirty="0" err="1">
+                          <a:solidFill>
+                            <a:schemeClr val="tx1"/>
+                          </a:solidFill>
+                          <a:effectLst/>
+                          <a:latin typeface="Courier New" panose="02070309020205020404" pitchFamily="49" charset="0"/>
+                          <a:ea typeface="+mn-ea"/>
+                          <a:cs typeface="Courier New" panose="02070309020205020404" pitchFamily="49" charset="0"/>
+                        </a:rPr>
+                        <a:t>arie</a:t>
+                      </a:r>
+                      <a:r>
+                        <a:rPr lang="en-US" sz="1800" b="0" i="0" u="none" strike="noStrike" kern="1200" dirty="0">
+                          <a:solidFill>
+                            <a:schemeClr val="tx1"/>
+                          </a:solidFill>
+                          <a:effectLst/>
+                          <a:latin typeface="Courier New" panose="02070309020205020404" pitchFamily="49" charset="0"/>
+                          <a:ea typeface="+mn-ea"/>
+                          <a:cs typeface="Courier New" panose="02070309020205020404" pitchFamily="49" charset="0"/>
+                        </a:rPr>
+                        <a:t> </a:t>
+                      </a:r>
+                      <a:r>
+                        <a:rPr lang="en-US" sz="1800" b="0" i="0" u="none" strike="noStrike" kern="1200" dirty="0" err="1">
+                          <a:solidFill>
+                            <a:schemeClr val="tx1"/>
+                          </a:solidFill>
+                          <a:effectLst/>
+                          <a:latin typeface="Courier New" panose="02070309020205020404" pitchFamily="49" charset="0"/>
+                          <a:ea typeface="+mn-ea"/>
+                          <a:cs typeface="Courier New" panose="02070309020205020404" pitchFamily="49" charset="0"/>
+                        </a:rPr>
+                        <a:t>protejată</a:t>
+                      </a:r>
+                      <a:r>
+                        <a:rPr lang="en-US" sz="1800" b="0" i="0" u="none" strike="noStrike" kern="1200" dirty="0">
+                          <a:solidFill>
+                            <a:schemeClr val="tx1"/>
+                          </a:solidFill>
+                          <a:effectLst/>
+                          <a:latin typeface="Courier New" panose="02070309020205020404" pitchFamily="49" charset="0"/>
+                          <a:ea typeface="+mn-ea"/>
+                          <a:cs typeface="Courier New" panose="02070309020205020404" pitchFamily="49" charset="0"/>
+                        </a:rPr>
+                        <a:t> </a:t>
+                      </a:r>
+                      <a:r>
+                        <a:rPr lang="en-US" sz="1800" b="0" i="0" u="none" strike="noStrike" kern="1200" dirty="0" err="1">
+                          <a:solidFill>
+                            <a:schemeClr val="tx1"/>
+                          </a:solidFill>
+                          <a:effectLst/>
+                          <a:latin typeface="Courier New" panose="02070309020205020404" pitchFamily="49" charset="0"/>
+                          <a:ea typeface="+mn-ea"/>
+                          <a:cs typeface="Courier New" panose="02070309020205020404" pitchFamily="49" charset="0"/>
+                        </a:rPr>
+                        <a:t>interes</a:t>
+                      </a:r>
+                      <a:r>
+                        <a:rPr lang="en-US" sz="1800" b="0" i="0" u="none" strike="noStrike" kern="1200" dirty="0">
+                          <a:solidFill>
+                            <a:schemeClr val="tx1"/>
+                          </a:solidFill>
+                          <a:effectLst/>
+                          <a:latin typeface="Courier New" panose="02070309020205020404" pitchFamily="49" charset="0"/>
+                          <a:ea typeface="+mn-ea"/>
+                          <a:cs typeface="Courier New" panose="02070309020205020404" pitchFamily="49" charset="0"/>
+                        </a:rPr>
+                        <a:t> </a:t>
+                      </a:r>
+                      <a:r>
+                        <a:rPr lang="en-US" sz="1800" b="0" i="0" u="none" strike="noStrike" kern="1200" dirty="0" err="1">
+                          <a:solidFill>
+                            <a:schemeClr val="tx1"/>
+                          </a:solidFill>
+                          <a:effectLst/>
+                          <a:latin typeface="Courier New" panose="02070309020205020404" pitchFamily="49" charset="0"/>
+                          <a:ea typeface="+mn-ea"/>
+                          <a:cs typeface="Courier New" panose="02070309020205020404" pitchFamily="49" charset="0"/>
+                        </a:rPr>
+                        <a:t>național</a:t>
+                      </a:r>
+                      <a:r>
+                        <a:rPr lang="en-US" sz="1800" b="0" i="0" u="none" strike="noStrike" kern="1200" dirty="0">
+                          <a:solidFill>
+                            <a:schemeClr val="tx1"/>
+                          </a:solidFill>
+                          <a:effectLst/>
+                          <a:latin typeface="Courier New" panose="02070309020205020404" pitchFamily="49" charset="0"/>
+                          <a:ea typeface="+mn-ea"/>
+                          <a:cs typeface="Courier New" panose="02070309020205020404" pitchFamily="49" charset="0"/>
+                        </a:rPr>
+                        <a:t> </a:t>
+                      </a:r>
+                      <a:r>
+                        <a:rPr lang="en-US" sz="1800" b="0" i="0" u="none" strike="noStrike" kern="1200" dirty="0" err="1">
+                          <a:solidFill>
+                            <a:schemeClr val="tx1"/>
+                          </a:solidFill>
+                          <a:effectLst/>
+                          <a:latin typeface="Courier New" panose="02070309020205020404" pitchFamily="49" charset="0"/>
+                          <a:ea typeface="+mn-ea"/>
+                          <a:cs typeface="Courier New" panose="02070309020205020404" pitchFamily="49" charset="0"/>
+                        </a:rPr>
+                        <a:t>corespunde</a:t>
+                      </a:r>
+                      <a:r>
+                        <a:rPr lang="en-US" sz="1800" b="0" i="0" u="none" strike="noStrike" kern="1200" dirty="0">
+                          <a:solidFill>
+                            <a:schemeClr val="tx1"/>
+                          </a:solidFill>
+                          <a:effectLst/>
+                          <a:latin typeface="Courier New" panose="02070309020205020404" pitchFamily="49" charset="0"/>
+                          <a:ea typeface="+mn-ea"/>
+                          <a:cs typeface="Courier New" panose="02070309020205020404" pitchFamily="49" charset="0"/>
+                        </a:rPr>
+                        <a:t> </a:t>
+                      </a:r>
+                      <a:r>
+                        <a:rPr lang="en-US" sz="1800" b="0" i="0" u="none" strike="noStrike" kern="1200" dirty="0" err="1">
+                          <a:solidFill>
+                            <a:schemeClr val="tx1"/>
+                          </a:solidFill>
+                          <a:effectLst/>
+                          <a:latin typeface="Courier New" panose="02070309020205020404" pitchFamily="49" charset="0"/>
+                          <a:ea typeface="+mn-ea"/>
+                          <a:cs typeface="Courier New" panose="02070309020205020404" pitchFamily="49" charset="0"/>
+                        </a:rPr>
+                        <a:t>categorie</a:t>
+                      </a:r>
+                      <a:r>
+                        <a:rPr lang="en-US" sz="1800" b="0" i="0" u="none" strike="noStrike" kern="1200" dirty="0">
+                          <a:solidFill>
+                            <a:schemeClr val="tx1"/>
+                          </a:solidFill>
+                          <a:effectLst/>
+                          <a:latin typeface="Courier New" panose="02070309020205020404" pitchFamily="49" charset="0"/>
+                          <a:ea typeface="+mn-ea"/>
+                          <a:cs typeface="Courier New" panose="02070309020205020404" pitchFamily="49" charset="0"/>
+                        </a:rPr>
+                        <a:t> </a:t>
+                      </a:r>
+                      <a:r>
+                        <a:rPr lang="en-US" sz="1800" b="0" i="0" u="none" strike="noStrike" kern="1200" dirty="0" err="1">
+                          <a:solidFill>
+                            <a:schemeClr val="tx1"/>
+                          </a:solidFill>
+                          <a:effectLst/>
+                          <a:latin typeface="Courier New" panose="02070309020205020404" pitchFamily="49" charset="0"/>
+                          <a:ea typeface="+mn-ea"/>
+                          <a:cs typeface="Courier New" panose="02070309020205020404" pitchFamily="49" charset="0"/>
+                        </a:rPr>
+                        <a:t>rezervați</a:t>
+                      </a:r>
+                      <a:r>
+                        <a:rPr lang="en-US" sz="1800" b="0" i="0" u="none" strike="noStrike" kern="1200" dirty="0">
+                          <a:solidFill>
+                            <a:schemeClr val="tx1"/>
+                          </a:solidFill>
+                          <a:effectLst/>
+                          <a:latin typeface="Courier New" panose="02070309020205020404" pitchFamily="49" charset="0"/>
+                          <a:ea typeface="+mn-ea"/>
+                          <a:cs typeface="Courier New" panose="02070309020205020404" pitchFamily="49" charset="0"/>
+                        </a:rPr>
+                        <a:t> </a:t>
+                      </a:r>
+                      <a:r>
+                        <a:rPr lang="en-US" sz="1800" b="0" i="0" u="none" strike="noStrike" kern="1200" dirty="0" err="1">
+                          <a:solidFill>
+                            <a:schemeClr val="tx1"/>
+                          </a:solidFill>
+                          <a:effectLst/>
+                          <a:latin typeface="Courier New" panose="02070309020205020404" pitchFamily="49" charset="0"/>
+                          <a:ea typeface="+mn-ea"/>
+                          <a:cs typeface="Courier New" panose="02070309020205020404" pitchFamily="49" charset="0"/>
+                        </a:rPr>
+                        <a:t>naturală</a:t>
+                      </a:r>
+                      <a:r>
+                        <a:rPr lang="en-US" sz="1800" b="0" i="0" u="none" strike="noStrike" kern="1200" dirty="0">
+                          <a:solidFill>
+                            <a:schemeClr val="tx1"/>
+                          </a:solidFill>
+                          <a:effectLst/>
+                          <a:latin typeface="Courier New" panose="02070309020205020404" pitchFamily="49" charset="0"/>
+                          <a:ea typeface="+mn-ea"/>
+                          <a:cs typeface="Courier New" panose="02070309020205020404" pitchFamily="49" charset="0"/>
+                        </a:rPr>
+                        <a:t> de tip mixt </a:t>
+                      </a:r>
+                      <a:r>
+                        <a:rPr lang="en-US" sz="1800" b="0" i="0" u="none" strike="noStrike" kern="1200" dirty="0" err="1">
+                          <a:solidFill>
+                            <a:schemeClr val="tx1"/>
+                          </a:solidFill>
+                          <a:effectLst/>
+                          <a:latin typeface="Courier New" panose="02070309020205020404" pitchFamily="49" charset="0"/>
+                          <a:ea typeface="+mn-ea"/>
+                          <a:cs typeface="Courier New" panose="02070309020205020404" pitchFamily="49" charset="0"/>
+                        </a:rPr>
+                        <a:t>situat</a:t>
+                      </a:r>
+                      <a:r>
+                        <a:rPr lang="en-US" sz="1800" b="0" i="0" u="none" strike="noStrike" kern="1200" dirty="0">
+                          <a:solidFill>
+                            <a:schemeClr val="tx1"/>
+                          </a:solidFill>
+                          <a:effectLst/>
+                          <a:latin typeface="Courier New" panose="02070309020205020404" pitchFamily="49" charset="0"/>
+                          <a:ea typeface="+mn-ea"/>
+                          <a:cs typeface="Courier New" panose="02070309020205020404" pitchFamily="49" charset="0"/>
+                        </a:rPr>
+                        <a:t> </a:t>
+                      </a:r>
+                      <a:r>
+                        <a:rPr lang="en-US" sz="1800" b="0" i="0" u="none" strike="noStrike" kern="1200" dirty="0" err="1">
+                          <a:solidFill>
+                            <a:schemeClr val="tx1"/>
+                          </a:solidFill>
+                          <a:effectLst/>
+                          <a:latin typeface="Courier New" panose="02070309020205020404" pitchFamily="49" charset="0"/>
+                          <a:ea typeface="+mn-ea"/>
+                          <a:cs typeface="Courier New" panose="02070309020205020404" pitchFamily="49" charset="0"/>
+                        </a:rPr>
+                        <a:t>banat</a:t>
+                      </a:r>
+                      <a:r>
+                        <a:rPr lang="en-US" sz="1800" b="0" i="0" u="none" strike="noStrike" kern="1200" dirty="0">
+                          <a:solidFill>
+                            <a:schemeClr val="tx1"/>
+                          </a:solidFill>
+                          <a:effectLst/>
+                          <a:latin typeface="Courier New" panose="02070309020205020404" pitchFamily="49" charset="0"/>
+                          <a:ea typeface="+mn-ea"/>
+                          <a:cs typeface="Courier New" panose="02070309020205020404" pitchFamily="49" charset="0"/>
+                        </a:rPr>
+                        <a:t> </a:t>
+                      </a:r>
+                      <a:r>
+                        <a:rPr lang="en-US" sz="1800" b="0" i="0" u="none" strike="noStrike" kern="1200" dirty="0" err="1">
+                          <a:solidFill>
+                            <a:schemeClr val="tx1"/>
+                          </a:solidFill>
+                          <a:effectLst/>
+                          <a:latin typeface="Courier New" panose="02070309020205020404" pitchFamily="49" charset="0"/>
+                          <a:ea typeface="+mn-ea"/>
+                          <a:cs typeface="Courier New" panose="02070309020205020404" pitchFamily="49" charset="0"/>
+                        </a:rPr>
+                        <a:t>teritori</a:t>
+                      </a:r>
+                      <a:r>
+                        <a:rPr lang="en-US" sz="1800" b="0" i="0" u="none" strike="noStrike" kern="1200" dirty="0">
+                          <a:solidFill>
+                            <a:schemeClr val="tx1"/>
+                          </a:solidFill>
+                          <a:effectLst/>
+                          <a:latin typeface="Courier New" panose="02070309020205020404" pitchFamily="49" charset="0"/>
+                          <a:ea typeface="+mn-ea"/>
+                          <a:cs typeface="Courier New" panose="02070309020205020404" pitchFamily="49" charset="0"/>
+                        </a:rPr>
+                        <a:t> </a:t>
+                      </a:r>
+                      <a:r>
+                        <a:rPr lang="en-US" sz="1800" b="0" i="0" u="none" strike="noStrike" kern="1200" dirty="0" err="1">
+                          <a:solidFill>
+                            <a:schemeClr val="tx1"/>
+                          </a:solidFill>
+                          <a:effectLst/>
+                          <a:latin typeface="Courier New" panose="02070309020205020404" pitchFamily="49" charset="0"/>
+                          <a:ea typeface="+mn-ea"/>
+                          <a:cs typeface="Courier New" panose="02070309020205020404" pitchFamily="49" charset="0"/>
+                        </a:rPr>
+                        <a:t>județ</a:t>
+                      </a:r>
+                      <a:r>
+                        <a:rPr lang="en-US" sz="1800" b="0" i="0" u="none" strike="noStrike" kern="1200" dirty="0">
+                          <a:solidFill>
+                            <a:schemeClr val="tx1"/>
+                          </a:solidFill>
+                          <a:effectLst/>
+                          <a:latin typeface="Courier New" panose="02070309020205020404" pitchFamily="49" charset="0"/>
+                          <a:ea typeface="+mn-ea"/>
+                          <a:cs typeface="Courier New" panose="02070309020205020404" pitchFamily="49" charset="0"/>
+                        </a:rPr>
+                        <a:t> </a:t>
+                      </a:r>
+                      <a:r>
+                        <a:rPr lang="en-US" sz="1800" b="0" i="0" u="none" strike="noStrike" kern="1200" dirty="0" err="1">
+                          <a:solidFill>
+                            <a:schemeClr val="tx1"/>
+                          </a:solidFill>
+                          <a:effectLst/>
+                          <a:latin typeface="Courier New" panose="02070309020205020404" pitchFamily="49" charset="0"/>
+                          <a:ea typeface="+mn-ea"/>
+                          <a:cs typeface="Courier New" panose="02070309020205020404" pitchFamily="49" charset="0"/>
+                        </a:rPr>
+                        <a:t>caraș_severin</a:t>
+                      </a:r>
+                      <a:endParaRPr lang="en-US" sz="1800" dirty="0">
+                        <a:solidFill>
+                          <a:schemeClr val="tx1"/>
+                        </a:solidFill>
+                        <a:effectLst/>
+                        <a:latin typeface="Courier New" panose="02070309020205020404" pitchFamily="49" charset="0"/>
+                        <a:cs typeface="Courier New" panose="02070309020205020404" pitchFamily="49" charset="0"/>
+                      </a:endParaRPr>
+                    </a:p>
+                    <a:p>
+                      <a:endParaRPr lang="en-150" dirty="0">
+                        <a:solidFill>
+                          <a:schemeClr val="tx1"/>
+                        </a:solidFill>
+                        <a:latin typeface="Courier New" panose="02070309020205020404" pitchFamily="49" charset="0"/>
+                        <a:cs typeface="Courier New" panose="02070309020205020404" pitchFamily="49" charset="0"/>
+                      </a:endParaRPr>
+                    </a:p>
+                  </a:txBody>
+                  <a:tcPr/>
+                </a:tc>
+                <a:extLst>
+                  <a:ext uri="{0D108BD9-81ED-4DB2-BD59-A6C34878D82A}">
+                    <a16:rowId xmlns:a16="http://schemas.microsoft.com/office/drawing/2014/main" val="3783418053"/>
+                  </a:ext>
+                </a:extLst>
+              </a:tr>
+            </a:tbl>
+          </a:graphicData>
+        </a:graphic>
+      </p:graphicFrame>
+      <p:sp>
+        <p:nvSpPr>
+          <p:cNvPr id="9" name="Titlu 1">
+            <a:extLst>
+              <a:ext uri="{FF2B5EF4-FFF2-40B4-BE49-F238E27FC236}">
+                <a16:creationId xmlns:a16="http://schemas.microsoft.com/office/drawing/2014/main" id="{6CE20735-2FF5-4007-91C6-19A2B4FF8E1D}"/>
+              </a:ext>
+            </a:extLst>
+          </p:cNvPr>
+          <p:cNvSpPr>
+            <a:spLocks noGrp="1"/>
+          </p:cNvSpPr>
+          <p:nvPr>
+            <p:ph type="title"/>
+          </p:nvPr>
+        </p:nvSpPr>
+        <p:spPr>
+          <a:xfrm>
+            <a:off x="1457678" y="108751"/>
+            <a:ext cx="10018713" cy="1752599"/>
+          </a:xfrm>
+        </p:spPr>
+        <p:txBody>
+          <a:bodyPr/>
+          <a:lstStyle/>
+          <a:p>
+            <a:r>
+              <a:rPr lang="en-US" dirty="0" err="1"/>
+              <a:t>Preprocesare</a:t>
+            </a:r>
+            <a:endParaRPr lang="en-150" dirty="0"/>
+          </a:p>
+        </p:txBody>
+      </p:sp>
+    </p:spTree>
+    <p:extLst>
+      <p:ext uri="{BB962C8B-B14F-4D97-AF65-F5344CB8AC3E}">
+        <p14:creationId xmlns:p14="http://schemas.microsoft.com/office/powerpoint/2010/main" val="2451448308"/>
+      </p:ext>
+    </p:extLst>
+  </p:cSld>
+  <p:clrMapOvr>
+    <a:masterClrMapping/>
+  </p:clrMapOvr>
+</p:sld>
+</file>
+
+<file path=ppt/slides/slide12.xml><?xml version="1.0" encoding="utf-8"?>
+<p:sld xmlns:a="http://schemas.openxmlformats.org/drawingml/2006/main" xmlns:r="http://schemas.openxmlformats.org/officeDocument/2006/relationships" xmlns:p="http://schemas.openxmlformats.org/presentationml/2006/main">
+  <p:cSld>
+    <p:spTree>
+      <p:nvGrpSpPr>
+        <p:cNvPr id="1" name=""/>
+        <p:cNvGrpSpPr/>
+        <p:nvPr/>
+      </p:nvGrpSpPr>
+      <p:grpSpPr>
+        <a:xfrm>
+          <a:off x="0" y="0"/>
+          <a:ext cx="0" cy="0"/>
+          <a:chOff x="0" y="0"/>
+          <a:chExt cx="0" cy="0"/>
+        </a:xfrm>
+      </p:grpSpPr>
+      <p:sp>
+        <p:nvSpPr>
+          <p:cNvPr id="2" name="Titlu 1">
+            <a:extLst>
+              <a:ext uri="{FF2B5EF4-FFF2-40B4-BE49-F238E27FC236}">
                 <a16:creationId xmlns:a16="http://schemas.microsoft.com/office/drawing/2014/main" id="{A6E82417-8EA7-4768-A520-5ABC0B0C414E}"/>
               </a:ext>
             </a:extLst>
@@ -6292,7 +8235,9 @@
         </p:nvSpPr>
         <p:spPr/>
         <p:txBody>
-          <a:bodyPr/>
+          <a:bodyPr>
+            <a:normAutofit/>
+          </a:bodyPr>
           <a:lstStyle/>
           <a:p>
             <a:r>
@@ -6335,10 +8280,205 @@
             </a:r>
           </a:p>
           <a:p>
+            <a:endParaRPr lang="en-US" dirty="0"/>
+          </a:p>
+          <a:p>
+            <a:endParaRPr lang="en-US" dirty="0"/>
+          </a:p>
+          <a:p>
             <a:endParaRPr lang="en-150" dirty="0"/>
           </a:p>
         </p:txBody>
       </p:sp>
+      <p:graphicFrame>
+        <p:nvGraphicFramePr>
+          <p:cNvPr id="4" name="Tabel 3">
+            <a:extLst>
+              <a:ext uri="{FF2B5EF4-FFF2-40B4-BE49-F238E27FC236}">
+                <a16:creationId xmlns:a16="http://schemas.microsoft.com/office/drawing/2014/main" id="{040231CA-0C66-4C97-A8CF-701F1AE92CAE}"/>
+              </a:ext>
+            </a:extLst>
+          </p:cNvPr>
+          <p:cNvGraphicFramePr>
+            <a:graphicFrameLocks noGrp="1"/>
+          </p:cNvGraphicFramePr>
+          <p:nvPr>
+            <p:extLst>
+              <p:ext uri="{D42A27DB-BD31-4B8C-83A1-F6EECF244321}">
+                <p14:modId xmlns:p14="http://schemas.microsoft.com/office/powerpoint/2010/main" val="787943807"/>
+              </p:ext>
+            </p:extLst>
+          </p:nvPr>
+        </p:nvGraphicFramePr>
+        <p:xfrm>
+          <a:off x="6125592" y="2067559"/>
+          <a:ext cx="5770486" cy="4373880"/>
+        </p:xfrm>
+        <a:graphic>
+          <a:graphicData uri="http://schemas.openxmlformats.org/drawingml/2006/table">
+            <a:tbl>
+              <a:tblPr firstRow="1" bandRow="1">
+                <a:tableStyleId>{5C22544A-7EE6-4342-B048-85BDC9FD1C3A}</a:tableStyleId>
+              </a:tblPr>
+              <a:tblGrid>
+                <a:gridCol w="5770486">
+                  <a:extLst>
+                    <a:ext uri="{9D8B030D-6E8A-4147-A177-3AD203B41FA5}">
+                      <a16:colId xmlns:a16="http://schemas.microsoft.com/office/drawing/2014/main" val="2339682798"/>
+                    </a:ext>
+                  </a:extLst>
+                </a:gridCol>
+              </a:tblGrid>
+              <a:tr h="2051680">
+                <a:tc>
+                  <a:txBody>
+                    <a:bodyPr/>
+                    <a:lstStyle/>
+                    <a:p>
+                      <a:r>
+                        <a:rPr lang="en-US" sz="1100" b="1" dirty="0" err="1">
+                          <a:solidFill>
+                            <a:schemeClr val="tx1"/>
+                          </a:solidFill>
+                          <a:latin typeface="Courier New" panose="02070309020205020404" pitchFamily="49" charset="0"/>
+                          <a:cs typeface="Courier New" panose="02070309020205020404" pitchFamily="49" charset="0"/>
+                        </a:rPr>
+                        <a:t>dovadă</a:t>
+                      </a:r>
+                      <a:r>
+                        <a:rPr lang="en-US" sz="1100" b="0" dirty="0">
+                          <a:solidFill>
+                            <a:schemeClr val="tx1"/>
+                          </a:solidFill>
+                          <a:latin typeface="Courier New" panose="02070309020205020404" pitchFamily="49" charset="0"/>
+                          <a:cs typeface="Courier New" panose="02070309020205020404" pitchFamily="49" charset="0"/>
+                        </a:rPr>
+                        <a:t> 0.42703 0.06606 -0.40035 -0.16192 0.27705 -0.07543 -0.24489 0.53968 -0.34726 0.20842 0.32277 -0.094549 -0.24616 -0.41932 0.36886 0.21489 0.22004 -0.44186 0.62178 -0.15624 -0.32562 -0.15268 -0.13049 -0.17354 -0.39455 0.098882 0.41119 0.10867 -0.24064 -0.2654 0.089296 0.32089 -0.17414 -0.12386 -0.42632 -0.2461 -0.14184 -0.43119 0.051363 0.058722 0.045265 -0.15838 -0.28324 -0.26053 0.066179 0.12606 0.31434 0.46244 0.2257 0.11725 0.12929 0.28709 -0.082424 0.43198 0.13441 -0.014066 0.21597 0.193 -0.047463 -0.29441 0.11722 -0.043928 0.018142 0.223 0.27722 -0.1451 -0.22659 -0.29164 -0.17317 0.10177 0.060939 0.22418 -0.69014 0.043469 -0.074212 0.30466 0.13645 0.012088 -0.12512 0.01897 -0.42698 0.083387 0.12556 0.044887 0.31299 0.16637 0.06927 0.13855 0.025647 0.079195 0.35512 -0.17324 -0.45796 -0.093884 -0.1915 0.12886 -0.31871 -0.16023 -0.11917 0.0014487 0.27734 0.16172 -0.2459 -0.45848 0.089332 0.063531 -0.45005 0.17509 0.051554 -0.23391 0.22814 0.16593 -0.45314 0.001117 0.0715 -0.23178 -0.15218 0.16928 -0.63015 -0.14439 0.039223 0.019045 -0.17112 0.29415 -0.32373 -0.31431 0.081426 -0.25546 0.28429 -0.029592 -0.1739 -0.21378 -0.15504</a:t>
+                      </a:r>
+                      <a:endParaRPr lang="en-150" sz="1100" b="0" dirty="0">
+                        <a:solidFill>
+                          <a:schemeClr val="tx1"/>
+                        </a:solidFill>
+                        <a:latin typeface="Courier New" panose="02070309020205020404" pitchFamily="49" charset="0"/>
+                        <a:cs typeface="Courier New" panose="02070309020205020404" pitchFamily="49" charset="0"/>
+                      </a:endParaRPr>
+                    </a:p>
+                  </a:txBody>
+                  <a:tcPr/>
+                </a:tc>
+                <a:extLst>
+                  <a:ext uri="{0D108BD9-81ED-4DB2-BD59-A6C34878D82A}">
+                    <a16:rowId xmlns:a16="http://schemas.microsoft.com/office/drawing/2014/main" val="3637379429"/>
+                  </a:ext>
+                </a:extLst>
+              </a:tr>
+              <a:tr h="974625">
+                <a:tc>
+                  <a:txBody>
+                    <a:bodyPr/>
+                    <a:lstStyle/>
+                    <a:p>
+                      <a:r>
+                        <a:rPr lang="en-US" sz="1100" dirty="0">
+                          <a:solidFill>
+                            <a:schemeClr val="tx1"/>
+                          </a:solidFill>
+                          <a:latin typeface="Courier New" panose="02070309020205020404" pitchFamily="49" charset="0"/>
+                          <a:cs typeface="Courier New" panose="02070309020205020404" pitchFamily="49" charset="0"/>
+                        </a:rPr>
+                        <a:t>3130 3530 3435 3820 3530 0a3c 2f73 3e20</a:t>
+                      </a:r>
+                    </a:p>
+                    <a:p>
+                      <a:r>
+                        <a:rPr lang="en-US" sz="1100" dirty="0">
+                          <a:solidFill>
+                            <a:schemeClr val="tx1"/>
+                          </a:solidFill>
+                          <a:latin typeface="Courier New" panose="02070309020205020404" pitchFamily="49" charset="0"/>
+                          <a:cs typeface="Courier New" panose="02070309020205020404" pitchFamily="49" charset="0"/>
+                        </a:rPr>
+                        <a:t>146e 23bc be28 08bc 3af8 173c 49ff </a:t>
+                      </a:r>
+                      <a:r>
+                        <a:rPr lang="en-US" sz="1100" dirty="0" err="1">
+                          <a:solidFill>
+                            <a:schemeClr val="tx1"/>
+                          </a:solidFill>
+                          <a:latin typeface="Courier New" panose="02070309020205020404" pitchFamily="49" charset="0"/>
+                          <a:cs typeface="Courier New" panose="02070309020205020404" pitchFamily="49" charset="0"/>
+                        </a:rPr>
+                        <a:t>ebbb</a:t>
+                      </a:r>
+                      <a:endParaRPr lang="en-US" sz="1100" dirty="0">
+                        <a:solidFill>
+                          <a:schemeClr val="tx1"/>
+                        </a:solidFill>
+                        <a:latin typeface="Courier New" panose="02070309020205020404" pitchFamily="49" charset="0"/>
+                        <a:cs typeface="Courier New" panose="02070309020205020404" pitchFamily="49" charset="0"/>
+                      </a:endParaRPr>
+                    </a:p>
+                    <a:p>
+                      <a:r>
+                        <a:rPr lang="en-US" sz="1100" dirty="0">
+                          <a:solidFill>
+                            <a:schemeClr val="tx1"/>
+                          </a:solidFill>
+                          <a:latin typeface="Courier New" panose="02070309020205020404" pitchFamily="49" charset="0"/>
+                          <a:cs typeface="Courier New" panose="02070309020205020404" pitchFamily="49" charset="0"/>
+                        </a:rPr>
+                        <a:t>3f3e 8ffd be99 2e3b 3f6a f3c8 bed3 fec8</a:t>
+                      </a:r>
+                    </a:p>
+                    <a:p>
+                      <a:r>
+                        <a:rPr lang="en-US" sz="1100" dirty="0">
+                          <a:solidFill>
+                            <a:schemeClr val="tx1"/>
+                          </a:solidFill>
+                          <a:latin typeface="Courier New" panose="02070309020205020404" pitchFamily="49" charset="0"/>
+                          <a:cs typeface="Courier New" panose="02070309020205020404" pitchFamily="49" charset="0"/>
+                        </a:rPr>
+                        <a:t>3f78 824b 3f52 d02f 3fb7 8af7 3e4a a8c7</a:t>
+                      </a:r>
+                    </a:p>
+                    <a:p>
+                      <a:r>
+                        <a:rPr lang="en-US" sz="1100" dirty="0">
+                          <a:solidFill>
+                            <a:schemeClr val="tx1"/>
+                          </a:solidFill>
+                          <a:latin typeface="Courier New" panose="02070309020205020404" pitchFamily="49" charset="0"/>
+                          <a:cs typeface="Courier New" panose="02070309020205020404" pitchFamily="49" charset="0"/>
+                        </a:rPr>
+                        <a:t>bf7d db96 be0c d784 bfc9 0df6 bd2f 7d66</a:t>
+                      </a:r>
+                    </a:p>
+                    <a:p>
+                      <a:r>
+                        <a:rPr lang="en-US" sz="1100" dirty="0">
+                          <a:solidFill>
+                            <a:schemeClr val="tx1"/>
+                          </a:solidFill>
+                          <a:latin typeface="Courier New" panose="02070309020205020404" pitchFamily="49" charset="0"/>
+                          <a:cs typeface="Courier New" panose="02070309020205020404" pitchFamily="49" charset="0"/>
+                        </a:rPr>
+                        <a:t>3f23 1ed1 bef9 8819 3e17 929b bf1f 2548</a:t>
+                      </a:r>
+                    </a:p>
+                  </a:txBody>
+                  <a:tcPr/>
+                </a:tc>
+                <a:extLst>
+                  <a:ext uri="{0D108BD9-81ED-4DB2-BD59-A6C34878D82A}">
+                    <a16:rowId xmlns:a16="http://schemas.microsoft.com/office/drawing/2014/main" val="215840240"/>
+                  </a:ext>
+                </a:extLst>
+              </a:tr>
+            </a:tbl>
+          </a:graphicData>
+        </a:graphic>
+      </p:graphicFrame>
     </p:spTree>
     <p:extLst>
       <p:ext uri="{BB962C8B-B14F-4D97-AF65-F5344CB8AC3E}">
@@ -6352,7 +8492,2095 @@
 </p:sld>
 </file>
 
-<file path=ppt/slides/slide11.xml><?xml version="1.0" encoding="utf-8"?>
+<file path=ppt/slides/slide13.xml><?xml version="1.0" encoding="utf-8"?>
+<p:sld xmlns:a="http://schemas.openxmlformats.org/drawingml/2006/main" xmlns:r="http://schemas.openxmlformats.org/officeDocument/2006/relationships" xmlns:p="http://schemas.openxmlformats.org/presentationml/2006/main">
+  <p:cSld>
+    <p:spTree>
+      <p:nvGrpSpPr>
+        <p:cNvPr id="1" name=""/>
+        <p:cNvGrpSpPr/>
+        <p:nvPr/>
+      </p:nvGrpSpPr>
+      <p:grpSpPr>
+        <a:xfrm>
+          <a:off x="0" y="0"/>
+          <a:ext cx="0" cy="0"/>
+          <a:chOff x="0" y="0"/>
+          <a:chExt cx="0" cy="0"/>
+        </a:xfrm>
+      </p:grpSpPr>
+      <p:sp>
+        <p:nvSpPr>
+          <p:cNvPr id="2" name="Titlu 1">
+            <a:extLst>
+              <a:ext uri="{FF2B5EF4-FFF2-40B4-BE49-F238E27FC236}">
+                <a16:creationId xmlns:a16="http://schemas.microsoft.com/office/drawing/2014/main" id="{B45EEF39-9555-46DF-9039-AAEBAE8378B0}"/>
+              </a:ext>
+            </a:extLst>
+          </p:cNvPr>
+          <p:cNvSpPr>
+            <a:spLocks noGrp="1"/>
+          </p:cNvSpPr>
+          <p:nvPr>
+            <p:ph type="title"/>
+          </p:nvPr>
+        </p:nvSpPr>
+        <p:spPr/>
+        <p:txBody>
+          <a:bodyPr/>
+          <a:lstStyle/>
+          <a:p>
+            <a:r>
+              <a:rPr lang="en-US" dirty="0" err="1"/>
+              <a:t>Antrenarea</a:t>
+            </a:r>
+            <a:r>
+              <a:rPr lang="en-US" dirty="0"/>
+              <a:t> </a:t>
+            </a:r>
+            <a:r>
+              <a:rPr lang="en-US" dirty="0" err="1"/>
+              <a:t>datelor</a:t>
+            </a:r>
+            <a:r>
+              <a:rPr lang="en-US" dirty="0"/>
+              <a:t> (</a:t>
+            </a:r>
+            <a:r>
+              <a:rPr lang="en-US" dirty="0" err="1"/>
+              <a:t>continuare</a:t>
+            </a:r>
+            <a:r>
+              <a:rPr lang="en-US" dirty="0"/>
+              <a:t>)</a:t>
+            </a:r>
+            <a:endParaRPr lang="en-150" dirty="0"/>
+          </a:p>
+        </p:txBody>
+      </p:sp>
+      <p:graphicFrame>
+        <p:nvGraphicFramePr>
+          <p:cNvPr id="4" name="Substituent conținut 3">
+            <a:extLst>
+              <a:ext uri="{FF2B5EF4-FFF2-40B4-BE49-F238E27FC236}">
+                <a16:creationId xmlns:a16="http://schemas.microsoft.com/office/drawing/2014/main" id="{03967C46-4149-47A6-95FB-C568E6E5B1D3}"/>
+              </a:ext>
+            </a:extLst>
+          </p:cNvPr>
+          <p:cNvGraphicFramePr>
+            <a:graphicFrameLocks noGrp="1"/>
+          </p:cNvGraphicFramePr>
+          <p:nvPr>
+            <p:ph idx="1"/>
+            <p:extLst>
+              <p:ext uri="{D42A27DB-BD31-4B8C-83A1-F6EECF244321}">
+                <p14:modId xmlns:p14="http://schemas.microsoft.com/office/powerpoint/2010/main" val="1601236086"/>
+              </p:ext>
+            </p:extLst>
+          </p:nvPr>
+        </p:nvGraphicFramePr>
+        <p:xfrm>
+          <a:off x="2450237" y="2069952"/>
+          <a:ext cx="8345011" cy="4064518"/>
+        </p:xfrm>
+        <a:graphic>
+          <a:graphicData uri="http://schemas.openxmlformats.org/drawingml/2006/table">
+            <a:tbl>
+              <a:tblPr/>
+              <a:tblGrid>
+                <a:gridCol w="1115082">
+                  <a:extLst>
+                    <a:ext uri="{9D8B030D-6E8A-4147-A177-3AD203B41FA5}">
+                      <a16:colId xmlns:a16="http://schemas.microsoft.com/office/drawing/2014/main" val="457958871"/>
+                    </a:ext>
+                  </a:extLst>
+                </a:gridCol>
+                <a:gridCol w="1281606">
+                  <a:extLst>
+                    <a:ext uri="{9D8B030D-6E8A-4147-A177-3AD203B41FA5}">
+                      <a16:colId xmlns:a16="http://schemas.microsoft.com/office/drawing/2014/main" val="3093714692"/>
+                    </a:ext>
+                  </a:extLst>
+                </a:gridCol>
+                <a:gridCol w="1476633">
+                  <a:extLst>
+                    <a:ext uri="{9D8B030D-6E8A-4147-A177-3AD203B41FA5}">
+                      <a16:colId xmlns:a16="http://schemas.microsoft.com/office/drawing/2014/main" val="3657521457"/>
+                    </a:ext>
+                  </a:extLst>
+                </a:gridCol>
+                <a:gridCol w="1922409">
+                  <a:extLst>
+                    <a:ext uri="{9D8B030D-6E8A-4147-A177-3AD203B41FA5}">
+                      <a16:colId xmlns:a16="http://schemas.microsoft.com/office/drawing/2014/main" val="3162152110"/>
+                    </a:ext>
+                  </a:extLst>
+                </a:gridCol>
+                <a:gridCol w="1323397">
+                  <a:extLst>
+                    <a:ext uri="{9D8B030D-6E8A-4147-A177-3AD203B41FA5}">
+                      <a16:colId xmlns:a16="http://schemas.microsoft.com/office/drawing/2014/main" val="2277644899"/>
+                    </a:ext>
+                  </a:extLst>
+                </a:gridCol>
+                <a:gridCol w="1225884">
+                  <a:extLst>
+                    <a:ext uri="{9D8B030D-6E8A-4147-A177-3AD203B41FA5}">
+                      <a16:colId xmlns:a16="http://schemas.microsoft.com/office/drawing/2014/main" val="817161408"/>
+                    </a:ext>
+                  </a:extLst>
+                </a:gridCol>
+              </a:tblGrid>
+              <a:tr h="888952">
+                <a:tc gridSpan="6">
+                  <a:txBody>
+                    <a:bodyPr/>
+                    <a:lstStyle/>
+                    <a:p>
+                      <a:pPr algn="ctr" rtl="0" fontAlgn="t">
+                        <a:spcBef>
+                          <a:spcPts val="0"/>
+                        </a:spcBef>
+                        <a:spcAft>
+                          <a:spcPts val="0"/>
+                        </a:spcAft>
+                      </a:pPr>
+                      <a:r>
+                        <a:rPr lang="en-US" dirty="0">
+                          <a:effectLst/>
+                        </a:rPr>
+                        <a:t> Word2Vec</a:t>
+                      </a:r>
+                    </a:p>
+                  </a:txBody>
+                  <a:tcPr marL="63500" marR="63500" marT="63500" marB="63500">
+                    <a:lnL w="12700" cap="flat" cmpd="sng" algn="ctr">
+                      <a:solidFill>
+                        <a:srgbClr val="000000"/>
+                      </a:solidFill>
+                      <a:prstDash val="solid"/>
+                      <a:round/>
+                      <a:headEnd type="none" w="med" len="med"/>
+                      <a:tailEnd type="none" w="med" len="med"/>
+                    </a:lnL>
+                    <a:lnR w="12700" cap="flat" cmpd="sng" algn="ctr">
+                      <a:solidFill>
+                        <a:srgbClr val="000000"/>
+                      </a:solidFill>
+                      <a:prstDash val="solid"/>
+                      <a:round/>
+                      <a:headEnd type="none" w="med" len="med"/>
+                      <a:tailEnd type="none" w="med" len="med"/>
+                    </a:lnR>
+                    <a:lnT w="12700" cap="flat" cmpd="sng" algn="ctr">
+                      <a:solidFill>
+                        <a:srgbClr val="000000"/>
+                      </a:solidFill>
+                      <a:prstDash val="solid"/>
+                      <a:round/>
+                      <a:headEnd type="none" w="med" len="med"/>
+                      <a:tailEnd type="none" w="med" len="med"/>
+                    </a:lnT>
+                    <a:lnB w="12700" cap="flat" cmpd="sng" algn="ctr">
+                      <a:solidFill>
+                        <a:srgbClr val="000000"/>
+                      </a:solidFill>
+                      <a:prstDash val="solid"/>
+                      <a:round/>
+                      <a:headEnd type="none" w="med" len="med"/>
+                      <a:tailEnd type="none" w="med" len="med"/>
+                    </a:lnB>
+                    <a:solidFill>
+                      <a:srgbClr val="F3F3F3"/>
+                    </a:solidFill>
+                  </a:tcPr>
+                </a:tc>
+                <a:tc hMerge="1">
+                  <a:txBody>
+                    <a:bodyPr/>
+                    <a:lstStyle/>
+                    <a:p>
+                      <a:endParaRPr lang="en-150"/>
+                    </a:p>
+                  </a:txBody>
+                  <a:tcPr/>
+                </a:tc>
+                <a:tc hMerge="1">
+                  <a:txBody>
+                    <a:bodyPr/>
+                    <a:lstStyle/>
+                    <a:p>
+                      <a:endParaRPr lang="en-150"/>
+                    </a:p>
+                  </a:txBody>
+                  <a:tcPr/>
+                </a:tc>
+                <a:tc hMerge="1">
+                  <a:txBody>
+                    <a:bodyPr/>
+                    <a:lstStyle/>
+                    <a:p>
+                      <a:endParaRPr lang="en-150"/>
+                    </a:p>
+                  </a:txBody>
+                  <a:tcPr/>
+                </a:tc>
+                <a:tc hMerge="1">
+                  <a:txBody>
+                    <a:bodyPr/>
+                    <a:lstStyle/>
+                    <a:p>
+                      <a:endParaRPr lang="en-150"/>
+                    </a:p>
+                  </a:txBody>
+                  <a:tcPr/>
+                </a:tc>
+                <a:tc hMerge="1">
+                  <a:txBody>
+                    <a:bodyPr/>
+                    <a:lstStyle/>
+                    <a:p>
+                      <a:endParaRPr lang="en-150"/>
+                    </a:p>
+                  </a:txBody>
+                  <a:tcPr/>
+                </a:tc>
+                <a:extLst>
+                  <a:ext uri="{0D108BD9-81ED-4DB2-BD59-A6C34878D82A}">
+                    <a16:rowId xmlns:a16="http://schemas.microsoft.com/office/drawing/2014/main" val="2573527723"/>
+                  </a:ext>
+                </a:extLst>
+              </a:tr>
+              <a:tr h="958078">
+                <a:tc>
+                  <a:txBody>
+                    <a:bodyPr/>
+                    <a:lstStyle/>
+                    <a:p>
+                      <a:pPr algn="ctr" rtl="0" fontAlgn="t">
+                        <a:spcBef>
+                          <a:spcPts val="0"/>
+                        </a:spcBef>
+                        <a:spcAft>
+                          <a:spcPts val="0"/>
+                        </a:spcAft>
+                      </a:pPr>
+                      <a:r>
+                        <a:rPr lang="en-US" sz="1100" b="0" i="0" u="none" strike="noStrike" dirty="0">
+                          <a:solidFill>
+                            <a:srgbClr val="000000"/>
+                          </a:solidFill>
+                          <a:effectLst/>
+                          <a:latin typeface="Courier New" panose="02070309020205020404" pitchFamily="49" charset="0"/>
+                        </a:rPr>
+                        <a:t>Test number</a:t>
+                      </a:r>
+                      <a:endParaRPr lang="en-US" dirty="0">
+                        <a:effectLst/>
+                      </a:endParaRPr>
+                    </a:p>
+                  </a:txBody>
+                  <a:tcPr marL="63500" marR="63500" marT="63500" marB="63500">
+                    <a:lnL w="12700" cap="flat" cmpd="sng" algn="ctr">
+                      <a:solidFill>
+                        <a:srgbClr val="000000"/>
+                      </a:solidFill>
+                      <a:prstDash val="solid"/>
+                      <a:round/>
+                      <a:headEnd type="none" w="med" len="med"/>
+                      <a:tailEnd type="none" w="med" len="med"/>
+                    </a:lnL>
+                    <a:lnR w="12700" cap="flat" cmpd="sng" algn="ctr">
+                      <a:solidFill>
+                        <a:srgbClr val="000000"/>
+                      </a:solidFill>
+                      <a:prstDash val="solid"/>
+                      <a:round/>
+                      <a:headEnd type="none" w="med" len="med"/>
+                      <a:tailEnd type="none" w="med" len="med"/>
+                    </a:lnR>
+                    <a:lnT w="12700" cap="flat" cmpd="sng" algn="ctr">
+                      <a:solidFill>
+                        <a:srgbClr val="000000"/>
+                      </a:solidFill>
+                      <a:prstDash val="solid"/>
+                      <a:round/>
+                      <a:headEnd type="none" w="med" len="med"/>
+                      <a:tailEnd type="none" w="med" len="med"/>
+                    </a:lnT>
+                    <a:lnB w="12700" cap="flat" cmpd="sng" algn="ctr">
+                      <a:solidFill>
+                        <a:srgbClr val="000000"/>
+                      </a:solidFill>
+                      <a:prstDash val="solid"/>
+                      <a:round/>
+                      <a:headEnd type="none" w="med" len="med"/>
+                      <a:tailEnd type="none" w="med" len="med"/>
+                    </a:lnB>
+                    <a:solidFill>
+                      <a:srgbClr val="F3F3F3"/>
+                    </a:solidFill>
+                  </a:tcPr>
+                </a:tc>
+                <a:tc>
+                  <a:txBody>
+                    <a:bodyPr/>
+                    <a:lstStyle/>
+                    <a:p>
+                      <a:pPr algn="ctr" rtl="0" fontAlgn="t">
+                        <a:spcBef>
+                          <a:spcPts val="0"/>
+                        </a:spcBef>
+                        <a:spcAft>
+                          <a:spcPts val="0"/>
+                        </a:spcAft>
+                      </a:pPr>
+                      <a:r>
+                        <a:rPr lang="en-US" sz="1100" b="0" i="0" u="none" strike="noStrike" dirty="0">
+                          <a:solidFill>
+                            <a:srgbClr val="000000"/>
+                          </a:solidFill>
+                          <a:effectLst/>
+                          <a:latin typeface="Courier New" panose="02070309020205020404" pitchFamily="49" charset="0"/>
+                        </a:rPr>
+                        <a:t>File Size</a:t>
+                      </a:r>
+                      <a:endParaRPr lang="en-US" dirty="0">
+                        <a:effectLst/>
+                      </a:endParaRPr>
+                    </a:p>
+                  </a:txBody>
+                  <a:tcPr marL="63500" marR="63500" marT="63500" marB="63500">
+                    <a:lnL w="12700" cap="flat" cmpd="sng" algn="ctr">
+                      <a:solidFill>
+                        <a:srgbClr val="000000"/>
+                      </a:solidFill>
+                      <a:prstDash val="solid"/>
+                      <a:round/>
+                      <a:headEnd type="none" w="med" len="med"/>
+                      <a:tailEnd type="none" w="med" len="med"/>
+                    </a:lnL>
+                    <a:lnR w="12700" cap="flat" cmpd="sng" algn="ctr">
+                      <a:solidFill>
+                        <a:srgbClr val="000000"/>
+                      </a:solidFill>
+                      <a:prstDash val="solid"/>
+                      <a:round/>
+                      <a:headEnd type="none" w="med" len="med"/>
+                      <a:tailEnd type="none" w="med" len="med"/>
+                    </a:lnR>
+                    <a:lnT w="12700" cap="flat" cmpd="sng" algn="ctr">
+                      <a:solidFill>
+                        <a:srgbClr val="000000"/>
+                      </a:solidFill>
+                      <a:prstDash val="solid"/>
+                      <a:round/>
+                      <a:headEnd type="none" w="med" len="med"/>
+                      <a:tailEnd type="none" w="med" len="med"/>
+                    </a:lnT>
+                    <a:lnB w="12700" cap="flat" cmpd="sng" algn="ctr">
+                      <a:solidFill>
+                        <a:srgbClr val="000000"/>
+                      </a:solidFill>
+                      <a:prstDash val="solid"/>
+                      <a:round/>
+                      <a:headEnd type="none" w="med" len="med"/>
+                      <a:tailEnd type="none" w="med" len="med"/>
+                    </a:lnB>
+                    <a:solidFill>
+                      <a:srgbClr val="F3F3F3"/>
+                    </a:solidFill>
+                  </a:tcPr>
+                </a:tc>
+                <a:tc>
+                  <a:txBody>
+                    <a:bodyPr/>
+                    <a:lstStyle/>
+                    <a:p>
+                      <a:pPr algn="ctr" rtl="0" fontAlgn="t">
+                        <a:spcBef>
+                          <a:spcPts val="0"/>
+                        </a:spcBef>
+                        <a:spcAft>
+                          <a:spcPts val="0"/>
+                        </a:spcAft>
+                      </a:pPr>
+                      <a:r>
+                        <a:rPr lang="en-US" sz="1100" b="0" i="0" u="none" strike="noStrike" dirty="0">
+                          <a:solidFill>
+                            <a:srgbClr val="000000"/>
+                          </a:solidFill>
+                          <a:effectLst/>
+                          <a:latin typeface="Courier New" panose="02070309020205020404" pitchFamily="49" charset="0"/>
+                        </a:rPr>
+                        <a:t>Vocab. size</a:t>
+                      </a:r>
+                      <a:endParaRPr lang="en-US" dirty="0">
+                        <a:effectLst/>
+                      </a:endParaRPr>
+                    </a:p>
+                  </a:txBody>
+                  <a:tcPr marL="63500" marR="63500" marT="63500" marB="63500">
+                    <a:lnL w="12700" cap="flat" cmpd="sng" algn="ctr">
+                      <a:solidFill>
+                        <a:srgbClr val="000000"/>
+                      </a:solidFill>
+                      <a:prstDash val="solid"/>
+                      <a:round/>
+                      <a:headEnd type="none" w="med" len="med"/>
+                      <a:tailEnd type="none" w="med" len="med"/>
+                    </a:lnL>
+                    <a:lnR w="12700" cap="flat" cmpd="sng" algn="ctr">
+                      <a:solidFill>
+                        <a:srgbClr val="000000"/>
+                      </a:solidFill>
+                      <a:prstDash val="solid"/>
+                      <a:round/>
+                      <a:headEnd type="none" w="med" len="med"/>
+                      <a:tailEnd type="none" w="med" len="med"/>
+                    </a:lnR>
+                    <a:lnT w="12700" cap="flat" cmpd="sng" algn="ctr">
+                      <a:solidFill>
+                        <a:srgbClr val="000000"/>
+                      </a:solidFill>
+                      <a:prstDash val="solid"/>
+                      <a:round/>
+                      <a:headEnd type="none" w="med" len="med"/>
+                      <a:tailEnd type="none" w="med" len="med"/>
+                    </a:lnT>
+                    <a:lnB w="12700" cap="flat" cmpd="sng" algn="ctr">
+                      <a:solidFill>
+                        <a:srgbClr val="000000"/>
+                      </a:solidFill>
+                      <a:prstDash val="solid"/>
+                      <a:round/>
+                      <a:headEnd type="none" w="med" len="med"/>
+                      <a:tailEnd type="none" w="med" len="med"/>
+                    </a:lnB>
+                    <a:solidFill>
+                      <a:srgbClr val="F3F3F3"/>
+                    </a:solidFill>
+                  </a:tcPr>
+                </a:tc>
+                <a:tc>
+                  <a:txBody>
+                    <a:bodyPr/>
+                    <a:lstStyle/>
+                    <a:p>
+                      <a:pPr algn="ctr" rtl="0" fontAlgn="t">
+                        <a:spcBef>
+                          <a:spcPts val="0"/>
+                        </a:spcBef>
+                        <a:spcAft>
+                          <a:spcPts val="0"/>
+                        </a:spcAft>
+                      </a:pPr>
+                      <a:r>
+                        <a:rPr lang="en-US" sz="1100" b="0" i="0" u="none" strike="noStrike" dirty="0">
+                          <a:solidFill>
+                            <a:srgbClr val="000000"/>
+                          </a:solidFill>
+                          <a:effectLst/>
+                          <a:latin typeface="Courier New" panose="02070309020205020404" pitchFamily="49" charset="0"/>
+                        </a:rPr>
+                        <a:t>Dimensionality of the feature vectors</a:t>
+                      </a:r>
+                      <a:endParaRPr lang="en-US" dirty="0">
+                        <a:effectLst/>
+                      </a:endParaRPr>
+                    </a:p>
+                  </a:txBody>
+                  <a:tcPr marL="63500" marR="63500" marT="63500" marB="63500">
+                    <a:lnL w="12700" cap="flat" cmpd="sng" algn="ctr">
+                      <a:solidFill>
+                        <a:srgbClr val="000000"/>
+                      </a:solidFill>
+                      <a:prstDash val="solid"/>
+                      <a:round/>
+                      <a:headEnd type="none" w="med" len="med"/>
+                      <a:tailEnd type="none" w="med" len="med"/>
+                    </a:lnL>
+                    <a:lnR w="12700" cap="flat" cmpd="sng" algn="ctr">
+                      <a:solidFill>
+                        <a:srgbClr val="000000"/>
+                      </a:solidFill>
+                      <a:prstDash val="solid"/>
+                      <a:round/>
+                      <a:headEnd type="none" w="med" len="med"/>
+                      <a:tailEnd type="none" w="med" len="med"/>
+                    </a:lnR>
+                    <a:lnT w="12700" cap="flat" cmpd="sng" algn="ctr">
+                      <a:solidFill>
+                        <a:srgbClr val="000000"/>
+                      </a:solidFill>
+                      <a:prstDash val="solid"/>
+                      <a:round/>
+                      <a:headEnd type="none" w="med" len="med"/>
+                      <a:tailEnd type="none" w="med" len="med"/>
+                    </a:lnT>
+                    <a:lnB w="12700" cap="flat" cmpd="sng" algn="ctr">
+                      <a:solidFill>
+                        <a:srgbClr val="000000"/>
+                      </a:solidFill>
+                      <a:prstDash val="solid"/>
+                      <a:round/>
+                      <a:headEnd type="none" w="med" len="med"/>
+                      <a:tailEnd type="none" w="med" len="med"/>
+                    </a:lnB>
+                    <a:solidFill>
+                      <a:srgbClr val="F3F3F3"/>
+                    </a:solidFill>
+                  </a:tcPr>
+                </a:tc>
+                <a:tc>
+                  <a:txBody>
+                    <a:bodyPr/>
+                    <a:lstStyle/>
+                    <a:p>
+                      <a:pPr algn="ctr" rtl="0" fontAlgn="t">
+                        <a:spcBef>
+                          <a:spcPts val="0"/>
+                        </a:spcBef>
+                        <a:spcAft>
+                          <a:spcPts val="0"/>
+                        </a:spcAft>
+                      </a:pPr>
+                      <a:r>
+                        <a:rPr lang="en-US" sz="1100" b="0" i="0" u="none" strike="noStrike" dirty="0">
+                          <a:solidFill>
+                            <a:srgbClr val="000000"/>
+                          </a:solidFill>
+                          <a:effectLst/>
+                          <a:latin typeface="Courier New" panose="02070309020205020404" pitchFamily="49" charset="0"/>
+                        </a:rPr>
+                        <a:t>Words in train file</a:t>
+                      </a:r>
+                      <a:endParaRPr lang="en-US" dirty="0">
+                        <a:effectLst/>
+                      </a:endParaRPr>
+                    </a:p>
+                  </a:txBody>
+                  <a:tcPr marL="63500" marR="63500" marT="63500" marB="63500">
+                    <a:lnL w="12700" cap="flat" cmpd="sng" algn="ctr">
+                      <a:solidFill>
+                        <a:srgbClr val="000000"/>
+                      </a:solidFill>
+                      <a:prstDash val="solid"/>
+                      <a:round/>
+                      <a:headEnd type="none" w="med" len="med"/>
+                      <a:tailEnd type="none" w="med" len="med"/>
+                    </a:lnL>
+                    <a:lnR w="12700" cap="flat" cmpd="sng" algn="ctr">
+                      <a:solidFill>
+                        <a:srgbClr val="000000"/>
+                      </a:solidFill>
+                      <a:prstDash val="solid"/>
+                      <a:round/>
+                      <a:headEnd type="none" w="med" len="med"/>
+                      <a:tailEnd type="none" w="med" len="med"/>
+                    </a:lnR>
+                    <a:lnT w="12700" cap="flat" cmpd="sng" algn="ctr">
+                      <a:solidFill>
+                        <a:srgbClr val="000000"/>
+                      </a:solidFill>
+                      <a:prstDash val="solid"/>
+                      <a:round/>
+                      <a:headEnd type="none" w="med" len="med"/>
+                      <a:tailEnd type="none" w="med" len="med"/>
+                    </a:lnT>
+                    <a:lnB w="12700" cap="flat" cmpd="sng" algn="ctr">
+                      <a:solidFill>
+                        <a:srgbClr val="000000"/>
+                      </a:solidFill>
+                      <a:prstDash val="solid"/>
+                      <a:round/>
+                      <a:headEnd type="none" w="med" len="med"/>
+                      <a:tailEnd type="none" w="med" len="med"/>
+                    </a:lnB>
+                    <a:solidFill>
+                      <a:srgbClr val="F3F3F3"/>
+                    </a:solidFill>
+                  </a:tcPr>
+                </a:tc>
+                <a:tc>
+                  <a:txBody>
+                    <a:bodyPr/>
+                    <a:lstStyle/>
+                    <a:p>
+                      <a:pPr algn="ctr" rtl="0" fontAlgn="t">
+                        <a:spcBef>
+                          <a:spcPts val="0"/>
+                        </a:spcBef>
+                        <a:spcAft>
+                          <a:spcPts val="0"/>
+                        </a:spcAft>
+                      </a:pPr>
+                      <a:r>
+                        <a:rPr lang="en-US" sz="1100" b="0" i="0" u="none" strike="noStrike" dirty="0">
+                          <a:solidFill>
+                            <a:srgbClr val="000000"/>
+                          </a:solidFill>
+                          <a:effectLst/>
+                          <a:latin typeface="Courier New" panose="02070309020205020404" pitchFamily="49" charset="0"/>
+                        </a:rPr>
+                        <a:t>Time</a:t>
+                      </a:r>
+                      <a:endParaRPr lang="en-US" dirty="0">
+                        <a:effectLst/>
+                      </a:endParaRPr>
+                    </a:p>
+                    <a:p>
+                      <a:pPr algn="ctr" rtl="0" fontAlgn="t">
+                        <a:spcBef>
+                          <a:spcPts val="0"/>
+                        </a:spcBef>
+                        <a:spcAft>
+                          <a:spcPts val="0"/>
+                        </a:spcAft>
+                      </a:pPr>
+                      <a:r>
+                        <a:rPr lang="en-US" sz="1100" b="0" i="0" u="none" strike="noStrike" dirty="0">
+                          <a:solidFill>
+                            <a:srgbClr val="000000"/>
+                          </a:solidFill>
+                          <a:effectLst/>
+                          <a:latin typeface="Courier New" panose="02070309020205020404" pitchFamily="49" charset="0"/>
+                        </a:rPr>
+                        <a:t>using 10 threads</a:t>
+                      </a:r>
+                      <a:endParaRPr lang="en-US" dirty="0">
+                        <a:effectLst/>
+                      </a:endParaRPr>
+                    </a:p>
+                  </a:txBody>
+                  <a:tcPr marL="63500" marR="63500" marT="63500" marB="63500">
+                    <a:lnL w="12700" cap="flat" cmpd="sng" algn="ctr">
+                      <a:solidFill>
+                        <a:srgbClr val="000000"/>
+                      </a:solidFill>
+                      <a:prstDash val="solid"/>
+                      <a:round/>
+                      <a:headEnd type="none" w="med" len="med"/>
+                      <a:tailEnd type="none" w="med" len="med"/>
+                    </a:lnL>
+                    <a:lnR w="12700" cap="flat" cmpd="sng" algn="ctr">
+                      <a:solidFill>
+                        <a:srgbClr val="000000"/>
+                      </a:solidFill>
+                      <a:prstDash val="solid"/>
+                      <a:round/>
+                      <a:headEnd type="none" w="med" len="med"/>
+                      <a:tailEnd type="none" w="med" len="med"/>
+                    </a:lnR>
+                    <a:lnT w="12700" cap="flat" cmpd="sng" algn="ctr">
+                      <a:solidFill>
+                        <a:srgbClr val="000000"/>
+                      </a:solidFill>
+                      <a:prstDash val="solid"/>
+                      <a:round/>
+                      <a:headEnd type="none" w="med" len="med"/>
+                      <a:tailEnd type="none" w="med" len="med"/>
+                    </a:lnT>
+                    <a:lnB w="12700" cap="flat" cmpd="sng" algn="ctr">
+                      <a:solidFill>
+                        <a:srgbClr val="000000"/>
+                      </a:solidFill>
+                      <a:prstDash val="solid"/>
+                      <a:round/>
+                      <a:headEnd type="none" w="med" len="med"/>
+                      <a:tailEnd type="none" w="med" len="med"/>
+                    </a:lnB>
+                    <a:solidFill>
+                      <a:srgbClr val="F3F3F3"/>
+                    </a:solidFill>
+                  </a:tcPr>
+                </a:tc>
+                <a:extLst>
+                  <a:ext uri="{0D108BD9-81ED-4DB2-BD59-A6C34878D82A}">
+                    <a16:rowId xmlns:a16="http://schemas.microsoft.com/office/drawing/2014/main" val="2542392495"/>
+                  </a:ext>
+                </a:extLst>
+              </a:tr>
+              <a:tr h="703106">
+                <a:tc>
+                  <a:txBody>
+                    <a:bodyPr/>
+                    <a:lstStyle/>
+                    <a:p>
+                      <a:pPr algn="ctr" rtl="0" fontAlgn="t">
+                        <a:spcBef>
+                          <a:spcPts val="0"/>
+                        </a:spcBef>
+                        <a:spcAft>
+                          <a:spcPts val="0"/>
+                        </a:spcAft>
+                      </a:pPr>
+                      <a:r>
+                        <a:rPr lang="en-150" sz="1100" b="1" i="0" u="none" strike="noStrike">
+                          <a:solidFill>
+                            <a:srgbClr val="000000"/>
+                          </a:solidFill>
+                          <a:effectLst/>
+                          <a:latin typeface="Courier New" panose="02070309020205020404" pitchFamily="49" charset="0"/>
+                        </a:rPr>
+                        <a:t>1.</a:t>
+                      </a:r>
+                      <a:endParaRPr lang="en-150">
+                        <a:effectLst/>
+                      </a:endParaRPr>
+                    </a:p>
+                  </a:txBody>
+                  <a:tcPr marL="63500" marR="63500" marT="63500" marB="63500">
+                    <a:lnL w="12700" cap="flat" cmpd="sng" algn="ctr">
+                      <a:solidFill>
+                        <a:srgbClr val="000000"/>
+                      </a:solidFill>
+                      <a:prstDash val="solid"/>
+                      <a:round/>
+                      <a:headEnd type="none" w="med" len="med"/>
+                      <a:tailEnd type="none" w="med" len="med"/>
+                    </a:lnL>
+                    <a:lnR w="12700" cap="flat" cmpd="sng" algn="ctr">
+                      <a:solidFill>
+                        <a:srgbClr val="000000"/>
+                      </a:solidFill>
+                      <a:prstDash val="solid"/>
+                      <a:round/>
+                      <a:headEnd type="none" w="med" len="med"/>
+                      <a:tailEnd type="none" w="med" len="med"/>
+                    </a:lnR>
+                    <a:lnT w="12700" cap="flat" cmpd="sng" algn="ctr">
+                      <a:solidFill>
+                        <a:srgbClr val="000000"/>
+                      </a:solidFill>
+                      <a:prstDash val="solid"/>
+                      <a:round/>
+                      <a:headEnd type="none" w="med" len="med"/>
+                      <a:tailEnd type="none" w="med" len="med"/>
+                    </a:lnT>
+                    <a:lnB w="12700" cap="flat" cmpd="sng" algn="ctr">
+                      <a:solidFill>
+                        <a:srgbClr val="000000"/>
+                      </a:solidFill>
+                      <a:prstDash val="solid"/>
+                      <a:round/>
+                      <a:headEnd type="none" w="med" len="med"/>
+                      <a:tailEnd type="none" w="med" len="med"/>
+                    </a:lnB>
+                  </a:tcPr>
+                </a:tc>
+                <a:tc>
+                  <a:txBody>
+                    <a:bodyPr/>
+                    <a:lstStyle/>
+                    <a:p>
+                      <a:pPr algn="ctr" rtl="0" fontAlgn="t">
+                        <a:spcBef>
+                          <a:spcPts val="0"/>
+                        </a:spcBef>
+                        <a:spcAft>
+                          <a:spcPts val="0"/>
+                        </a:spcAft>
+                      </a:pPr>
+                      <a:r>
+                        <a:rPr lang="en-US" sz="1100" b="0" i="0" u="none" strike="noStrike">
+                          <a:solidFill>
+                            <a:srgbClr val="000000"/>
+                          </a:solidFill>
+                          <a:effectLst/>
+                          <a:latin typeface="Courier New" panose="02070309020205020404" pitchFamily="49" charset="0"/>
+                        </a:rPr>
+                        <a:t>418 MB</a:t>
+                      </a:r>
+                      <a:endParaRPr lang="en-US">
+                        <a:effectLst/>
+                      </a:endParaRPr>
+                    </a:p>
+                  </a:txBody>
+                  <a:tcPr marL="63500" marR="63500" marT="63500" marB="63500">
+                    <a:lnL w="12700" cap="flat" cmpd="sng" algn="ctr">
+                      <a:solidFill>
+                        <a:srgbClr val="000000"/>
+                      </a:solidFill>
+                      <a:prstDash val="solid"/>
+                      <a:round/>
+                      <a:headEnd type="none" w="med" len="med"/>
+                      <a:tailEnd type="none" w="med" len="med"/>
+                    </a:lnL>
+                    <a:lnR w="12700" cap="flat" cmpd="sng" algn="ctr">
+                      <a:solidFill>
+                        <a:srgbClr val="000000"/>
+                      </a:solidFill>
+                      <a:prstDash val="solid"/>
+                      <a:round/>
+                      <a:headEnd type="none" w="med" len="med"/>
+                      <a:tailEnd type="none" w="med" len="med"/>
+                    </a:lnR>
+                    <a:lnT w="12700" cap="flat" cmpd="sng" algn="ctr">
+                      <a:solidFill>
+                        <a:srgbClr val="000000"/>
+                      </a:solidFill>
+                      <a:prstDash val="solid"/>
+                      <a:round/>
+                      <a:headEnd type="none" w="med" len="med"/>
+                      <a:tailEnd type="none" w="med" len="med"/>
+                    </a:lnT>
+                    <a:lnB w="12700" cap="flat" cmpd="sng" algn="ctr">
+                      <a:solidFill>
+                        <a:srgbClr val="000000"/>
+                      </a:solidFill>
+                      <a:prstDash val="solid"/>
+                      <a:round/>
+                      <a:headEnd type="none" w="med" len="med"/>
+                      <a:tailEnd type="none" w="med" len="med"/>
+                    </a:lnB>
+                  </a:tcPr>
+                </a:tc>
+                <a:tc>
+                  <a:txBody>
+                    <a:bodyPr/>
+                    <a:lstStyle/>
+                    <a:p>
+                      <a:pPr algn="ctr" rtl="0" fontAlgn="t">
+                        <a:spcBef>
+                          <a:spcPts val="0"/>
+                        </a:spcBef>
+                        <a:spcAft>
+                          <a:spcPts val="0"/>
+                        </a:spcAft>
+                      </a:pPr>
+                      <a:r>
+                        <a:rPr lang="en-150" sz="1100" b="0" i="0" u="none" strike="noStrike">
+                          <a:solidFill>
+                            <a:srgbClr val="000000"/>
+                          </a:solidFill>
+                          <a:effectLst/>
+                          <a:latin typeface="Courier New" panose="02070309020205020404" pitchFamily="49" charset="0"/>
+                        </a:rPr>
+                        <a:t>1050458</a:t>
+                      </a:r>
+                      <a:endParaRPr lang="en-150">
+                        <a:effectLst/>
+                      </a:endParaRPr>
+                    </a:p>
+                  </a:txBody>
+                  <a:tcPr marL="63500" marR="63500" marT="63500" marB="63500">
+                    <a:lnL w="12700" cap="flat" cmpd="sng" algn="ctr">
+                      <a:solidFill>
+                        <a:srgbClr val="000000"/>
+                      </a:solidFill>
+                      <a:prstDash val="solid"/>
+                      <a:round/>
+                      <a:headEnd type="none" w="med" len="med"/>
+                      <a:tailEnd type="none" w="med" len="med"/>
+                    </a:lnL>
+                    <a:lnR w="12700" cap="flat" cmpd="sng" algn="ctr">
+                      <a:solidFill>
+                        <a:srgbClr val="000000"/>
+                      </a:solidFill>
+                      <a:prstDash val="solid"/>
+                      <a:round/>
+                      <a:headEnd type="none" w="med" len="med"/>
+                      <a:tailEnd type="none" w="med" len="med"/>
+                    </a:lnR>
+                    <a:lnT w="12700" cap="flat" cmpd="sng" algn="ctr">
+                      <a:solidFill>
+                        <a:srgbClr val="000000"/>
+                      </a:solidFill>
+                      <a:prstDash val="solid"/>
+                      <a:round/>
+                      <a:headEnd type="none" w="med" len="med"/>
+                      <a:tailEnd type="none" w="med" len="med"/>
+                    </a:lnT>
+                    <a:lnB w="12700" cap="flat" cmpd="sng" algn="ctr">
+                      <a:solidFill>
+                        <a:srgbClr val="000000"/>
+                      </a:solidFill>
+                      <a:prstDash val="solid"/>
+                      <a:round/>
+                      <a:headEnd type="none" w="med" len="med"/>
+                      <a:tailEnd type="none" w="med" len="med"/>
+                    </a:lnB>
+                  </a:tcPr>
+                </a:tc>
+                <a:tc>
+                  <a:txBody>
+                    <a:bodyPr/>
+                    <a:lstStyle/>
+                    <a:p>
+                      <a:pPr algn="ctr" rtl="0" fontAlgn="t">
+                        <a:spcBef>
+                          <a:spcPts val="0"/>
+                        </a:spcBef>
+                        <a:spcAft>
+                          <a:spcPts val="0"/>
+                        </a:spcAft>
+                      </a:pPr>
+                      <a:r>
+                        <a:rPr lang="en-150" sz="1100" b="0" i="0" u="none" strike="noStrike">
+                          <a:solidFill>
+                            <a:srgbClr val="000000"/>
+                          </a:solidFill>
+                          <a:effectLst/>
+                          <a:latin typeface="Courier New" panose="02070309020205020404" pitchFamily="49" charset="0"/>
+                        </a:rPr>
+                        <a:t>50</a:t>
+                      </a:r>
+                      <a:endParaRPr lang="en-150">
+                        <a:effectLst/>
+                      </a:endParaRPr>
+                    </a:p>
+                  </a:txBody>
+                  <a:tcPr marL="63500" marR="63500" marT="63500" marB="63500">
+                    <a:lnL w="12700" cap="flat" cmpd="sng" algn="ctr">
+                      <a:solidFill>
+                        <a:srgbClr val="000000"/>
+                      </a:solidFill>
+                      <a:prstDash val="solid"/>
+                      <a:round/>
+                      <a:headEnd type="none" w="med" len="med"/>
+                      <a:tailEnd type="none" w="med" len="med"/>
+                    </a:lnL>
+                    <a:lnR w="12700" cap="flat" cmpd="sng" algn="ctr">
+                      <a:solidFill>
+                        <a:srgbClr val="000000"/>
+                      </a:solidFill>
+                      <a:prstDash val="solid"/>
+                      <a:round/>
+                      <a:headEnd type="none" w="med" len="med"/>
+                      <a:tailEnd type="none" w="med" len="med"/>
+                    </a:lnR>
+                    <a:lnT w="12700" cap="flat" cmpd="sng" algn="ctr">
+                      <a:solidFill>
+                        <a:srgbClr val="000000"/>
+                      </a:solidFill>
+                      <a:prstDash val="solid"/>
+                      <a:round/>
+                      <a:headEnd type="none" w="med" len="med"/>
+                      <a:tailEnd type="none" w="med" len="med"/>
+                    </a:lnT>
+                    <a:lnB w="12700" cap="flat" cmpd="sng" algn="ctr">
+                      <a:solidFill>
+                        <a:srgbClr val="000000"/>
+                      </a:solidFill>
+                      <a:prstDash val="solid"/>
+                      <a:round/>
+                      <a:headEnd type="none" w="med" len="med"/>
+                      <a:tailEnd type="none" w="med" len="med"/>
+                    </a:lnB>
+                  </a:tcPr>
+                </a:tc>
+                <a:tc>
+                  <a:txBody>
+                    <a:bodyPr/>
+                    <a:lstStyle/>
+                    <a:p>
+                      <a:pPr algn="ctr" rtl="0" fontAlgn="t">
+                        <a:spcBef>
+                          <a:spcPts val="0"/>
+                        </a:spcBef>
+                        <a:spcAft>
+                          <a:spcPts val="0"/>
+                        </a:spcAft>
+                      </a:pPr>
+                      <a:r>
+                        <a:rPr lang="en-150" sz="1100" b="0" i="0" u="none" strike="noStrike" dirty="0">
+                          <a:solidFill>
+                            <a:srgbClr val="000000"/>
+                          </a:solidFill>
+                          <a:effectLst/>
+                          <a:latin typeface="Courier New" panose="02070309020205020404" pitchFamily="49" charset="0"/>
+                        </a:rPr>
+                        <a:t>59060537</a:t>
+                      </a:r>
+                      <a:endParaRPr lang="en-150" dirty="0">
+                        <a:effectLst/>
+                      </a:endParaRPr>
+                    </a:p>
+                  </a:txBody>
+                  <a:tcPr marL="63500" marR="63500" marT="63500" marB="63500">
+                    <a:lnL w="12700" cap="flat" cmpd="sng" algn="ctr">
+                      <a:solidFill>
+                        <a:srgbClr val="000000"/>
+                      </a:solidFill>
+                      <a:prstDash val="solid"/>
+                      <a:round/>
+                      <a:headEnd type="none" w="med" len="med"/>
+                      <a:tailEnd type="none" w="med" len="med"/>
+                    </a:lnL>
+                    <a:lnR w="12700" cap="flat" cmpd="sng" algn="ctr">
+                      <a:solidFill>
+                        <a:srgbClr val="000000"/>
+                      </a:solidFill>
+                      <a:prstDash val="solid"/>
+                      <a:round/>
+                      <a:headEnd type="none" w="med" len="med"/>
+                      <a:tailEnd type="none" w="med" len="med"/>
+                    </a:lnR>
+                    <a:lnT w="12700" cap="flat" cmpd="sng" algn="ctr">
+                      <a:solidFill>
+                        <a:srgbClr val="000000"/>
+                      </a:solidFill>
+                      <a:prstDash val="solid"/>
+                      <a:round/>
+                      <a:headEnd type="none" w="med" len="med"/>
+                      <a:tailEnd type="none" w="med" len="med"/>
+                    </a:lnT>
+                    <a:lnB w="12700" cap="flat" cmpd="sng" algn="ctr">
+                      <a:solidFill>
+                        <a:srgbClr val="000000"/>
+                      </a:solidFill>
+                      <a:prstDash val="solid"/>
+                      <a:round/>
+                      <a:headEnd type="none" w="med" len="med"/>
+                      <a:tailEnd type="none" w="med" len="med"/>
+                    </a:lnB>
+                  </a:tcPr>
+                </a:tc>
+                <a:tc>
+                  <a:txBody>
+                    <a:bodyPr/>
+                    <a:lstStyle/>
+                    <a:p>
+                      <a:pPr algn="ctr" rtl="0" fontAlgn="t">
+                        <a:spcBef>
+                          <a:spcPts val="0"/>
+                        </a:spcBef>
+                        <a:spcAft>
+                          <a:spcPts val="0"/>
+                        </a:spcAft>
+                      </a:pPr>
+                      <a:r>
+                        <a:rPr lang="en-US" sz="1100" b="0" i="0" u="none" strike="noStrike">
+                          <a:solidFill>
+                            <a:srgbClr val="000000"/>
+                          </a:solidFill>
+                          <a:effectLst/>
+                          <a:latin typeface="Courier New" panose="02070309020205020404" pitchFamily="49" charset="0"/>
+                        </a:rPr>
+                        <a:t>1372 sec.</a:t>
+                      </a:r>
+                      <a:endParaRPr lang="en-US">
+                        <a:effectLst/>
+                      </a:endParaRPr>
+                    </a:p>
+                  </a:txBody>
+                  <a:tcPr marL="63500" marR="63500" marT="63500" marB="63500">
+                    <a:lnL w="12700" cap="flat" cmpd="sng" algn="ctr">
+                      <a:solidFill>
+                        <a:srgbClr val="000000"/>
+                      </a:solidFill>
+                      <a:prstDash val="solid"/>
+                      <a:round/>
+                      <a:headEnd type="none" w="med" len="med"/>
+                      <a:tailEnd type="none" w="med" len="med"/>
+                    </a:lnL>
+                    <a:lnR w="12700" cap="flat" cmpd="sng" algn="ctr">
+                      <a:solidFill>
+                        <a:srgbClr val="000000"/>
+                      </a:solidFill>
+                      <a:prstDash val="solid"/>
+                      <a:round/>
+                      <a:headEnd type="none" w="med" len="med"/>
+                      <a:tailEnd type="none" w="med" len="med"/>
+                    </a:lnR>
+                    <a:lnT w="12700" cap="flat" cmpd="sng" algn="ctr">
+                      <a:solidFill>
+                        <a:srgbClr val="000000"/>
+                      </a:solidFill>
+                      <a:prstDash val="solid"/>
+                      <a:round/>
+                      <a:headEnd type="none" w="med" len="med"/>
+                      <a:tailEnd type="none" w="med" len="med"/>
+                    </a:lnT>
+                    <a:lnB w="12700" cap="flat" cmpd="sng" algn="ctr">
+                      <a:solidFill>
+                        <a:srgbClr val="000000"/>
+                      </a:solidFill>
+                      <a:prstDash val="solid"/>
+                      <a:round/>
+                      <a:headEnd type="none" w="med" len="med"/>
+                      <a:tailEnd type="none" w="med" len="med"/>
+                    </a:lnB>
+                  </a:tcPr>
+                </a:tc>
+                <a:extLst>
+                  <a:ext uri="{0D108BD9-81ED-4DB2-BD59-A6C34878D82A}">
+                    <a16:rowId xmlns:a16="http://schemas.microsoft.com/office/drawing/2014/main" val="3382517422"/>
+                  </a:ext>
+                </a:extLst>
+              </a:tr>
+              <a:tr h="811276">
+                <a:tc>
+                  <a:txBody>
+                    <a:bodyPr/>
+                    <a:lstStyle/>
+                    <a:p>
+                      <a:pPr algn="ctr" rtl="0" fontAlgn="t">
+                        <a:spcBef>
+                          <a:spcPts val="0"/>
+                        </a:spcBef>
+                        <a:spcAft>
+                          <a:spcPts val="0"/>
+                        </a:spcAft>
+                      </a:pPr>
+                      <a:r>
+                        <a:rPr lang="en-150" sz="1100" b="1" i="0" u="none" strike="noStrike">
+                          <a:solidFill>
+                            <a:srgbClr val="000000"/>
+                          </a:solidFill>
+                          <a:effectLst/>
+                          <a:latin typeface="Courier New" panose="02070309020205020404" pitchFamily="49" charset="0"/>
+                        </a:rPr>
+                        <a:t>2.</a:t>
+                      </a:r>
+                      <a:endParaRPr lang="en-150">
+                        <a:effectLst/>
+                      </a:endParaRPr>
+                    </a:p>
+                  </a:txBody>
+                  <a:tcPr marL="63500" marR="63500" marT="63500" marB="63500">
+                    <a:lnL w="12700" cap="flat" cmpd="sng" algn="ctr">
+                      <a:solidFill>
+                        <a:srgbClr val="000000"/>
+                      </a:solidFill>
+                      <a:prstDash val="solid"/>
+                      <a:round/>
+                      <a:headEnd type="none" w="med" len="med"/>
+                      <a:tailEnd type="none" w="med" len="med"/>
+                    </a:lnL>
+                    <a:lnR w="12700" cap="flat" cmpd="sng" algn="ctr">
+                      <a:solidFill>
+                        <a:srgbClr val="000000"/>
+                      </a:solidFill>
+                      <a:prstDash val="solid"/>
+                      <a:round/>
+                      <a:headEnd type="none" w="med" len="med"/>
+                      <a:tailEnd type="none" w="med" len="med"/>
+                    </a:lnR>
+                    <a:lnT w="12700" cap="flat" cmpd="sng" algn="ctr">
+                      <a:solidFill>
+                        <a:srgbClr val="000000"/>
+                      </a:solidFill>
+                      <a:prstDash val="solid"/>
+                      <a:round/>
+                      <a:headEnd type="none" w="med" len="med"/>
+                      <a:tailEnd type="none" w="med" len="med"/>
+                    </a:lnT>
+                    <a:lnB w="12700" cap="flat" cmpd="sng" algn="ctr">
+                      <a:solidFill>
+                        <a:srgbClr val="000000"/>
+                      </a:solidFill>
+                      <a:prstDash val="solid"/>
+                      <a:round/>
+                      <a:headEnd type="none" w="med" len="med"/>
+                      <a:tailEnd type="none" w="med" len="med"/>
+                    </a:lnB>
+                  </a:tcPr>
+                </a:tc>
+                <a:tc>
+                  <a:txBody>
+                    <a:bodyPr/>
+                    <a:lstStyle/>
+                    <a:p>
+                      <a:pPr algn="ctr" rtl="0" fontAlgn="t">
+                        <a:spcBef>
+                          <a:spcPts val="0"/>
+                        </a:spcBef>
+                        <a:spcAft>
+                          <a:spcPts val="0"/>
+                        </a:spcAft>
+                      </a:pPr>
+                      <a:r>
+                        <a:rPr lang="en-US" sz="1100" b="0" i="0" u="none" strike="noStrike">
+                          <a:solidFill>
+                            <a:srgbClr val="000000"/>
+                          </a:solidFill>
+                          <a:effectLst/>
+                          <a:latin typeface="Courier New" panose="02070309020205020404" pitchFamily="49" charset="0"/>
+                        </a:rPr>
+                        <a:t>418 MB</a:t>
+                      </a:r>
+                      <a:endParaRPr lang="en-US">
+                        <a:effectLst/>
+                      </a:endParaRPr>
+                    </a:p>
+                  </a:txBody>
+                  <a:tcPr marL="63500" marR="63500" marT="63500" marB="63500">
+                    <a:lnL w="12700" cap="flat" cmpd="sng" algn="ctr">
+                      <a:solidFill>
+                        <a:srgbClr val="000000"/>
+                      </a:solidFill>
+                      <a:prstDash val="solid"/>
+                      <a:round/>
+                      <a:headEnd type="none" w="med" len="med"/>
+                      <a:tailEnd type="none" w="med" len="med"/>
+                    </a:lnL>
+                    <a:lnR w="12700" cap="flat" cmpd="sng" algn="ctr">
+                      <a:solidFill>
+                        <a:srgbClr val="000000"/>
+                      </a:solidFill>
+                      <a:prstDash val="solid"/>
+                      <a:round/>
+                      <a:headEnd type="none" w="med" len="med"/>
+                      <a:tailEnd type="none" w="med" len="med"/>
+                    </a:lnR>
+                    <a:lnT w="12700" cap="flat" cmpd="sng" algn="ctr">
+                      <a:solidFill>
+                        <a:srgbClr val="000000"/>
+                      </a:solidFill>
+                      <a:prstDash val="solid"/>
+                      <a:round/>
+                      <a:headEnd type="none" w="med" len="med"/>
+                      <a:tailEnd type="none" w="med" len="med"/>
+                    </a:lnT>
+                    <a:lnB w="12700" cap="flat" cmpd="sng" algn="ctr">
+                      <a:solidFill>
+                        <a:srgbClr val="000000"/>
+                      </a:solidFill>
+                      <a:prstDash val="solid"/>
+                      <a:round/>
+                      <a:headEnd type="none" w="med" len="med"/>
+                      <a:tailEnd type="none" w="med" len="med"/>
+                    </a:lnB>
+                  </a:tcPr>
+                </a:tc>
+                <a:tc>
+                  <a:txBody>
+                    <a:bodyPr/>
+                    <a:lstStyle/>
+                    <a:p>
+                      <a:pPr algn="ctr" rtl="0" fontAlgn="t">
+                        <a:spcBef>
+                          <a:spcPts val="0"/>
+                        </a:spcBef>
+                        <a:spcAft>
+                          <a:spcPts val="0"/>
+                        </a:spcAft>
+                      </a:pPr>
+                      <a:r>
+                        <a:rPr lang="en-150" sz="1100" b="0" i="0" u="none" strike="noStrike">
+                          <a:solidFill>
+                            <a:srgbClr val="000000"/>
+                          </a:solidFill>
+                          <a:effectLst/>
+                          <a:latin typeface="Courier New" panose="02070309020205020404" pitchFamily="49" charset="0"/>
+                        </a:rPr>
+                        <a:t>1050458</a:t>
+                      </a:r>
+                      <a:endParaRPr lang="en-150">
+                        <a:effectLst/>
+                      </a:endParaRPr>
+                    </a:p>
+                  </a:txBody>
+                  <a:tcPr marL="63500" marR="63500" marT="63500" marB="63500">
+                    <a:lnL w="12700" cap="flat" cmpd="sng" algn="ctr">
+                      <a:solidFill>
+                        <a:srgbClr val="000000"/>
+                      </a:solidFill>
+                      <a:prstDash val="solid"/>
+                      <a:round/>
+                      <a:headEnd type="none" w="med" len="med"/>
+                      <a:tailEnd type="none" w="med" len="med"/>
+                    </a:lnL>
+                    <a:lnR w="12700" cap="flat" cmpd="sng" algn="ctr">
+                      <a:solidFill>
+                        <a:srgbClr val="000000"/>
+                      </a:solidFill>
+                      <a:prstDash val="solid"/>
+                      <a:round/>
+                      <a:headEnd type="none" w="med" len="med"/>
+                      <a:tailEnd type="none" w="med" len="med"/>
+                    </a:lnR>
+                    <a:lnT w="12700" cap="flat" cmpd="sng" algn="ctr">
+                      <a:solidFill>
+                        <a:srgbClr val="000000"/>
+                      </a:solidFill>
+                      <a:prstDash val="solid"/>
+                      <a:round/>
+                      <a:headEnd type="none" w="med" len="med"/>
+                      <a:tailEnd type="none" w="med" len="med"/>
+                    </a:lnT>
+                    <a:lnB w="12700" cap="flat" cmpd="sng" algn="ctr">
+                      <a:solidFill>
+                        <a:srgbClr val="000000"/>
+                      </a:solidFill>
+                      <a:prstDash val="solid"/>
+                      <a:round/>
+                      <a:headEnd type="none" w="med" len="med"/>
+                      <a:tailEnd type="none" w="med" len="med"/>
+                    </a:lnB>
+                  </a:tcPr>
+                </a:tc>
+                <a:tc>
+                  <a:txBody>
+                    <a:bodyPr/>
+                    <a:lstStyle/>
+                    <a:p>
+                      <a:pPr algn="ctr" rtl="0" fontAlgn="t">
+                        <a:spcBef>
+                          <a:spcPts val="0"/>
+                        </a:spcBef>
+                        <a:spcAft>
+                          <a:spcPts val="0"/>
+                        </a:spcAft>
+                      </a:pPr>
+                      <a:r>
+                        <a:rPr lang="en-150" sz="1100" b="0" i="0" u="none" strike="noStrike">
+                          <a:solidFill>
+                            <a:srgbClr val="000000"/>
+                          </a:solidFill>
+                          <a:effectLst/>
+                          <a:latin typeface="Courier New" panose="02070309020205020404" pitchFamily="49" charset="0"/>
+                        </a:rPr>
+                        <a:t>100</a:t>
+                      </a:r>
+                      <a:endParaRPr lang="en-150">
+                        <a:effectLst/>
+                      </a:endParaRPr>
+                    </a:p>
+                  </a:txBody>
+                  <a:tcPr marL="63500" marR="63500" marT="63500" marB="63500">
+                    <a:lnL w="12700" cap="flat" cmpd="sng" algn="ctr">
+                      <a:solidFill>
+                        <a:srgbClr val="000000"/>
+                      </a:solidFill>
+                      <a:prstDash val="solid"/>
+                      <a:round/>
+                      <a:headEnd type="none" w="med" len="med"/>
+                      <a:tailEnd type="none" w="med" len="med"/>
+                    </a:lnL>
+                    <a:lnR w="12700" cap="flat" cmpd="sng" algn="ctr">
+                      <a:solidFill>
+                        <a:srgbClr val="000000"/>
+                      </a:solidFill>
+                      <a:prstDash val="solid"/>
+                      <a:round/>
+                      <a:headEnd type="none" w="med" len="med"/>
+                      <a:tailEnd type="none" w="med" len="med"/>
+                    </a:lnR>
+                    <a:lnT w="12700" cap="flat" cmpd="sng" algn="ctr">
+                      <a:solidFill>
+                        <a:srgbClr val="000000"/>
+                      </a:solidFill>
+                      <a:prstDash val="solid"/>
+                      <a:round/>
+                      <a:headEnd type="none" w="med" len="med"/>
+                      <a:tailEnd type="none" w="med" len="med"/>
+                    </a:lnT>
+                    <a:lnB w="12700" cap="flat" cmpd="sng" algn="ctr">
+                      <a:solidFill>
+                        <a:srgbClr val="000000"/>
+                      </a:solidFill>
+                      <a:prstDash val="solid"/>
+                      <a:round/>
+                      <a:headEnd type="none" w="med" len="med"/>
+                      <a:tailEnd type="none" w="med" len="med"/>
+                    </a:lnB>
+                  </a:tcPr>
+                </a:tc>
+                <a:tc>
+                  <a:txBody>
+                    <a:bodyPr/>
+                    <a:lstStyle/>
+                    <a:p>
+                      <a:pPr algn="ctr" rtl="0" fontAlgn="t">
+                        <a:spcBef>
+                          <a:spcPts val="0"/>
+                        </a:spcBef>
+                        <a:spcAft>
+                          <a:spcPts val="0"/>
+                        </a:spcAft>
+                      </a:pPr>
+                      <a:r>
+                        <a:rPr lang="en-150" sz="1100" b="0" i="0" u="none" strike="noStrike">
+                          <a:solidFill>
+                            <a:srgbClr val="000000"/>
+                          </a:solidFill>
+                          <a:effectLst/>
+                          <a:latin typeface="Courier New" panose="02070309020205020404" pitchFamily="49" charset="0"/>
+                        </a:rPr>
+                        <a:t>59060537</a:t>
+                      </a:r>
+                      <a:endParaRPr lang="en-150">
+                        <a:effectLst/>
+                      </a:endParaRPr>
+                    </a:p>
+                  </a:txBody>
+                  <a:tcPr marL="63500" marR="63500" marT="63500" marB="63500">
+                    <a:lnL w="12700" cap="flat" cmpd="sng" algn="ctr">
+                      <a:solidFill>
+                        <a:srgbClr val="000000"/>
+                      </a:solidFill>
+                      <a:prstDash val="solid"/>
+                      <a:round/>
+                      <a:headEnd type="none" w="med" len="med"/>
+                      <a:tailEnd type="none" w="med" len="med"/>
+                    </a:lnL>
+                    <a:lnR w="12700" cap="flat" cmpd="sng" algn="ctr">
+                      <a:solidFill>
+                        <a:srgbClr val="000000"/>
+                      </a:solidFill>
+                      <a:prstDash val="solid"/>
+                      <a:round/>
+                      <a:headEnd type="none" w="med" len="med"/>
+                      <a:tailEnd type="none" w="med" len="med"/>
+                    </a:lnR>
+                    <a:lnT w="12700" cap="flat" cmpd="sng" algn="ctr">
+                      <a:solidFill>
+                        <a:srgbClr val="000000"/>
+                      </a:solidFill>
+                      <a:prstDash val="solid"/>
+                      <a:round/>
+                      <a:headEnd type="none" w="med" len="med"/>
+                      <a:tailEnd type="none" w="med" len="med"/>
+                    </a:lnT>
+                    <a:lnB w="12700" cap="flat" cmpd="sng" algn="ctr">
+                      <a:solidFill>
+                        <a:srgbClr val="000000"/>
+                      </a:solidFill>
+                      <a:prstDash val="solid"/>
+                      <a:round/>
+                      <a:headEnd type="none" w="med" len="med"/>
+                      <a:tailEnd type="none" w="med" len="med"/>
+                    </a:lnB>
+                  </a:tcPr>
+                </a:tc>
+                <a:tc>
+                  <a:txBody>
+                    <a:bodyPr/>
+                    <a:lstStyle/>
+                    <a:p>
+                      <a:pPr algn="ctr" rtl="0" fontAlgn="t">
+                        <a:spcBef>
+                          <a:spcPts val="0"/>
+                        </a:spcBef>
+                        <a:spcAft>
+                          <a:spcPts val="0"/>
+                        </a:spcAft>
+                      </a:pPr>
+                      <a:r>
+                        <a:rPr lang="en-US" sz="1100" b="0" i="0" u="none" strike="noStrike">
+                          <a:solidFill>
+                            <a:srgbClr val="000000"/>
+                          </a:solidFill>
+                          <a:effectLst/>
+                          <a:latin typeface="Courier New" panose="02070309020205020404" pitchFamily="49" charset="0"/>
+                        </a:rPr>
+                        <a:t>2247 sec.</a:t>
+                      </a:r>
+                      <a:endParaRPr lang="en-US">
+                        <a:effectLst/>
+                      </a:endParaRPr>
+                    </a:p>
+                  </a:txBody>
+                  <a:tcPr marL="63500" marR="63500" marT="63500" marB="63500">
+                    <a:lnL w="12700" cap="flat" cmpd="sng" algn="ctr">
+                      <a:solidFill>
+                        <a:srgbClr val="000000"/>
+                      </a:solidFill>
+                      <a:prstDash val="solid"/>
+                      <a:round/>
+                      <a:headEnd type="none" w="med" len="med"/>
+                      <a:tailEnd type="none" w="med" len="med"/>
+                    </a:lnL>
+                    <a:lnR w="12700" cap="flat" cmpd="sng" algn="ctr">
+                      <a:solidFill>
+                        <a:srgbClr val="000000"/>
+                      </a:solidFill>
+                      <a:prstDash val="solid"/>
+                      <a:round/>
+                      <a:headEnd type="none" w="med" len="med"/>
+                      <a:tailEnd type="none" w="med" len="med"/>
+                    </a:lnR>
+                    <a:lnT w="12700" cap="flat" cmpd="sng" algn="ctr">
+                      <a:solidFill>
+                        <a:srgbClr val="000000"/>
+                      </a:solidFill>
+                      <a:prstDash val="solid"/>
+                      <a:round/>
+                      <a:headEnd type="none" w="med" len="med"/>
+                      <a:tailEnd type="none" w="med" len="med"/>
+                    </a:lnT>
+                    <a:lnB w="12700" cap="flat" cmpd="sng" algn="ctr">
+                      <a:solidFill>
+                        <a:srgbClr val="000000"/>
+                      </a:solidFill>
+                      <a:prstDash val="solid"/>
+                      <a:round/>
+                      <a:headEnd type="none" w="med" len="med"/>
+                      <a:tailEnd type="none" w="med" len="med"/>
+                    </a:lnB>
+                  </a:tcPr>
+                </a:tc>
+                <a:extLst>
+                  <a:ext uri="{0D108BD9-81ED-4DB2-BD59-A6C34878D82A}">
+                    <a16:rowId xmlns:a16="http://schemas.microsoft.com/office/drawing/2014/main" val="1284002213"/>
+                  </a:ext>
+                </a:extLst>
+              </a:tr>
+              <a:tr h="703106">
+                <a:tc>
+                  <a:txBody>
+                    <a:bodyPr/>
+                    <a:lstStyle/>
+                    <a:p>
+                      <a:pPr algn="ctr" rtl="0" fontAlgn="t">
+                        <a:spcBef>
+                          <a:spcPts val="0"/>
+                        </a:spcBef>
+                        <a:spcAft>
+                          <a:spcPts val="0"/>
+                        </a:spcAft>
+                      </a:pPr>
+                      <a:r>
+                        <a:rPr lang="en-150" sz="1100" b="1" i="0" u="none" strike="noStrike">
+                          <a:solidFill>
+                            <a:srgbClr val="000000"/>
+                          </a:solidFill>
+                          <a:effectLst/>
+                          <a:latin typeface="Courier New" panose="02070309020205020404" pitchFamily="49" charset="0"/>
+                        </a:rPr>
+                        <a:t>3.</a:t>
+                      </a:r>
+                      <a:endParaRPr lang="en-150">
+                        <a:effectLst/>
+                      </a:endParaRPr>
+                    </a:p>
+                  </a:txBody>
+                  <a:tcPr marL="63500" marR="63500" marT="63500" marB="63500">
+                    <a:lnL w="12700" cap="flat" cmpd="sng" algn="ctr">
+                      <a:solidFill>
+                        <a:srgbClr val="000000"/>
+                      </a:solidFill>
+                      <a:prstDash val="solid"/>
+                      <a:round/>
+                      <a:headEnd type="none" w="med" len="med"/>
+                      <a:tailEnd type="none" w="med" len="med"/>
+                    </a:lnL>
+                    <a:lnR w="12700" cap="flat" cmpd="sng" algn="ctr">
+                      <a:solidFill>
+                        <a:srgbClr val="000000"/>
+                      </a:solidFill>
+                      <a:prstDash val="solid"/>
+                      <a:round/>
+                      <a:headEnd type="none" w="med" len="med"/>
+                      <a:tailEnd type="none" w="med" len="med"/>
+                    </a:lnR>
+                    <a:lnT w="12700" cap="flat" cmpd="sng" algn="ctr">
+                      <a:solidFill>
+                        <a:srgbClr val="000000"/>
+                      </a:solidFill>
+                      <a:prstDash val="solid"/>
+                      <a:round/>
+                      <a:headEnd type="none" w="med" len="med"/>
+                      <a:tailEnd type="none" w="med" len="med"/>
+                    </a:lnT>
+                    <a:lnB w="12700" cap="flat" cmpd="sng" algn="ctr">
+                      <a:solidFill>
+                        <a:srgbClr val="000000"/>
+                      </a:solidFill>
+                      <a:prstDash val="solid"/>
+                      <a:round/>
+                      <a:headEnd type="none" w="med" len="med"/>
+                      <a:tailEnd type="none" w="med" len="med"/>
+                    </a:lnB>
+                  </a:tcPr>
+                </a:tc>
+                <a:tc>
+                  <a:txBody>
+                    <a:bodyPr/>
+                    <a:lstStyle/>
+                    <a:p>
+                      <a:pPr algn="ctr" rtl="0" fontAlgn="t">
+                        <a:spcBef>
+                          <a:spcPts val="0"/>
+                        </a:spcBef>
+                        <a:spcAft>
+                          <a:spcPts val="0"/>
+                        </a:spcAft>
+                      </a:pPr>
+                      <a:r>
+                        <a:rPr lang="en-US" sz="1100" b="0" i="0" u="none" strike="noStrike">
+                          <a:solidFill>
+                            <a:srgbClr val="000000"/>
+                          </a:solidFill>
+                          <a:effectLst/>
+                          <a:latin typeface="Courier New" panose="02070309020205020404" pitchFamily="49" charset="0"/>
+                        </a:rPr>
+                        <a:t>1540 MB</a:t>
+                      </a:r>
+                      <a:endParaRPr lang="en-US">
+                        <a:effectLst/>
+                      </a:endParaRPr>
+                    </a:p>
+                  </a:txBody>
+                  <a:tcPr marL="63500" marR="63500" marT="63500" marB="63500">
+                    <a:lnL w="12700" cap="flat" cmpd="sng" algn="ctr">
+                      <a:solidFill>
+                        <a:srgbClr val="000000"/>
+                      </a:solidFill>
+                      <a:prstDash val="solid"/>
+                      <a:round/>
+                      <a:headEnd type="none" w="med" len="med"/>
+                      <a:tailEnd type="none" w="med" len="med"/>
+                    </a:lnL>
+                    <a:lnR w="12700" cap="flat" cmpd="sng" algn="ctr">
+                      <a:solidFill>
+                        <a:srgbClr val="000000"/>
+                      </a:solidFill>
+                      <a:prstDash val="solid"/>
+                      <a:round/>
+                      <a:headEnd type="none" w="med" len="med"/>
+                      <a:tailEnd type="none" w="med" len="med"/>
+                    </a:lnR>
+                    <a:lnT w="12700" cap="flat" cmpd="sng" algn="ctr">
+                      <a:solidFill>
+                        <a:srgbClr val="000000"/>
+                      </a:solidFill>
+                      <a:prstDash val="solid"/>
+                      <a:round/>
+                      <a:headEnd type="none" w="med" len="med"/>
+                      <a:tailEnd type="none" w="med" len="med"/>
+                    </a:lnT>
+                    <a:lnB w="12700" cap="flat" cmpd="sng" algn="ctr">
+                      <a:solidFill>
+                        <a:srgbClr val="000000"/>
+                      </a:solidFill>
+                      <a:prstDash val="solid"/>
+                      <a:round/>
+                      <a:headEnd type="none" w="med" len="med"/>
+                      <a:tailEnd type="none" w="med" len="med"/>
+                    </a:lnB>
+                  </a:tcPr>
+                </a:tc>
+                <a:tc>
+                  <a:txBody>
+                    <a:bodyPr/>
+                    <a:lstStyle/>
+                    <a:p>
+                      <a:pPr algn="ctr" rtl="0" fontAlgn="t">
+                        <a:spcBef>
+                          <a:spcPts val="0"/>
+                        </a:spcBef>
+                        <a:spcAft>
+                          <a:spcPts val="0"/>
+                        </a:spcAft>
+                      </a:pPr>
+                      <a:r>
+                        <a:rPr lang="en-US" sz="1100" b="0" i="0" u="none" strike="noStrike">
+                          <a:solidFill>
+                            <a:srgbClr val="000000"/>
+                          </a:solidFill>
+                          <a:effectLst/>
+                          <a:latin typeface="Courier New" panose="02070309020205020404" pitchFamily="49" charset="0"/>
+                        </a:rPr>
+                        <a:t>1000000 </a:t>
+                      </a:r>
+                      <a:r>
+                        <a:rPr lang="en-US" sz="800" b="0" i="0" u="none" strike="noStrike">
+                          <a:solidFill>
+                            <a:srgbClr val="000000"/>
+                          </a:solidFill>
+                          <a:effectLst/>
+                          <a:latin typeface="Courier New" panose="02070309020205020404" pitchFamily="49" charset="0"/>
+                        </a:rPr>
+                        <a:t>(fixed size)</a:t>
+                      </a:r>
+                      <a:endParaRPr lang="en-US">
+                        <a:effectLst/>
+                      </a:endParaRPr>
+                    </a:p>
+                  </a:txBody>
+                  <a:tcPr marL="63500" marR="63500" marT="63500" marB="63500">
+                    <a:lnL w="12700" cap="flat" cmpd="sng" algn="ctr">
+                      <a:solidFill>
+                        <a:srgbClr val="000000"/>
+                      </a:solidFill>
+                      <a:prstDash val="solid"/>
+                      <a:round/>
+                      <a:headEnd type="none" w="med" len="med"/>
+                      <a:tailEnd type="none" w="med" len="med"/>
+                    </a:lnL>
+                    <a:lnR w="12700" cap="flat" cmpd="sng" algn="ctr">
+                      <a:solidFill>
+                        <a:srgbClr val="000000"/>
+                      </a:solidFill>
+                      <a:prstDash val="solid"/>
+                      <a:round/>
+                      <a:headEnd type="none" w="med" len="med"/>
+                      <a:tailEnd type="none" w="med" len="med"/>
+                    </a:lnR>
+                    <a:lnT w="12700" cap="flat" cmpd="sng" algn="ctr">
+                      <a:solidFill>
+                        <a:srgbClr val="000000"/>
+                      </a:solidFill>
+                      <a:prstDash val="solid"/>
+                      <a:round/>
+                      <a:headEnd type="none" w="med" len="med"/>
+                      <a:tailEnd type="none" w="med" len="med"/>
+                    </a:lnT>
+                    <a:lnB w="12700" cap="flat" cmpd="sng" algn="ctr">
+                      <a:solidFill>
+                        <a:srgbClr val="000000"/>
+                      </a:solidFill>
+                      <a:prstDash val="solid"/>
+                      <a:round/>
+                      <a:headEnd type="none" w="med" len="med"/>
+                      <a:tailEnd type="none" w="med" len="med"/>
+                    </a:lnB>
+                  </a:tcPr>
+                </a:tc>
+                <a:tc>
+                  <a:txBody>
+                    <a:bodyPr/>
+                    <a:lstStyle/>
+                    <a:p>
+                      <a:pPr algn="ctr" rtl="0" fontAlgn="t">
+                        <a:spcBef>
+                          <a:spcPts val="0"/>
+                        </a:spcBef>
+                        <a:spcAft>
+                          <a:spcPts val="0"/>
+                        </a:spcAft>
+                      </a:pPr>
+                      <a:r>
+                        <a:rPr lang="en-150" sz="1100" b="0" i="0" u="none" strike="noStrike">
+                          <a:solidFill>
+                            <a:srgbClr val="000000"/>
+                          </a:solidFill>
+                          <a:effectLst/>
+                          <a:latin typeface="Courier New" panose="02070309020205020404" pitchFamily="49" charset="0"/>
+                        </a:rPr>
+                        <a:t>100</a:t>
+                      </a:r>
+                      <a:endParaRPr lang="en-150">
+                        <a:effectLst/>
+                      </a:endParaRPr>
+                    </a:p>
+                  </a:txBody>
+                  <a:tcPr marL="63500" marR="63500" marT="63500" marB="63500">
+                    <a:lnL w="12700" cap="flat" cmpd="sng" algn="ctr">
+                      <a:solidFill>
+                        <a:srgbClr val="000000"/>
+                      </a:solidFill>
+                      <a:prstDash val="solid"/>
+                      <a:round/>
+                      <a:headEnd type="none" w="med" len="med"/>
+                      <a:tailEnd type="none" w="med" len="med"/>
+                    </a:lnL>
+                    <a:lnR w="12700" cap="flat" cmpd="sng" algn="ctr">
+                      <a:solidFill>
+                        <a:srgbClr val="000000"/>
+                      </a:solidFill>
+                      <a:prstDash val="solid"/>
+                      <a:round/>
+                      <a:headEnd type="none" w="med" len="med"/>
+                      <a:tailEnd type="none" w="med" len="med"/>
+                    </a:lnR>
+                    <a:lnT w="12700" cap="flat" cmpd="sng" algn="ctr">
+                      <a:solidFill>
+                        <a:srgbClr val="000000"/>
+                      </a:solidFill>
+                      <a:prstDash val="solid"/>
+                      <a:round/>
+                      <a:headEnd type="none" w="med" len="med"/>
+                      <a:tailEnd type="none" w="med" len="med"/>
+                    </a:lnT>
+                    <a:lnB w="12700" cap="flat" cmpd="sng" algn="ctr">
+                      <a:solidFill>
+                        <a:srgbClr val="000000"/>
+                      </a:solidFill>
+                      <a:prstDash val="solid"/>
+                      <a:round/>
+                      <a:headEnd type="none" w="med" len="med"/>
+                      <a:tailEnd type="none" w="med" len="med"/>
+                    </a:lnB>
+                  </a:tcPr>
+                </a:tc>
+                <a:tc>
+                  <a:txBody>
+                    <a:bodyPr/>
+                    <a:lstStyle/>
+                    <a:p>
+                      <a:pPr algn="ctr" rtl="0" fontAlgn="t">
+                        <a:spcBef>
+                          <a:spcPts val="0"/>
+                        </a:spcBef>
+                        <a:spcAft>
+                          <a:spcPts val="0"/>
+                        </a:spcAft>
+                      </a:pPr>
+                      <a:r>
+                        <a:rPr lang="en-150" sz="1100" b="0" i="0" u="none" strike="noStrike">
+                          <a:solidFill>
+                            <a:srgbClr val="000000"/>
+                          </a:solidFill>
+                          <a:effectLst/>
+                          <a:latin typeface="Courier New" panose="02070309020205020404" pitchFamily="49" charset="0"/>
+                        </a:rPr>
+                        <a:t>177181611</a:t>
+                      </a:r>
+                      <a:endParaRPr lang="en-150">
+                        <a:effectLst/>
+                      </a:endParaRPr>
+                    </a:p>
+                  </a:txBody>
+                  <a:tcPr marL="63500" marR="63500" marT="63500" marB="63500">
+                    <a:lnL w="12700" cap="flat" cmpd="sng" algn="ctr">
+                      <a:solidFill>
+                        <a:srgbClr val="000000"/>
+                      </a:solidFill>
+                      <a:prstDash val="solid"/>
+                      <a:round/>
+                      <a:headEnd type="none" w="med" len="med"/>
+                      <a:tailEnd type="none" w="med" len="med"/>
+                    </a:lnL>
+                    <a:lnR w="12700" cap="flat" cmpd="sng" algn="ctr">
+                      <a:solidFill>
+                        <a:srgbClr val="000000"/>
+                      </a:solidFill>
+                      <a:prstDash val="solid"/>
+                      <a:round/>
+                      <a:headEnd type="none" w="med" len="med"/>
+                      <a:tailEnd type="none" w="med" len="med"/>
+                    </a:lnR>
+                    <a:lnT w="12700" cap="flat" cmpd="sng" algn="ctr">
+                      <a:solidFill>
+                        <a:srgbClr val="000000"/>
+                      </a:solidFill>
+                      <a:prstDash val="solid"/>
+                      <a:round/>
+                      <a:headEnd type="none" w="med" len="med"/>
+                      <a:tailEnd type="none" w="med" len="med"/>
+                    </a:lnT>
+                    <a:lnB w="12700" cap="flat" cmpd="sng" algn="ctr">
+                      <a:solidFill>
+                        <a:srgbClr val="000000"/>
+                      </a:solidFill>
+                      <a:prstDash val="solid"/>
+                      <a:round/>
+                      <a:headEnd type="none" w="med" len="med"/>
+                      <a:tailEnd type="none" w="med" len="med"/>
+                    </a:lnB>
+                  </a:tcPr>
+                </a:tc>
+                <a:tc>
+                  <a:txBody>
+                    <a:bodyPr/>
+                    <a:lstStyle/>
+                    <a:p>
+                      <a:pPr algn="ctr" rtl="0" fontAlgn="t">
+                        <a:spcBef>
+                          <a:spcPts val="0"/>
+                        </a:spcBef>
+                        <a:spcAft>
+                          <a:spcPts val="0"/>
+                        </a:spcAft>
+                      </a:pPr>
+                      <a:r>
+                        <a:rPr lang="en-US" sz="1100" b="0" i="0" u="none" strike="noStrike" dirty="0">
+                          <a:solidFill>
+                            <a:srgbClr val="000000"/>
+                          </a:solidFill>
+                          <a:effectLst/>
+                          <a:latin typeface="Courier New" panose="02070309020205020404" pitchFamily="49" charset="0"/>
+                        </a:rPr>
+                        <a:t>~7-8 hours</a:t>
+                      </a:r>
+                      <a:endParaRPr lang="en-US" dirty="0">
+                        <a:effectLst/>
+                      </a:endParaRPr>
+                    </a:p>
+                  </a:txBody>
+                  <a:tcPr marL="63500" marR="63500" marT="63500" marB="63500">
+                    <a:lnL w="12700" cap="flat" cmpd="sng" algn="ctr">
+                      <a:solidFill>
+                        <a:srgbClr val="000000"/>
+                      </a:solidFill>
+                      <a:prstDash val="solid"/>
+                      <a:round/>
+                      <a:headEnd type="none" w="med" len="med"/>
+                      <a:tailEnd type="none" w="med" len="med"/>
+                    </a:lnL>
+                    <a:lnR w="12700" cap="flat" cmpd="sng" algn="ctr">
+                      <a:solidFill>
+                        <a:srgbClr val="000000"/>
+                      </a:solidFill>
+                      <a:prstDash val="solid"/>
+                      <a:round/>
+                      <a:headEnd type="none" w="med" len="med"/>
+                      <a:tailEnd type="none" w="med" len="med"/>
+                    </a:lnR>
+                    <a:lnT w="12700" cap="flat" cmpd="sng" algn="ctr">
+                      <a:solidFill>
+                        <a:srgbClr val="000000"/>
+                      </a:solidFill>
+                      <a:prstDash val="solid"/>
+                      <a:round/>
+                      <a:headEnd type="none" w="med" len="med"/>
+                      <a:tailEnd type="none" w="med" len="med"/>
+                    </a:lnT>
+                    <a:lnB w="12700" cap="flat" cmpd="sng" algn="ctr">
+                      <a:solidFill>
+                        <a:srgbClr val="000000"/>
+                      </a:solidFill>
+                      <a:prstDash val="solid"/>
+                      <a:round/>
+                      <a:headEnd type="none" w="med" len="med"/>
+                      <a:tailEnd type="none" w="med" len="med"/>
+                    </a:lnB>
+                  </a:tcPr>
+                </a:tc>
+                <a:extLst>
+                  <a:ext uri="{0D108BD9-81ED-4DB2-BD59-A6C34878D82A}">
+                    <a16:rowId xmlns:a16="http://schemas.microsoft.com/office/drawing/2014/main" val="12217530"/>
+                  </a:ext>
+                </a:extLst>
+              </a:tr>
+            </a:tbl>
+          </a:graphicData>
+        </a:graphic>
+      </p:graphicFrame>
+      <p:sp>
+        <p:nvSpPr>
+          <p:cNvPr id="5" name="Rectangle 1">
+            <a:extLst>
+              <a:ext uri="{FF2B5EF4-FFF2-40B4-BE49-F238E27FC236}">
+                <a16:creationId xmlns:a16="http://schemas.microsoft.com/office/drawing/2014/main" id="{716D6945-BCC9-4A55-90BD-47BE77AD09DB}"/>
+              </a:ext>
+            </a:extLst>
+          </p:cNvPr>
+          <p:cNvSpPr>
+            <a:spLocks noChangeArrowheads="1"/>
+          </p:cNvSpPr>
+          <p:nvPr/>
+        </p:nvSpPr>
+        <p:spPr bwMode="auto">
+          <a:xfrm>
+            <a:off x="0" y="0"/>
+            <a:ext cx="12192000" cy="457200"/>
+          </a:xfrm>
+          <a:prstGeom prst="rect">
+            <a:avLst/>
+          </a:prstGeom>
+          <a:noFill/>
+          <a:ln>
+            <a:noFill/>
+          </a:ln>
+          <a:effectLst/>
+          <a:extLst>
+            <a:ext uri="{909E8E84-426E-40DD-AFC4-6F175D3DCCD1}">
+              <a14:hiddenFill xmlns:a14="http://schemas.microsoft.com/office/drawing/2010/main">
+                <a:solidFill>
+                  <a:schemeClr val="accent1"/>
+                </a:solidFill>
+              </a14:hiddenFill>
+            </a:ext>
+            <a:ext uri="{91240B29-F687-4F45-9708-019B960494DF}">
+              <a14:hiddenLine xmlns:a14="http://schemas.microsoft.com/office/drawing/2010/main" w="9525">
+                <a:solidFill>
+                  <a:schemeClr val="tx1"/>
+                </a:solidFill>
+                <a:miter lim="800000"/>
+                <a:headEnd/>
+                <a:tailEnd/>
+              </a14:hiddenLine>
+            </a:ext>
+            <a:ext uri="{AF507438-7753-43E0-B8FC-AC1667EBCBE1}">
+              <a14:hiddenEffects xmlns:a14="http://schemas.microsoft.com/office/drawing/2010/main">
+                <a:effectLst>
+                  <a:outerShdw dist="35921" dir="2700000" algn="ctr" rotWithShape="0">
+                    <a:schemeClr val="bg2"/>
+                  </a:outerShdw>
+                </a:effectLst>
+              </a14:hiddenEffects>
+            </a:ext>
+          </a:extLst>
+        </p:spPr>
+        <p:txBody>
+          <a:bodyPr vert="horz" wrap="none" lIns="91440" tIns="0" rIns="91440" bIns="0" numCol="1" anchor="ctr" anchorCtr="0" compatLnSpc="1">
+            <a:prstTxWarp prst="textNoShape">
+              <a:avLst/>
+            </a:prstTxWarp>
+            <a:spAutoFit/>
+          </a:bodyPr>
+          <a:lstStyle/>
+          <a:p>
+            <a:pPr marL="0" marR="0" lvl="0" indent="0" algn="l" defTabSz="914400" rtl="0" eaLnBrk="0" fontAlgn="base" latinLnBrk="0" hangingPunct="0">
+              <a:lnSpc>
+                <a:spcPct val="100000"/>
+              </a:lnSpc>
+              <a:spcBef>
+                <a:spcPct val="0"/>
+              </a:spcBef>
+              <a:spcAft>
+                <a:spcPct val="0"/>
+              </a:spcAft>
+              <a:buClrTx/>
+              <a:buSzTx/>
+              <a:buFontTx/>
+              <a:buNone/>
+              <a:tabLst/>
+            </a:pPr>
+            <a:r>
+              <a:rPr kumimoji="0" lang="en-150" altLang="en-150" sz="1800" b="0" i="0" u="none" strike="noStrike" cap="none" normalizeH="0" baseline="0">
+                <a:ln>
+                  <a:noFill/>
+                </a:ln>
+                <a:solidFill>
+                  <a:schemeClr val="tx1"/>
+                </a:solidFill>
+                <a:effectLst/>
+                <a:latin typeface="Arial" panose="020B0604020202020204" pitchFamily="34" charset="0"/>
+              </a:rPr>
+              <a:t> </a:t>
+            </a:r>
+          </a:p>
+          <a:p>
+            <a:pPr marL="0" marR="0" lvl="0" indent="0" algn="l" defTabSz="914400" rtl="0" eaLnBrk="0" fontAlgn="base" latinLnBrk="0" hangingPunct="0">
+              <a:lnSpc>
+                <a:spcPct val="100000"/>
+              </a:lnSpc>
+              <a:spcBef>
+                <a:spcPct val="0"/>
+              </a:spcBef>
+              <a:spcAft>
+                <a:spcPct val="0"/>
+              </a:spcAft>
+              <a:buClrTx/>
+              <a:buSzTx/>
+              <a:buFontTx/>
+              <a:buNone/>
+              <a:tabLst/>
+            </a:pPr>
+            <a:endParaRPr kumimoji="0" lang="en-150" altLang="en-150" sz="1800" b="0" i="0" u="none" strike="noStrike" cap="none" normalizeH="0" baseline="0">
+              <a:ln>
+                <a:noFill/>
+              </a:ln>
+              <a:solidFill>
+                <a:schemeClr val="tx1"/>
+              </a:solidFill>
+              <a:effectLst/>
+              <a:latin typeface="Arial" panose="020B0604020202020204" pitchFamily="34" charset="0"/>
+            </a:endParaRPr>
+          </a:p>
+        </p:txBody>
+      </p:sp>
+    </p:spTree>
+    <p:extLst>
+      <p:ext uri="{BB962C8B-B14F-4D97-AF65-F5344CB8AC3E}">
+        <p14:creationId xmlns:p14="http://schemas.microsoft.com/office/powerpoint/2010/main" val="3387984207"/>
+      </p:ext>
+    </p:extLst>
+  </p:cSld>
+  <p:clrMapOvr>
+    <a:masterClrMapping/>
+  </p:clrMapOvr>
+</p:sld>
+</file>
+
+<file path=ppt/slides/slide14.xml><?xml version="1.0" encoding="utf-8"?>
 <p:sld xmlns:a="http://schemas.openxmlformats.org/drawingml/2006/main" xmlns:r="http://schemas.openxmlformats.org/officeDocument/2006/relationships" xmlns:p="http://schemas.openxmlformats.org/presentationml/2006/main">
   <p:cSld>
     <p:spTree>
@@ -6488,7 +10716,7 @@
 </p:sld>
 </file>
 
-<file path=ppt/slides/slide12.xml><?xml version="1.0" encoding="utf-8"?>
+<file path=ppt/slides/slide15.xml><?xml version="1.0" encoding="utf-8"?>
 <p:sld xmlns:a="http://schemas.openxmlformats.org/drawingml/2006/main" xmlns:r="http://schemas.openxmlformats.org/officeDocument/2006/relationships" xmlns:p="http://schemas.openxmlformats.org/presentationml/2006/main">
   <p:cSld>
     <p:spTree>
@@ -6718,7 +10946,7 @@
 </p:sld>
 </file>
 
-<file path=ppt/slides/slide13.xml><?xml version="1.0" encoding="utf-8"?>
+<file path=ppt/slides/slide16.xml><?xml version="1.0" encoding="utf-8"?>
 <p:sld xmlns:a="http://schemas.openxmlformats.org/drawingml/2006/main" xmlns:r="http://schemas.openxmlformats.org/officeDocument/2006/relationships" xmlns:p="http://schemas.openxmlformats.org/presentationml/2006/main">
   <p:cSld>
     <p:spTree>
@@ -6957,7 +11185,7 @@
 </p:sld>
 </file>
 
-<file path=ppt/slides/slide14.xml><?xml version="1.0" encoding="utf-8"?>
+<file path=ppt/slides/slide17.xml><?xml version="1.0" encoding="utf-8"?>
 <p:sld xmlns:a="http://schemas.openxmlformats.org/drawingml/2006/main" xmlns:r="http://schemas.openxmlformats.org/officeDocument/2006/relationships" xmlns:p="http://schemas.openxmlformats.org/presentationml/2006/main">
   <p:cSld>
     <p:spTree>
@@ -7655,7 +11883,7 @@
 </p:sld>
 </file>
 
-<file path=ppt/slides/slide15.xml><?xml version="1.0" encoding="utf-8"?>
+<file path=ppt/slides/slide18.xml><?xml version="1.0" encoding="utf-8"?>
 <p:sld xmlns:a="http://schemas.openxmlformats.org/drawingml/2006/main" xmlns:r="http://schemas.openxmlformats.org/officeDocument/2006/relationships" xmlns:p="http://schemas.openxmlformats.org/presentationml/2006/main">
   <p:cSld>
     <p:spTree>
@@ -8241,7 +12469,7 @@
 </p:sld>
 </file>
 
-<file path=ppt/slides/slide16.xml><?xml version="1.0" encoding="utf-8"?>
+<file path=ppt/slides/slide19.xml><?xml version="1.0" encoding="utf-8"?>
 <p:sld xmlns:a="http://schemas.openxmlformats.org/drawingml/2006/main" xmlns:r="http://schemas.openxmlformats.org/officeDocument/2006/relationships" xmlns:p="http://schemas.openxmlformats.org/presentationml/2006/main">
   <p:cSld>
     <p:spTree>
@@ -9372,7 +13600,159 @@
 </p:sld>
 </file>
 
-<file path=ppt/slides/slide17.xml><?xml version="1.0" encoding="utf-8"?>
+<file path=ppt/slides/slide2.xml><?xml version="1.0" encoding="utf-8"?>
+<p:sld xmlns:a="http://schemas.openxmlformats.org/drawingml/2006/main" xmlns:r="http://schemas.openxmlformats.org/officeDocument/2006/relationships" xmlns:p="http://schemas.openxmlformats.org/presentationml/2006/main">
+  <p:cSld>
+    <p:spTree>
+      <p:nvGrpSpPr>
+        <p:cNvPr id="1" name=""/>
+        <p:cNvGrpSpPr/>
+        <p:nvPr/>
+      </p:nvGrpSpPr>
+      <p:grpSpPr>
+        <a:xfrm>
+          <a:off x="0" y="0"/>
+          <a:ext cx="0" cy="0"/>
+          <a:chOff x="0" y="0"/>
+          <a:chExt cx="0" cy="0"/>
+        </a:xfrm>
+      </p:grpSpPr>
+      <p:sp>
+        <p:nvSpPr>
+          <p:cNvPr id="2" name="Titlu 1">
+            <a:extLst>
+              <a:ext uri="{FF2B5EF4-FFF2-40B4-BE49-F238E27FC236}">
+                <a16:creationId xmlns:a16="http://schemas.microsoft.com/office/drawing/2014/main" id="{9D9CFD2F-D36D-4D09-86F1-DEC645B863C6}"/>
+              </a:ext>
+            </a:extLst>
+          </p:cNvPr>
+          <p:cNvSpPr>
+            <a:spLocks noGrp="1"/>
+          </p:cNvSpPr>
+          <p:nvPr>
+            <p:ph type="title"/>
+          </p:nvPr>
+        </p:nvSpPr>
+        <p:spPr/>
+        <p:txBody>
+          <a:bodyPr/>
+          <a:lstStyle/>
+          <a:p>
+            <a:r>
+              <a:rPr lang="en-US" dirty="0"/>
+              <a:t>Word2Vec</a:t>
+            </a:r>
+            <a:endParaRPr lang="en-150" dirty="0"/>
+          </a:p>
+        </p:txBody>
+      </p:sp>
+      <p:sp>
+        <p:nvSpPr>
+          <p:cNvPr id="3" name="Substituent conținut 2">
+            <a:extLst>
+              <a:ext uri="{FF2B5EF4-FFF2-40B4-BE49-F238E27FC236}">
+                <a16:creationId xmlns:a16="http://schemas.microsoft.com/office/drawing/2014/main" id="{4A54D17A-9B93-4770-9735-685B2DEFA490}"/>
+              </a:ext>
+            </a:extLst>
+          </p:cNvPr>
+          <p:cNvSpPr>
+            <a:spLocks noGrp="1"/>
+          </p:cNvSpPr>
+          <p:nvPr>
+            <p:ph idx="1"/>
+          </p:nvPr>
+        </p:nvSpPr>
+        <p:spPr>
+          <a:xfrm>
+            <a:off x="1484310" y="2329648"/>
+            <a:ext cx="10018713" cy="3124201"/>
+          </a:xfrm>
+        </p:spPr>
+        <p:txBody>
+          <a:bodyPr/>
+          <a:lstStyle/>
+          <a:p>
+            <a:r>
+              <a:rPr lang="en-US" dirty="0"/>
+              <a:t>Tomas </a:t>
+            </a:r>
+            <a:r>
+              <a:rPr lang="en-US" dirty="0" err="1"/>
+              <a:t>Mikolov</a:t>
+            </a:r>
+            <a:endParaRPr lang="en-US" dirty="0"/>
+          </a:p>
+          <a:p>
+            <a:r>
+              <a:rPr lang="en-US" dirty="0"/>
+              <a:t>Re</a:t>
+            </a:r>
+            <a:r>
+              <a:rPr lang="ro-RO" dirty="0" err="1"/>
+              <a:t>țea</a:t>
+            </a:r>
+            <a:r>
+              <a:rPr lang="ro-RO" dirty="0"/>
+              <a:t> neurala cu un singur </a:t>
+            </a:r>
+            <a:r>
+              <a:rPr lang="ro-RO" dirty="0" err="1"/>
+              <a:t>layer</a:t>
+            </a:r>
+            <a:r>
+              <a:rPr lang="ro-RO" dirty="0"/>
+              <a:t> ascuns (</a:t>
+            </a:r>
+            <a:r>
+              <a:rPr lang="ro-RO" dirty="0" err="1"/>
+              <a:t>shallow</a:t>
+            </a:r>
+            <a:r>
+              <a:rPr lang="ro-RO" dirty="0"/>
+              <a:t>)</a:t>
+            </a:r>
+          </a:p>
+          <a:p>
+            <a:r>
+              <a:rPr lang="ro-RO" dirty="0"/>
+              <a:t>Două modele de a reprezenta cuvintele</a:t>
+            </a:r>
+          </a:p>
+          <a:p>
+            <a:pPr lvl="1"/>
+            <a:r>
+              <a:rPr lang="ro-RO" dirty="0"/>
+              <a:t>CBOW</a:t>
+            </a:r>
+          </a:p>
+          <a:p>
+            <a:pPr lvl="1"/>
+            <a:r>
+              <a:rPr lang="ro-RO" dirty="0" err="1"/>
+              <a:t>Skip</a:t>
+            </a:r>
+            <a:r>
+              <a:rPr lang="ro-RO" dirty="0"/>
+              <a:t>-gram</a:t>
+            </a:r>
+            <a:endParaRPr lang="en-150" dirty="0"/>
+          </a:p>
+        </p:txBody>
+      </p:sp>
+    </p:spTree>
+    <p:extLst>
+      <p:ext uri="{BB962C8B-B14F-4D97-AF65-F5344CB8AC3E}">
+        <p14:creationId xmlns:p14="http://schemas.microsoft.com/office/powerpoint/2010/main" val="2664656932"/>
+      </p:ext>
+    </p:extLst>
+  </p:cSld>
+  <p:clrMapOvr>
+    <a:masterClrMapping/>
+  </p:clrMapOvr>
+</p:sld>
+</file>
+
+<file path=ppt/slides/slide20.xml><?xml version="1.0" encoding="utf-8"?>
 <p:sld xmlns:a="http://schemas.openxmlformats.org/drawingml/2006/main" xmlns:r="http://schemas.openxmlformats.org/officeDocument/2006/relationships" xmlns:p="http://schemas.openxmlformats.org/presentationml/2006/main">
   <p:cSld>
     <p:spTree>
@@ -10233,7 +14613,7 @@
 </p:sld>
 </file>
 
-<file path=ppt/slides/slide18.xml><?xml version="1.0" encoding="utf-8"?>
+<file path=ppt/slides/slide21.xml><?xml version="1.0" encoding="utf-8"?>
 <p:sld xmlns:a="http://schemas.openxmlformats.org/drawingml/2006/main" xmlns:r="http://schemas.openxmlformats.org/officeDocument/2006/relationships" xmlns:p="http://schemas.openxmlformats.org/presentationml/2006/main">
   <p:cSld>
     <p:spTree>
@@ -10301,158 +14681,6 @@
     <p:extLst>
       <p:ext uri="{BB962C8B-B14F-4D97-AF65-F5344CB8AC3E}">
         <p14:creationId xmlns:p14="http://schemas.microsoft.com/office/powerpoint/2010/main" val="2820451178"/>
-      </p:ext>
-    </p:extLst>
-  </p:cSld>
-  <p:clrMapOvr>
-    <a:masterClrMapping/>
-  </p:clrMapOvr>
-</p:sld>
-</file>
-
-<file path=ppt/slides/slide2.xml><?xml version="1.0" encoding="utf-8"?>
-<p:sld xmlns:a="http://schemas.openxmlformats.org/drawingml/2006/main" xmlns:r="http://schemas.openxmlformats.org/officeDocument/2006/relationships" xmlns:p="http://schemas.openxmlformats.org/presentationml/2006/main">
-  <p:cSld>
-    <p:spTree>
-      <p:nvGrpSpPr>
-        <p:cNvPr id="1" name=""/>
-        <p:cNvGrpSpPr/>
-        <p:nvPr/>
-      </p:nvGrpSpPr>
-      <p:grpSpPr>
-        <a:xfrm>
-          <a:off x="0" y="0"/>
-          <a:ext cx="0" cy="0"/>
-          <a:chOff x="0" y="0"/>
-          <a:chExt cx="0" cy="0"/>
-        </a:xfrm>
-      </p:grpSpPr>
-      <p:sp>
-        <p:nvSpPr>
-          <p:cNvPr id="2" name="Titlu 1">
-            <a:extLst>
-              <a:ext uri="{FF2B5EF4-FFF2-40B4-BE49-F238E27FC236}">
-                <a16:creationId xmlns:a16="http://schemas.microsoft.com/office/drawing/2014/main" id="{9D9CFD2F-D36D-4D09-86F1-DEC645B863C6}"/>
-              </a:ext>
-            </a:extLst>
-          </p:cNvPr>
-          <p:cNvSpPr>
-            <a:spLocks noGrp="1"/>
-          </p:cNvSpPr>
-          <p:nvPr>
-            <p:ph type="title"/>
-          </p:nvPr>
-        </p:nvSpPr>
-        <p:spPr/>
-        <p:txBody>
-          <a:bodyPr/>
-          <a:lstStyle/>
-          <a:p>
-            <a:r>
-              <a:rPr lang="en-US" dirty="0"/>
-              <a:t>Word2Vec</a:t>
-            </a:r>
-            <a:endParaRPr lang="en-150" dirty="0"/>
-          </a:p>
-        </p:txBody>
-      </p:sp>
-      <p:sp>
-        <p:nvSpPr>
-          <p:cNvPr id="3" name="Substituent conținut 2">
-            <a:extLst>
-              <a:ext uri="{FF2B5EF4-FFF2-40B4-BE49-F238E27FC236}">
-                <a16:creationId xmlns:a16="http://schemas.microsoft.com/office/drawing/2014/main" id="{4A54D17A-9B93-4770-9735-685B2DEFA490}"/>
-              </a:ext>
-            </a:extLst>
-          </p:cNvPr>
-          <p:cNvSpPr>
-            <a:spLocks noGrp="1"/>
-          </p:cNvSpPr>
-          <p:nvPr>
-            <p:ph idx="1"/>
-          </p:nvPr>
-        </p:nvSpPr>
-        <p:spPr>
-          <a:xfrm>
-            <a:off x="1484310" y="2329648"/>
-            <a:ext cx="10018713" cy="3124201"/>
-          </a:xfrm>
-        </p:spPr>
-        <p:txBody>
-          <a:bodyPr/>
-          <a:lstStyle/>
-          <a:p>
-            <a:r>
-              <a:rPr lang="en-US" dirty="0"/>
-              <a:t>Tomas </a:t>
-            </a:r>
-            <a:r>
-              <a:rPr lang="en-US" dirty="0" err="1"/>
-              <a:t>Mikolov</a:t>
-            </a:r>
-            <a:endParaRPr lang="en-US" dirty="0"/>
-          </a:p>
-          <a:p>
-            <a:r>
-              <a:rPr lang="en-US" dirty="0"/>
-              <a:t>Re</a:t>
-            </a:r>
-            <a:r>
-              <a:rPr lang="ro-RO" dirty="0" err="1"/>
-              <a:t>țea</a:t>
-            </a:r>
-            <a:r>
-              <a:rPr lang="ro-RO" dirty="0"/>
-              <a:t> neurala cu un singur </a:t>
-            </a:r>
-            <a:r>
-              <a:rPr lang="ro-RO" dirty="0" err="1"/>
-              <a:t>layer</a:t>
-            </a:r>
-            <a:r>
-              <a:rPr lang="ro-RO" dirty="0"/>
-              <a:t> ascuns (</a:t>
-            </a:r>
-            <a:r>
-              <a:rPr lang="ro-RO" dirty="0" err="1"/>
-              <a:t>shallow</a:t>
-            </a:r>
-            <a:r>
-              <a:rPr lang="ro-RO" dirty="0"/>
-              <a:t>)</a:t>
-            </a:r>
-          </a:p>
-          <a:p>
-            <a:r>
-              <a:rPr lang="ro-RO" dirty="0"/>
-              <a:t>Două modele de a reprezenta cuvintele</a:t>
-            </a:r>
-          </a:p>
-          <a:p>
-            <a:pPr lvl="1"/>
-            <a:r>
-              <a:rPr lang="ro-RO" dirty="0"/>
-              <a:t>CBOW</a:t>
-            </a:r>
-          </a:p>
-          <a:p>
-            <a:pPr lvl="1"/>
-            <a:r>
-              <a:rPr lang="ro-RO" dirty="0" err="1"/>
-              <a:t>Skip</a:t>
-            </a:r>
-            <a:r>
-              <a:rPr lang="ro-RO" dirty="0"/>
-              <a:t>-gram</a:t>
-            </a:r>
-            <a:endParaRPr lang="en-150" dirty="0"/>
-          </a:p>
-        </p:txBody>
-      </p:sp>
-    </p:spTree>
-    <p:extLst>
-      <p:ext uri="{BB962C8B-B14F-4D97-AF65-F5344CB8AC3E}">
-        <p14:creationId xmlns:p14="http://schemas.microsoft.com/office/powerpoint/2010/main" val="2664656932"/>
       </p:ext>
     </p:extLst>
   </p:cSld>
@@ -10728,13 +14956,8 @@
           <a:p>
             <a:r>
               <a:rPr lang="ro-RO" dirty="0"/>
-              <a:t>Mai lent, dar mai eficient pentru cuvinte cu </a:t>
-            </a:r>
-            <a:r>
-              <a:rPr lang="ro-RO"/>
-              <a:t>frecvență redusă</a:t>
-            </a:r>
-            <a:endParaRPr lang="ro-RO" dirty="0"/>
+              <a:t>Mai lent, dar mai eficient pentru cuvinte cu frecvență redusă</a:t>
+            </a:r>
           </a:p>
           <a:p>
             <a:endParaRPr lang="ro-RO" dirty="0"/>
@@ -14343,7 +18566,7 @@
           <p:cNvPr id="2" name="Titlu 1">
             <a:extLst>
               <a:ext uri="{FF2B5EF4-FFF2-40B4-BE49-F238E27FC236}">
-                <a16:creationId xmlns:a16="http://schemas.microsoft.com/office/drawing/2014/main" id="{D6ED1C3F-A225-43AD-B6C3-CE6C98DE299C}"/>
+                <a16:creationId xmlns:a16="http://schemas.microsoft.com/office/drawing/2014/main" id="{3824975C-C3C9-4310-A917-702EAF054045}"/>
               </a:ext>
             </a:extLst>
           </p:cNvPr>
@@ -14360,82 +18583,2285 @@
           <a:lstStyle/>
           <a:p>
             <a:r>
+              <a:rPr lang="en-US" dirty="0"/>
+              <a:t>Date de </a:t>
+            </a:r>
+            <a:r>
               <a:rPr lang="en-US" dirty="0" err="1"/>
-              <a:t>Antrenarea</a:t>
+              <a:t>antrenament</a:t>
             </a:r>
             <a:r>
               <a:rPr lang="en-US" dirty="0"/>
-              <a:t> </a:t>
+              <a:t> (</a:t>
             </a:r>
             <a:r>
               <a:rPr lang="en-US" dirty="0" err="1"/>
-              <a:t>datelor</a:t>
+              <a:t>exemplu</a:t>
+            </a:r>
+            <a:r>
+              <a:rPr lang="en-US" dirty="0"/>
+              <a:t>)</a:t>
             </a:r>
             <a:endParaRPr lang="en-150" dirty="0"/>
           </a:p>
         </p:txBody>
       </p:sp>
-      <p:sp>
-        <p:nvSpPr>
-          <p:cNvPr id="3" name="Substituent conținut 2">
+      <p:graphicFrame>
+        <p:nvGraphicFramePr>
+          <p:cNvPr id="4" name="Substituent conținut 3">
             <a:extLst>
               <a:ext uri="{FF2B5EF4-FFF2-40B4-BE49-F238E27FC236}">
-                <a16:creationId xmlns:a16="http://schemas.microsoft.com/office/drawing/2014/main" id="{22056C02-EFD8-4AB5-8F33-3B88475FAA5A}"/>
+                <a16:creationId xmlns:a16="http://schemas.microsoft.com/office/drawing/2014/main" id="{4B987C44-7D47-4436-900D-8425F8039CCA}"/>
               </a:ext>
             </a:extLst>
           </p:cNvPr>
-          <p:cNvSpPr>
-            <a:spLocks noGrp="1"/>
-          </p:cNvSpPr>
+          <p:cNvGraphicFramePr>
+            <a:graphicFrameLocks noGrp="1"/>
+          </p:cNvGraphicFramePr>
           <p:nvPr>
             <p:ph idx="1"/>
+            <p:extLst>
+              <p:ext uri="{D42A27DB-BD31-4B8C-83A1-F6EECF244321}">
+                <p14:modId xmlns:p14="http://schemas.microsoft.com/office/powerpoint/2010/main" val="1434623450"/>
+              </p:ext>
+            </p:extLst>
           </p:nvPr>
-        </p:nvSpPr>
-        <p:spPr/>
-        <p:txBody>
-          <a:bodyPr/>
-          <a:lstStyle/>
-          <a:p>
-            <a:r>
-              <a:rPr lang="en-US" dirty="0" err="1"/>
-              <a:t>Preprocesare</a:t>
-            </a:r>
-            <a:endParaRPr lang="en-US" dirty="0"/>
-          </a:p>
-          <a:p>
-            <a:endParaRPr lang="en-US" dirty="0"/>
-          </a:p>
-          <a:p>
-            <a:r>
-              <a:rPr lang="en-US" dirty="0" err="1"/>
-              <a:t>Antrenare</a:t>
-            </a:r>
-            <a:endParaRPr lang="en-US" dirty="0"/>
-          </a:p>
-          <a:p>
-            <a:endParaRPr lang="en-US" dirty="0"/>
-          </a:p>
-          <a:p>
-            <a:r>
-              <a:rPr lang="en-US" dirty="0" err="1"/>
-              <a:t>Analizarea</a:t>
-            </a:r>
-            <a:r>
-              <a:rPr lang="en-US" dirty="0"/>
-              <a:t> </a:t>
-            </a:r>
-            <a:r>
-              <a:rPr lang="en-US" dirty="0" err="1"/>
-              <a:t>rezultatelor</a:t>
-            </a:r>
-            <a:endParaRPr lang="en-150" dirty="0"/>
-          </a:p>
-        </p:txBody>
-      </p:sp>
+        </p:nvGraphicFramePr>
+        <p:xfrm>
+          <a:off x="1484311" y="1868009"/>
+          <a:ext cx="10018712" cy="4009007"/>
+        </p:xfrm>
+        <a:graphic>
+          <a:graphicData uri="http://schemas.openxmlformats.org/drawingml/2006/table">
+            <a:tbl>
+              <a:tblPr firstRow="1" bandRow="1">
+                <a:tableStyleId>{5C22544A-7EE6-4342-B048-85BDC9FD1C3A}</a:tableStyleId>
+              </a:tblPr>
+              <a:tblGrid>
+                <a:gridCol w="10018712">
+                  <a:extLst>
+                    <a:ext uri="{9D8B030D-6E8A-4147-A177-3AD203B41FA5}">
+                      <a16:colId xmlns:a16="http://schemas.microsoft.com/office/drawing/2014/main" val="1313263064"/>
+                    </a:ext>
+                  </a:extLst>
+                </a:gridCol>
+              </a:tblGrid>
+              <a:tr h="4009007">
+                <a:tc>
+                  <a:txBody>
+                    <a:bodyPr/>
+                    <a:lstStyle/>
+                    <a:p>
+                      <a:pPr rtl="0"/>
+                      <a:r>
+                        <a:rPr lang="en-US" sz="900" b="0" i="0" u="none" strike="noStrike" kern="1200" dirty="0">
+                          <a:solidFill>
+                            <a:schemeClr val="tx1"/>
+                          </a:solidFill>
+                          <a:effectLst/>
+                          <a:latin typeface="Courier New" panose="02070309020205020404" pitchFamily="49" charset="0"/>
+                          <a:ea typeface="+mn-ea"/>
+                          <a:cs typeface="Courier New" panose="02070309020205020404" pitchFamily="49" charset="0"/>
+                        </a:rPr>
+                        <a:t>{{</a:t>
+                      </a:r>
+                      <a:r>
+                        <a:rPr lang="en-US" sz="900" b="0" i="0" u="none" strike="noStrike" kern="1200" dirty="0" err="1">
+                          <a:solidFill>
+                            <a:schemeClr val="tx1"/>
+                          </a:solidFill>
+                          <a:effectLst/>
+                          <a:latin typeface="Courier New" panose="02070309020205020404" pitchFamily="49" charset="0"/>
+                          <a:ea typeface="+mn-ea"/>
+                          <a:cs typeface="Courier New" panose="02070309020205020404" pitchFamily="49" charset="0"/>
+                        </a:rPr>
+                        <a:t>Infocaseta</a:t>
+                      </a:r>
+                      <a:r>
+                        <a:rPr lang="en-US" sz="900" b="0" i="0" u="none" strike="noStrike" kern="1200" dirty="0">
+                          <a:solidFill>
+                            <a:schemeClr val="tx1"/>
+                          </a:solidFill>
+                          <a:effectLst/>
+                          <a:latin typeface="Courier New" panose="02070309020205020404" pitchFamily="49" charset="0"/>
+                          <a:ea typeface="+mn-ea"/>
+                          <a:cs typeface="Courier New" panose="02070309020205020404" pitchFamily="49" charset="0"/>
+                        </a:rPr>
+                        <a:t> </a:t>
+                      </a:r>
+                      <a:r>
+                        <a:rPr lang="en-US" sz="900" b="0" i="0" u="none" strike="noStrike" kern="1200" dirty="0" err="1">
+                          <a:solidFill>
+                            <a:schemeClr val="tx1"/>
+                          </a:solidFill>
+                          <a:effectLst/>
+                          <a:latin typeface="Courier New" panose="02070309020205020404" pitchFamily="49" charset="0"/>
+                          <a:ea typeface="+mn-ea"/>
+                          <a:cs typeface="Courier New" panose="02070309020205020404" pitchFamily="49" charset="0"/>
+                        </a:rPr>
+                        <a:t>Arie</a:t>
+                      </a:r>
+                      <a:r>
+                        <a:rPr lang="en-US" sz="900" b="0" i="0" u="none" strike="noStrike" kern="1200" dirty="0">
+                          <a:solidFill>
+                            <a:schemeClr val="tx1"/>
+                          </a:solidFill>
+                          <a:effectLst/>
+                          <a:latin typeface="Courier New" panose="02070309020205020404" pitchFamily="49" charset="0"/>
+                          <a:ea typeface="+mn-ea"/>
+                          <a:cs typeface="Courier New" panose="02070309020205020404" pitchFamily="49" charset="0"/>
+                        </a:rPr>
+                        <a:t> </a:t>
+                      </a:r>
+                      <a:r>
+                        <a:rPr lang="en-US" sz="900" b="0" i="0" u="none" strike="noStrike" kern="1200" dirty="0" err="1">
+                          <a:solidFill>
+                            <a:schemeClr val="tx1"/>
+                          </a:solidFill>
+                          <a:effectLst/>
+                          <a:latin typeface="Courier New" panose="02070309020205020404" pitchFamily="49" charset="0"/>
+                          <a:ea typeface="+mn-ea"/>
+                          <a:cs typeface="Courier New" panose="02070309020205020404" pitchFamily="49" charset="0"/>
+                        </a:rPr>
+                        <a:t>protejată</a:t>
+                      </a:r>
+                      <a:endParaRPr lang="en-US" sz="900" dirty="0">
+                        <a:solidFill>
+                          <a:schemeClr val="tx1"/>
+                        </a:solidFill>
+                        <a:effectLst/>
+                        <a:latin typeface="Courier New" panose="02070309020205020404" pitchFamily="49" charset="0"/>
+                        <a:cs typeface="Courier New" panose="02070309020205020404" pitchFamily="49" charset="0"/>
+                      </a:endParaRPr>
+                    </a:p>
+                    <a:p>
+                      <a:pPr rtl="0"/>
+                      <a:r>
+                        <a:rPr lang="en-US" sz="900" b="0" i="0" u="none" strike="noStrike" kern="1200" dirty="0">
+                          <a:solidFill>
+                            <a:schemeClr val="tx1"/>
+                          </a:solidFill>
+                          <a:effectLst/>
+                          <a:latin typeface="Courier New" panose="02070309020205020404" pitchFamily="49" charset="0"/>
+                          <a:ea typeface="+mn-ea"/>
+                          <a:cs typeface="Courier New" panose="02070309020205020404" pitchFamily="49" charset="0"/>
+                        </a:rPr>
+                        <a:t>|</a:t>
+                      </a:r>
+                      <a:r>
+                        <a:rPr lang="en-US" sz="900" b="0" i="0" u="none" strike="noStrike" kern="1200" dirty="0" err="1">
+                          <a:solidFill>
+                            <a:schemeClr val="tx1"/>
+                          </a:solidFill>
+                          <a:effectLst/>
+                          <a:latin typeface="Courier New" panose="02070309020205020404" pitchFamily="49" charset="0"/>
+                          <a:ea typeface="+mn-ea"/>
+                          <a:cs typeface="Courier New" panose="02070309020205020404" pitchFamily="49" charset="0"/>
+                        </a:rPr>
+                        <a:t>nume</a:t>
+                      </a:r>
+                      <a:r>
+                        <a:rPr lang="en-US" sz="900" b="0" i="0" u="none" strike="noStrike" kern="1200" dirty="0">
+                          <a:solidFill>
+                            <a:schemeClr val="tx1"/>
+                          </a:solidFill>
+                          <a:effectLst/>
+                          <a:latin typeface="Courier New" panose="02070309020205020404" pitchFamily="49" charset="0"/>
+                          <a:ea typeface="+mn-ea"/>
+                          <a:cs typeface="Courier New" panose="02070309020205020404" pitchFamily="49" charset="0"/>
+                        </a:rPr>
+                        <a:t>= </a:t>
+                      </a:r>
+                      <a:r>
+                        <a:rPr lang="en-US" sz="900" b="0" i="0" u="none" strike="noStrike" kern="1200" dirty="0" err="1">
+                          <a:solidFill>
+                            <a:schemeClr val="tx1"/>
+                          </a:solidFill>
+                          <a:effectLst/>
+                          <a:latin typeface="Courier New" panose="02070309020205020404" pitchFamily="49" charset="0"/>
+                          <a:ea typeface="+mn-ea"/>
+                          <a:cs typeface="Courier New" panose="02070309020205020404" pitchFamily="49" charset="0"/>
+                        </a:rPr>
+                        <a:t>Cheile</a:t>
+                      </a:r>
+                      <a:r>
+                        <a:rPr lang="en-US" sz="900" b="0" i="0" u="none" strike="noStrike" kern="1200" dirty="0">
+                          <a:solidFill>
+                            <a:schemeClr val="tx1"/>
+                          </a:solidFill>
+                          <a:effectLst/>
+                          <a:latin typeface="Courier New" panose="02070309020205020404" pitchFamily="49" charset="0"/>
+                          <a:ea typeface="+mn-ea"/>
+                          <a:cs typeface="Courier New" panose="02070309020205020404" pitchFamily="49" charset="0"/>
+                        </a:rPr>
+                        <a:t> </a:t>
+                      </a:r>
+                      <a:r>
+                        <a:rPr lang="en-US" sz="900" b="0" i="0" u="none" strike="noStrike" kern="1200" dirty="0" err="1">
+                          <a:solidFill>
+                            <a:schemeClr val="tx1"/>
+                          </a:solidFill>
+                          <a:effectLst/>
+                          <a:latin typeface="Courier New" panose="02070309020205020404" pitchFamily="49" charset="0"/>
+                          <a:ea typeface="+mn-ea"/>
+                          <a:cs typeface="Courier New" panose="02070309020205020404" pitchFamily="49" charset="0"/>
+                        </a:rPr>
+                        <a:t>Șușarei</a:t>
+                      </a:r>
+                      <a:endParaRPr lang="en-US" sz="900" dirty="0">
+                        <a:solidFill>
+                          <a:schemeClr val="tx1"/>
+                        </a:solidFill>
+                        <a:effectLst/>
+                        <a:latin typeface="Courier New" panose="02070309020205020404" pitchFamily="49" charset="0"/>
+                        <a:cs typeface="Courier New" panose="02070309020205020404" pitchFamily="49" charset="0"/>
+                      </a:endParaRPr>
+                    </a:p>
+                    <a:p>
+                      <a:pPr rtl="0"/>
+                      <a:r>
+                        <a:rPr lang="en-US" sz="900" b="0" i="0" u="none" strike="noStrike" kern="1200" dirty="0">
+                          <a:solidFill>
+                            <a:schemeClr val="tx1"/>
+                          </a:solidFill>
+                          <a:effectLst/>
+                          <a:latin typeface="Courier New" panose="02070309020205020404" pitchFamily="49" charset="0"/>
+                          <a:ea typeface="+mn-ea"/>
+                          <a:cs typeface="Courier New" panose="02070309020205020404" pitchFamily="49" charset="0"/>
+                        </a:rPr>
+                        <a:t>|</a:t>
+                      </a:r>
+                      <a:r>
+                        <a:rPr lang="en-US" sz="900" b="0" i="0" u="none" strike="noStrike" kern="1200" dirty="0" err="1">
+                          <a:solidFill>
+                            <a:schemeClr val="tx1"/>
+                          </a:solidFill>
+                          <a:effectLst/>
+                          <a:latin typeface="Courier New" panose="02070309020205020404" pitchFamily="49" charset="0"/>
+                          <a:ea typeface="+mn-ea"/>
+                          <a:cs typeface="Courier New" panose="02070309020205020404" pitchFamily="49" charset="0"/>
+                        </a:rPr>
+                        <a:t>categorie_iucn</a:t>
+                      </a:r>
+                      <a:r>
+                        <a:rPr lang="en-US" sz="900" b="0" i="0" u="none" strike="noStrike" kern="1200" dirty="0">
+                          <a:solidFill>
+                            <a:schemeClr val="tx1"/>
+                          </a:solidFill>
+                          <a:effectLst/>
+                          <a:latin typeface="Courier New" panose="02070309020205020404" pitchFamily="49" charset="0"/>
+                          <a:ea typeface="+mn-ea"/>
+                          <a:cs typeface="Courier New" panose="02070309020205020404" pitchFamily="49" charset="0"/>
+                        </a:rPr>
+                        <a:t>= IV</a:t>
+                      </a:r>
+                      <a:endParaRPr lang="en-US" sz="900" dirty="0">
+                        <a:solidFill>
+                          <a:schemeClr val="tx1"/>
+                        </a:solidFill>
+                        <a:effectLst/>
+                        <a:latin typeface="Courier New" panose="02070309020205020404" pitchFamily="49" charset="0"/>
+                        <a:cs typeface="Courier New" panose="02070309020205020404" pitchFamily="49" charset="0"/>
+                      </a:endParaRPr>
+                    </a:p>
+                    <a:p>
+                      <a:pPr rtl="0"/>
+                      <a:r>
+                        <a:rPr lang="en-US" sz="900" b="0" i="0" u="none" strike="noStrike" kern="1200" dirty="0">
+                          <a:solidFill>
+                            <a:schemeClr val="tx1"/>
+                          </a:solidFill>
+                          <a:effectLst/>
+                          <a:latin typeface="Courier New" panose="02070309020205020404" pitchFamily="49" charset="0"/>
+                          <a:ea typeface="+mn-ea"/>
+                          <a:cs typeface="Courier New" panose="02070309020205020404" pitchFamily="49" charset="0"/>
+                        </a:rPr>
+                        <a:t>|</a:t>
+                      </a:r>
+                      <a:r>
+                        <a:rPr lang="en-US" sz="900" b="0" i="0" u="none" strike="noStrike" kern="1200" dirty="0" err="1">
+                          <a:solidFill>
+                            <a:schemeClr val="tx1"/>
+                          </a:solidFill>
+                          <a:effectLst/>
+                          <a:latin typeface="Courier New" panose="02070309020205020404" pitchFamily="49" charset="0"/>
+                          <a:ea typeface="+mn-ea"/>
+                          <a:cs typeface="Courier New" panose="02070309020205020404" pitchFamily="49" charset="0"/>
+                        </a:rPr>
+                        <a:t>foto</a:t>
+                      </a:r>
+                      <a:r>
+                        <a:rPr lang="en-US" sz="900" b="0" i="0" u="none" strike="noStrike" kern="1200" dirty="0">
+                          <a:solidFill>
+                            <a:schemeClr val="tx1"/>
+                          </a:solidFill>
+                          <a:effectLst/>
+                          <a:latin typeface="Courier New" panose="02070309020205020404" pitchFamily="49" charset="0"/>
+                          <a:ea typeface="+mn-ea"/>
+                          <a:cs typeface="Courier New" panose="02070309020205020404" pitchFamily="49" charset="0"/>
+                        </a:rPr>
+                        <a:t>= Sasca.jpg</a:t>
+                      </a:r>
+                      <a:endParaRPr lang="en-US" sz="900" dirty="0">
+                        <a:solidFill>
+                          <a:schemeClr val="tx1"/>
+                        </a:solidFill>
+                        <a:effectLst/>
+                        <a:latin typeface="Courier New" panose="02070309020205020404" pitchFamily="49" charset="0"/>
+                        <a:cs typeface="Courier New" panose="02070309020205020404" pitchFamily="49" charset="0"/>
+                      </a:endParaRPr>
+                    </a:p>
+                    <a:p>
+                      <a:pPr rtl="0"/>
+                      <a:r>
+                        <a:rPr lang="en-US" sz="900" b="0" i="0" u="none" strike="noStrike" kern="1200" dirty="0">
+                          <a:solidFill>
+                            <a:schemeClr val="tx1"/>
+                          </a:solidFill>
+                          <a:effectLst/>
+                          <a:latin typeface="Courier New" panose="02070309020205020404" pitchFamily="49" charset="0"/>
+                          <a:ea typeface="+mn-ea"/>
+                          <a:cs typeface="Courier New" panose="02070309020205020404" pitchFamily="49" charset="0"/>
+                        </a:rPr>
+                        <a:t>|</a:t>
+                      </a:r>
+                      <a:r>
+                        <a:rPr lang="en-US" sz="900" b="0" i="0" u="none" strike="noStrike" kern="1200" dirty="0" err="1">
+                          <a:solidFill>
+                            <a:schemeClr val="tx1"/>
+                          </a:solidFill>
+                          <a:effectLst/>
+                          <a:latin typeface="Courier New" panose="02070309020205020404" pitchFamily="49" charset="0"/>
+                          <a:ea typeface="+mn-ea"/>
+                          <a:cs typeface="Courier New" panose="02070309020205020404" pitchFamily="49" charset="0"/>
+                        </a:rPr>
+                        <a:t>descriere_foto</a:t>
+                      </a:r>
+                      <a:r>
+                        <a:rPr lang="en-US" sz="900" b="0" i="0" u="none" strike="noStrike" kern="1200" dirty="0">
+                          <a:solidFill>
+                            <a:schemeClr val="tx1"/>
+                          </a:solidFill>
+                          <a:effectLst/>
+                          <a:latin typeface="Courier New" panose="02070309020205020404" pitchFamily="49" charset="0"/>
+                          <a:ea typeface="+mn-ea"/>
+                          <a:cs typeface="Courier New" panose="02070309020205020404" pitchFamily="49" charset="0"/>
+                        </a:rPr>
+                        <a:t>=</a:t>
+                      </a:r>
+                      <a:endParaRPr lang="en-US" sz="900" dirty="0">
+                        <a:solidFill>
+                          <a:schemeClr val="tx1"/>
+                        </a:solidFill>
+                        <a:effectLst/>
+                        <a:latin typeface="Courier New" panose="02070309020205020404" pitchFamily="49" charset="0"/>
+                        <a:cs typeface="Courier New" panose="02070309020205020404" pitchFamily="49" charset="0"/>
+                      </a:endParaRPr>
+                    </a:p>
+                    <a:p>
+                      <a:pPr rtl="0"/>
+                      <a:r>
+                        <a:rPr lang="en-US" sz="900" b="0" i="0" u="none" strike="noStrike" kern="1200" dirty="0">
+                          <a:solidFill>
+                            <a:schemeClr val="tx1"/>
+                          </a:solidFill>
+                          <a:effectLst/>
+                          <a:latin typeface="Courier New" panose="02070309020205020404" pitchFamily="49" charset="0"/>
+                          <a:ea typeface="+mn-ea"/>
+                          <a:cs typeface="Courier New" panose="02070309020205020404" pitchFamily="49" charset="0"/>
+                        </a:rPr>
+                        <a:t>|</a:t>
+                      </a:r>
+                      <a:r>
+                        <a:rPr lang="en-US" sz="900" b="0" i="0" u="none" strike="noStrike" kern="1200" dirty="0" err="1">
+                          <a:solidFill>
+                            <a:schemeClr val="tx1"/>
+                          </a:solidFill>
+                          <a:effectLst/>
+                          <a:latin typeface="Courier New" panose="02070309020205020404" pitchFamily="49" charset="0"/>
+                          <a:ea typeface="+mn-ea"/>
+                          <a:cs typeface="Courier New" panose="02070309020205020404" pitchFamily="49" charset="0"/>
+                        </a:rPr>
+                        <a:t>amplasare</a:t>
+                      </a:r>
+                      <a:r>
+                        <a:rPr lang="en-US" sz="900" b="0" i="0" u="none" strike="noStrike" kern="1200" dirty="0">
+                          <a:solidFill>
+                            <a:schemeClr val="tx1"/>
+                          </a:solidFill>
+                          <a:effectLst/>
+                          <a:latin typeface="Courier New" panose="02070309020205020404" pitchFamily="49" charset="0"/>
+                          <a:ea typeface="+mn-ea"/>
+                          <a:cs typeface="Courier New" panose="02070309020205020404" pitchFamily="49" charset="0"/>
+                        </a:rPr>
+                        <a:t>= [[</a:t>
+                      </a:r>
+                      <a:r>
+                        <a:rPr lang="en-US" sz="900" b="0" i="0" u="none" strike="noStrike" kern="1200" dirty="0" err="1">
+                          <a:solidFill>
+                            <a:schemeClr val="tx1"/>
+                          </a:solidFill>
+                          <a:effectLst/>
+                          <a:latin typeface="Courier New" panose="02070309020205020404" pitchFamily="49" charset="0"/>
+                          <a:ea typeface="+mn-ea"/>
+                          <a:cs typeface="Courier New" panose="02070309020205020404" pitchFamily="49" charset="0"/>
+                        </a:rPr>
+                        <a:t>Fișier:Actual</a:t>
+                      </a:r>
+                      <a:r>
+                        <a:rPr lang="en-US" sz="900" b="0" i="0" u="none" strike="noStrike" kern="1200" dirty="0">
+                          <a:solidFill>
+                            <a:schemeClr val="tx1"/>
+                          </a:solidFill>
+                          <a:effectLst/>
+                          <a:latin typeface="Courier New" panose="02070309020205020404" pitchFamily="49" charset="0"/>
+                          <a:ea typeface="+mn-ea"/>
+                          <a:cs typeface="Courier New" panose="02070309020205020404" pitchFamily="49" charset="0"/>
+                        </a:rPr>
+                        <a:t> </a:t>
+                      </a:r>
+                      <a:r>
+                        <a:rPr lang="en-US" sz="900" b="0" i="0" u="none" strike="noStrike" kern="1200" dirty="0" err="1">
+                          <a:solidFill>
+                            <a:schemeClr val="tx1"/>
+                          </a:solidFill>
+                          <a:effectLst/>
+                          <a:latin typeface="Courier New" panose="02070309020205020404" pitchFamily="49" charset="0"/>
+                          <a:ea typeface="+mn-ea"/>
+                          <a:cs typeface="Courier New" panose="02070309020205020404" pitchFamily="49" charset="0"/>
+                        </a:rPr>
+                        <a:t>Caras</a:t>
+                      </a:r>
+                      <a:r>
+                        <a:rPr lang="en-US" sz="900" b="0" i="0" u="none" strike="noStrike" kern="1200" dirty="0">
+                          <a:solidFill>
+                            <a:schemeClr val="tx1"/>
+                          </a:solidFill>
+                          <a:effectLst/>
+                          <a:latin typeface="Courier New" panose="02070309020205020404" pitchFamily="49" charset="0"/>
+                          <a:ea typeface="+mn-ea"/>
+                          <a:cs typeface="Courier New" panose="02070309020205020404" pitchFamily="49" charset="0"/>
+                        </a:rPr>
+                        <a:t>-Severin county CoA.png|20px]][[</a:t>
+                      </a:r>
+                      <a:r>
+                        <a:rPr lang="en-US" sz="900" b="0" i="0" u="none" strike="noStrike" kern="1200" dirty="0" err="1">
+                          <a:solidFill>
+                            <a:schemeClr val="tx1"/>
+                          </a:solidFill>
+                          <a:effectLst/>
+                          <a:latin typeface="Courier New" panose="02070309020205020404" pitchFamily="49" charset="0"/>
+                          <a:ea typeface="+mn-ea"/>
+                          <a:cs typeface="Courier New" panose="02070309020205020404" pitchFamily="49" charset="0"/>
+                        </a:rPr>
+                        <a:t>Județul</a:t>
+                      </a:r>
+                      <a:r>
+                        <a:rPr lang="en-US" sz="900" b="0" i="0" u="none" strike="noStrike" kern="1200" dirty="0">
+                          <a:solidFill>
+                            <a:schemeClr val="tx1"/>
+                          </a:solidFill>
+                          <a:effectLst/>
+                          <a:latin typeface="Courier New" panose="02070309020205020404" pitchFamily="49" charset="0"/>
+                          <a:ea typeface="+mn-ea"/>
+                          <a:cs typeface="Courier New" panose="02070309020205020404" pitchFamily="49" charset="0"/>
+                        </a:rPr>
+                        <a:t> </a:t>
+                      </a:r>
+                      <a:r>
+                        <a:rPr lang="en-US" sz="900" b="0" i="0" u="none" strike="noStrike" kern="1200" dirty="0" err="1">
+                          <a:solidFill>
+                            <a:schemeClr val="tx1"/>
+                          </a:solidFill>
+                          <a:effectLst/>
+                          <a:latin typeface="Courier New" panose="02070309020205020404" pitchFamily="49" charset="0"/>
+                          <a:ea typeface="+mn-ea"/>
+                          <a:cs typeface="Courier New" panose="02070309020205020404" pitchFamily="49" charset="0"/>
+                        </a:rPr>
+                        <a:t>Caraș</a:t>
+                      </a:r>
+                      <a:r>
+                        <a:rPr lang="en-US" sz="900" b="0" i="0" u="none" strike="noStrike" kern="1200" dirty="0">
+                          <a:solidFill>
+                            <a:schemeClr val="tx1"/>
+                          </a:solidFill>
+                          <a:effectLst/>
+                          <a:latin typeface="Courier New" panose="02070309020205020404" pitchFamily="49" charset="0"/>
+                          <a:ea typeface="+mn-ea"/>
+                          <a:cs typeface="Courier New" panose="02070309020205020404" pitchFamily="49" charset="0"/>
+                        </a:rPr>
+                        <a:t>-Severin]] &lt;</a:t>
+                      </a:r>
+                      <a:r>
+                        <a:rPr lang="en-US" sz="900" b="0" i="0" u="none" strike="noStrike" kern="1200" dirty="0" err="1">
+                          <a:solidFill>
+                            <a:schemeClr val="tx1"/>
+                          </a:solidFill>
+                          <a:effectLst/>
+                          <a:latin typeface="Courier New" panose="02070309020205020404" pitchFamily="49" charset="0"/>
+                          <a:ea typeface="+mn-ea"/>
+                          <a:cs typeface="Courier New" panose="02070309020205020404" pitchFamily="49" charset="0"/>
+                        </a:rPr>
+                        <a:t>br</a:t>
+                      </a:r>
+                      <a:r>
+                        <a:rPr lang="en-US" sz="900" b="0" i="0" u="none" strike="noStrike" kern="1200" dirty="0">
+                          <a:solidFill>
+                            <a:schemeClr val="tx1"/>
+                          </a:solidFill>
+                          <a:effectLst/>
+                          <a:latin typeface="Courier New" panose="02070309020205020404" pitchFamily="49" charset="0"/>
+                          <a:ea typeface="+mn-ea"/>
+                          <a:cs typeface="Courier New" panose="02070309020205020404" pitchFamily="49" charset="0"/>
+                        </a:rPr>
+                        <a:t>&gt;{{ROM}}</a:t>
+                      </a:r>
+                      <a:endParaRPr lang="en-US" sz="900" dirty="0">
+                        <a:solidFill>
+                          <a:schemeClr val="tx1"/>
+                        </a:solidFill>
+                        <a:effectLst/>
+                        <a:latin typeface="Courier New" panose="02070309020205020404" pitchFamily="49" charset="0"/>
+                        <a:cs typeface="Courier New" panose="02070309020205020404" pitchFamily="49" charset="0"/>
+                      </a:endParaRPr>
+                    </a:p>
+                    <a:p>
+                      <a:pPr rtl="0"/>
+                      <a:r>
+                        <a:rPr lang="en-US" sz="900" b="0" i="0" u="none" strike="noStrike" kern="1200" dirty="0">
+                          <a:solidFill>
+                            <a:schemeClr val="tx1"/>
+                          </a:solidFill>
+                          <a:effectLst/>
+                          <a:latin typeface="Courier New" panose="02070309020205020404" pitchFamily="49" charset="0"/>
+                          <a:ea typeface="+mn-ea"/>
+                          <a:cs typeface="Courier New" panose="02070309020205020404" pitchFamily="49" charset="0"/>
+                        </a:rPr>
+                        <a:t>|</a:t>
+                      </a:r>
+                      <a:r>
+                        <a:rPr lang="en-US" sz="900" b="0" i="0" u="none" strike="noStrike" kern="1200" dirty="0" err="1">
+                          <a:solidFill>
+                            <a:schemeClr val="tx1"/>
+                          </a:solidFill>
+                          <a:effectLst/>
+                          <a:latin typeface="Courier New" panose="02070309020205020404" pitchFamily="49" charset="0"/>
+                          <a:ea typeface="+mn-ea"/>
+                          <a:cs typeface="Courier New" panose="02070309020205020404" pitchFamily="49" charset="0"/>
+                        </a:rPr>
+                        <a:t>oraș_apropiat</a:t>
+                      </a:r>
+                      <a:r>
+                        <a:rPr lang="en-US" sz="900" b="0" i="0" u="none" strike="noStrike" kern="1200" dirty="0">
+                          <a:solidFill>
+                            <a:schemeClr val="tx1"/>
+                          </a:solidFill>
+                          <a:effectLst/>
+                          <a:latin typeface="Courier New" panose="02070309020205020404" pitchFamily="49" charset="0"/>
+                          <a:ea typeface="+mn-ea"/>
+                          <a:cs typeface="Courier New" panose="02070309020205020404" pitchFamily="49" charset="0"/>
+                        </a:rPr>
+                        <a:t>= [[</a:t>
+                      </a:r>
+                      <a:r>
+                        <a:rPr lang="en-US" sz="900" b="0" i="0" u="none" strike="noStrike" kern="1200" dirty="0" err="1">
+                          <a:solidFill>
+                            <a:schemeClr val="tx1"/>
+                          </a:solidFill>
+                          <a:effectLst/>
+                          <a:latin typeface="Courier New" panose="02070309020205020404" pitchFamily="49" charset="0"/>
+                          <a:ea typeface="+mn-ea"/>
+                          <a:cs typeface="Courier New" panose="02070309020205020404" pitchFamily="49" charset="0"/>
+                        </a:rPr>
+                        <a:t>Oravița</a:t>
+                      </a:r>
+                      <a:r>
+                        <a:rPr lang="en-US" sz="900" b="0" i="0" u="none" strike="noStrike" kern="1200" dirty="0">
+                          <a:solidFill>
+                            <a:schemeClr val="tx1"/>
+                          </a:solidFill>
+                          <a:effectLst/>
+                          <a:latin typeface="Courier New" panose="02070309020205020404" pitchFamily="49" charset="0"/>
+                          <a:ea typeface="+mn-ea"/>
+                          <a:cs typeface="Courier New" panose="02070309020205020404" pitchFamily="49" charset="0"/>
+                        </a:rPr>
+                        <a:t>]]</a:t>
+                      </a:r>
+                      <a:endParaRPr lang="en-US" sz="900" dirty="0">
+                        <a:solidFill>
+                          <a:schemeClr val="tx1"/>
+                        </a:solidFill>
+                        <a:effectLst/>
+                        <a:latin typeface="Courier New" panose="02070309020205020404" pitchFamily="49" charset="0"/>
+                        <a:cs typeface="Courier New" panose="02070309020205020404" pitchFamily="49" charset="0"/>
+                      </a:endParaRPr>
+                    </a:p>
+                    <a:p>
+                      <a:pPr rtl="0"/>
+                      <a:r>
+                        <a:rPr lang="en-US" sz="900" b="0" i="0" u="none" strike="noStrike" kern="1200" dirty="0">
+                          <a:solidFill>
+                            <a:schemeClr val="tx1"/>
+                          </a:solidFill>
+                          <a:effectLst/>
+                          <a:latin typeface="Courier New" panose="02070309020205020404" pitchFamily="49" charset="0"/>
+                          <a:ea typeface="+mn-ea"/>
+                          <a:cs typeface="Courier New" panose="02070309020205020404" pitchFamily="49" charset="0"/>
+                        </a:rPr>
+                        <a:t>|</a:t>
+                      </a:r>
+                      <a:r>
+                        <a:rPr lang="en-US" sz="900" b="0" i="0" u="none" strike="noStrike" kern="1200" dirty="0" err="1">
+                          <a:solidFill>
+                            <a:schemeClr val="tx1"/>
+                          </a:solidFill>
+                          <a:effectLst/>
+                          <a:latin typeface="Courier New" panose="02070309020205020404" pitchFamily="49" charset="0"/>
+                          <a:ea typeface="+mn-ea"/>
+                          <a:cs typeface="Courier New" panose="02070309020205020404" pitchFamily="49" charset="0"/>
+                        </a:rPr>
+                        <a:t>hartă</a:t>
+                      </a:r>
+                      <a:r>
+                        <a:rPr lang="en-US" sz="900" b="0" i="0" u="none" strike="noStrike" kern="1200" dirty="0">
+                          <a:solidFill>
+                            <a:schemeClr val="tx1"/>
+                          </a:solidFill>
+                          <a:effectLst/>
+                          <a:latin typeface="Courier New" panose="02070309020205020404" pitchFamily="49" charset="0"/>
+                          <a:ea typeface="+mn-ea"/>
+                          <a:cs typeface="Courier New" panose="02070309020205020404" pitchFamily="49" charset="0"/>
+                        </a:rPr>
+                        <a:t>= </a:t>
+                      </a:r>
+                      <a:r>
+                        <a:rPr lang="en-US" sz="900" b="0" i="0" u="none" strike="noStrike" kern="1200" dirty="0" err="1">
+                          <a:solidFill>
+                            <a:schemeClr val="tx1"/>
+                          </a:solidFill>
+                          <a:effectLst/>
+                          <a:latin typeface="Courier New" panose="02070309020205020404" pitchFamily="49" charset="0"/>
+                          <a:ea typeface="+mn-ea"/>
+                          <a:cs typeface="Courier New" panose="02070309020205020404" pitchFamily="49" charset="0"/>
+                        </a:rPr>
+                        <a:t>România</a:t>
+                      </a:r>
+                      <a:endParaRPr lang="en-US" sz="900" dirty="0">
+                        <a:solidFill>
+                          <a:schemeClr val="tx1"/>
+                        </a:solidFill>
+                        <a:effectLst/>
+                        <a:latin typeface="Courier New" panose="02070309020205020404" pitchFamily="49" charset="0"/>
+                        <a:cs typeface="Courier New" panose="02070309020205020404" pitchFamily="49" charset="0"/>
+                      </a:endParaRPr>
+                    </a:p>
+                    <a:p>
+                      <a:pPr rtl="0"/>
+                      <a:r>
+                        <a:rPr lang="en-US" sz="900" b="0" i="0" u="none" strike="noStrike" kern="1200" dirty="0">
+                          <a:solidFill>
+                            <a:schemeClr val="tx1"/>
+                          </a:solidFill>
+                          <a:effectLst/>
+                          <a:latin typeface="Courier New" panose="02070309020205020404" pitchFamily="49" charset="0"/>
+                          <a:ea typeface="+mn-ea"/>
+                          <a:cs typeface="Courier New" panose="02070309020205020404" pitchFamily="49" charset="0"/>
+                        </a:rPr>
+                        <a:t>|</a:t>
+                      </a:r>
+                      <a:r>
+                        <a:rPr lang="en-US" sz="900" b="0" i="0" u="none" strike="noStrike" kern="1200" dirty="0" err="1">
+                          <a:solidFill>
+                            <a:schemeClr val="tx1"/>
+                          </a:solidFill>
+                          <a:effectLst/>
+                          <a:latin typeface="Courier New" panose="02070309020205020404" pitchFamily="49" charset="0"/>
+                          <a:ea typeface="+mn-ea"/>
+                          <a:cs typeface="Courier New" panose="02070309020205020404" pitchFamily="49" charset="0"/>
+                        </a:rPr>
+                        <a:t>descriere_hartă</a:t>
+                      </a:r>
+                      <a:r>
+                        <a:rPr lang="en-US" sz="900" b="0" i="0" u="none" strike="noStrike" kern="1200" dirty="0">
+                          <a:solidFill>
+                            <a:schemeClr val="tx1"/>
+                          </a:solidFill>
+                          <a:effectLst/>
+                          <a:latin typeface="Courier New" panose="02070309020205020404" pitchFamily="49" charset="0"/>
+                          <a:ea typeface="+mn-ea"/>
+                          <a:cs typeface="Courier New" panose="02070309020205020404" pitchFamily="49" charset="0"/>
+                        </a:rPr>
+                        <a:t>= </a:t>
+                      </a:r>
+                      <a:r>
+                        <a:rPr lang="en-US" sz="900" b="0" i="0" u="none" strike="noStrike" kern="1200" dirty="0" err="1">
+                          <a:solidFill>
+                            <a:schemeClr val="tx1"/>
+                          </a:solidFill>
+                          <a:effectLst/>
+                          <a:latin typeface="Courier New" panose="02070309020205020404" pitchFamily="49" charset="0"/>
+                          <a:ea typeface="+mn-ea"/>
+                          <a:cs typeface="Courier New" panose="02070309020205020404" pitchFamily="49" charset="0"/>
+                        </a:rPr>
+                        <a:t>Localizarea</a:t>
+                      </a:r>
+                      <a:r>
+                        <a:rPr lang="en-US" sz="900" b="0" i="0" u="none" strike="noStrike" kern="1200" dirty="0">
+                          <a:solidFill>
+                            <a:schemeClr val="tx1"/>
+                          </a:solidFill>
+                          <a:effectLst/>
+                          <a:latin typeface="Courier New" panose="02070309020205020404" pitchFamily="49" charset="0"/>
+                          <a:ea typeface="+mn-ea"/>
+                          <a:cs typeface="Courier New" panose="02070309020205020404" pitchFamily="49" charset="0"/>
+                        </a:rPr>
+                        <a:t> </a:t>
+                      </a:r>
+                      <a:r>
+                        <a:rPr lang="en-US" sz="900" b="0" i="0" u="none" strike="noStrike" kern="1200" dirty="0" err="1">
+                          <a:solidFill>
+                            <a:schemeClr val="tx1"/>
+                          </a:solidFill>
+                          <a:effectLst/>
+                          <a:latin typeface="Courier New" panose="02070309020205020404" pitchFamily="49" charset="0"/>
+                          <a:ea typeface="+mn-ea"/>
+                          <a:cs typeface="Courier New" panose="02070309020205020404" pitchFamily="49" charset="0"/>
+                        </a:rPr>
+                        <a:t>rezervației</a:t>
+                      </a:r>
+                      <a:r>
+                        <a:rPr lang="en-US" sz="900" b="0" i="0" u="none" strike="noStrike" kern="1200" dirty="0">
+                          <a:solidFill>
+                            <a:schemeClr val="tx1"/>
+                          </a:solidFill>
+                          <a:effectLst/>
+                          <a:latin typeface="Courier New" panose="02070309020205020404" pitchFamily="49" charset="0"/>
+                          <a:ea typeface="+mn-ea"/>
+                          <a:cs typeface="Courier New" panose="02070309020205020404" pitchFamily="49" charset="0"/>
+                        </a:rPr>
+                        <a:t> </a:t>
+                      </a:r>
+                      <a:r>
+                        <a:rPr lang="en-US" sz="900" b="0" i="0" u="none" strike="noStrike" kern="1200" dirty="0" err="1">
+                          <a:solidFill>
+                            <a:schemeClr val="tx1"/>
+                          </a:solidFill>
+                          <a:effectLst/>
+                          <a:latin typeface="Courier New" panose="02070309020205020404" pitchFamily="49" charset="0"/>
+                          <a:ea typeface="+mn-ea"/>
+                          <a:cs typeface="Courier New" panose="02070309020205020404" pitchFamily="49" charset="0"/>
+                        </a:rPr>
+                        <a:t>pe</a:t>
+                      </a:r>
+                      <a:r>
+                        <a:rPr lang="en-US" sz="900" b="0" i="0" u="none" strike="noStrike" kern="1200" dirty="0">
+                          <a:solidFill>
+                            <a:schemeClr val="tx1"/>
+                          </a:solidFill>
+                          <a:effectLst/>
+                          <a:latin typeface="Courier New" panose="02070309020205020404" pitchFamily="49" charset="0"/>
+                          <a:ea typeface="+mn-ea"/>
+                          <a:cs typeface="Courier New" panose="02070309020205020404" pitchFamily="49" charset="0"/>
+                        </a:rPr>
+                        <a:t> </a:t>
+                      </a:r>
+                      <a:r>
+                        <a:rPr lang="en-US" sz="900" b="0" i="0" u="none" strike="noStrike" kern="1200" dirty="0" err="1">
+                          <a:solidFill>
+                            <a:schemeClr val="tx1"/>
+                          </a:solidFill>
+                          <a:effectLst/>
+                          <a:latin typeface="Courier New" panose="02070309020205020404" pitchFamily="49" charset="0"/>
+                          <a:ea typeface="+mn-ea"/>
+                          <a:cs typeface="Courier New" panose="02070309020205020404" pitchFamily="49" charset="0"/>
+                        </a:rPr>
+                        <a:t>harta</a:t>
+                      </a:r>
+                      <a:r>
+                        <a:rPr lang="en-US" sz="900" b="0" i="0" u="none" strike="noStrike" kern="1200" dirty="0">
+                          <a:solidFill>
+                            <a:schemeClr val="tx1"/>
+                          </a:solidFill>
+                          <a:effectLst/>
+                          <a:latin typeface="Courier New" panose="02070309020205020404" pitchFamily="49" charset="0"/>
+                          <a:ea typeface="+mn-ea"/>
+                          <a:cs typeface="Courier New" panose="02070309020205020404" pitchFamily="49" charset="0"/>
+                        </a:rPr>
+                        <a:t> </a:t>
+                      </a:r>
+                      <a:r>
+                        <a:rPr lang="en-US" sz="900" b="0" i="0" u="none" strike="noStrike" kern="1200" dirty="0" err="1">
+                          <a:solidFill>
+                            <a:schemeClr val="tx1"/>
+                          </a:solidFill>
+                          <a:effectLst/>
+                          <a:latin typeface="Courier New" panose="02070309020205020404" pitchFamily="49" charset="0"/>
+                          <a:ea typeface="+mn-ea"/>
+                          <a:cs typeface="Courier New" panose="02070309020205020404" pitchFamily="49" charset="0"/>
+                        </a:rPr>
+                        <a:t>țării</a:t>
+                      </a:r>
+                      <a:endParaRPr lang="en-US" sz="900" dirty="0">
+                        <a:solidFill>
+                          <a:schemeClr val="tx1"/>
+                        </a:solidFill>
+                        <a:effectLst/>
+                        <a:latin typeface="Courier New" panose="02070309020205020404" pitchFamily="49" charset="0"/>
+                        <a:cs typeface="Courier New" panose="02070309020205020404" pitchFamily="49" charset="0"/>
+                      </a:endParaRPr>
+                    </a:p>
+                    <a:p>
+                      <a:pPr rtl="0"/>
+                      <a:r>
+                        <a:rPr lang="en-US" sz="900" b="0" i="0" u="none" strike="noStrike" kern="1200" dirty="0">
+                          <a:solidFill>
+                            <a:schemeClr val="tx1"/>
+                          </a:solidFill>
+                          <a:effectLst/>
+                          <a:latin typeface="Courier New" panose="02070309020205020404" pitchFamily="49" charset="0"/>
+                          <a:ea typeface="+mn-ea"/>
+                          <a:cs typeface="Courier New" panose="02070309020205020404" pitchFamily="49" charset="0"/>
+                        </a:rPr>
+                        <a:t>|</a:t>
+                      </a:r>
+                      <a:r>
+                        <a:rPr lang="en-US" sz="900" b="0" i="0" u="none" strike="noStrike" kern="1200" dirty="0" err="1">
+                          <a:solidFill>
+                            <a:schemeClr val="tx1"/>
+                          </a:solidFill>
+                          <a:effectLst/>
+                          <a:latin typeface="Courier New" panose="02070309020205020404" pitchFamily="49" charset="0"/>
+                          <a:ea typeface="+mn-ea"/>
+                          <a:cs typeface="Courier New" panose="02070309020205020404" pitchFamily="49" charset="0"/>
+                        </a:rPr>
+                        <a:t>lat_d</a:t>
+                      </a:r>
+                      <a:r>
+                        <a:rPr lang="en-US" sz="900" b="0" i="0" u="none" strike="noStrike" kern="1200" dirty="0">
+                          <a:solidFill>
+                            <a:schemeClr val="tx1"/>
+                          </a:solidFill>
+                          <a:effectLst/>
+                          <a:latin typeface="Courier New" panose="02070309020205020404" pitchFamily="49" charset="0"/>
+                          <a:ea typeface="+mn-ea"/>
+                          <a:cs typeface="Courier New" panose="02070309020205020404" pitchFamily="49" charset="0"/>
+                        </a:rPr>
+                        <a:t>= 44</a:t>
+                      </a:r>
+                      <a:endParaRPr lang="en-US" sz="900" dirty="0">
+                        <a:solidFill>
+                          <a:schemeClr val="tx1"/>
+                        </a:solidFill>
+                        <a:effectLst/>
+                        <a:latin typeface="Courier New" panose="02070309020205020404" pitchFamily="49" charset="0"/>
+                        <a:cs typeface="Courier New" panose="02070309020205020404" pitchFamily="49" charset="0"/>
+                      </a:endParaRPr>
+                    </a:p>
+                    <a:p>
+                      <a:pPr rtl="0"/>
+                      <a:r>
+                        <a:rPr lang="en-US" sz="900" b="0" i="0" u="none" strike="noStrike" kern="1200" dirty="0">
+                          <a:solidFill>
+                            <a:schemeClr val="tx1"/>
+                          </a:solidFill>
+                          <a:effectLst/>
+                          <a:latin typeface="Courier New" panose="02070309020205020404" pitchFamily="49" charset="0"/>
+                          <a:ea typeface="+mn-ea"/>
+                          <a:cs typeface="Courier New" panose="02070309020205020404" pitchFamily="49" charset="0"/>
+                        </a:rPr>
+                        <a:t>|</a:t>
+                      </a:r>
+                      <a:r>
+                        <a:rPr lang="en-US" sz="900" b="0" i="0" u="none" strike="noStrike" kern="1200" dirty="0" err="1">
+                          <a:solidFill>
+                            <a:schemeClr val="tx1"/>
+                          </a:solidFill>
+                          <a:effectLst/>
+                          <a:latin typeface="Courier New" panose="02070309020205020404" pitchFamily="49" charset="0"/>
+                          <a:ea typeface="+mn-ea"/>
+                          <a:cs typeface="Courier New" panose="02070309020205020404" pitchFamily="49" charset="0"/>
+                        </a:rPr>
+                        <a:t>lat_m</a:t>
+                      </a:r>
+                      <a:r>
+                        <a:rPr lang="en-US" sz="900" b="0" i="0" u="none" strike="noStrike" kern="1200" dirty="0">
+                          <a:solidFill>
+                            <a:schemeClr val="tx1"/>
+                          </a:solidFill>
+                          <a:effectLst/>
+                          <a:latin typeface="Courier New" panose="02070309020205020404" pitchFamily="49" charset="0"/>
+                          <a:ea typeface="+mn-ea"/>
+                          <a:cs typeface="Courier New" panose="02070309020205020404" pitchFamily="49" charset="0"/>
+                        </a:rPr>
+                        <a:t>= 51</a:t>
+                      </a:r>
+                      <a:endParaRPr lang="en-US" sz="900" dirty="0">
+                        <a:solidFill>
+                          <a:schemeClr val="tx1"/>
+                        </a:solidFill>
+                        <a:effectLst/>
+                        <a:latin typeface="Courier New" panose="02070309020205020404" pitchFamily="49" charset="0"/>
+                        <a:cs typeface="Courier New" panose="02070309020205020404" pitchFamily="49" charset="0"/>
+                      </a:endParaRPr>
+                    </a:p>
+                    <a:p>
+                      <a:pPr rtl="0"/>
+                      <a:r>
+                        <a:rPr lang="en-US" sz="900" b="0" i="0" u="none" strike="noStrike" kern="1200" dirty="0">
+                          <a:solidFill>
+                            <a:schemeClr val="tx1"/>
+                          </a:solidFill>
+                          <a:effectLst/>
+                          <a:latin typeface="Courier New" panose="02070309020205020404" pitchFamily="49" charset="0"/>
+                          <a:ea typeface="+mn-ea"/>
+                          <a:cs typeface="Courier New" panose="02070309020205020404" pitchFamily="49" charset="0"/>
+                        </a:rPr>
+                        <a:t>|</a:t>
+                      </a:r>
+                      <a:r>
+                        <a:rPr lang="en-US" sz="900" b="0" i="0" u="none" strike="noStrike" kern="1200" dirty="0" err="1">
+                          <a:solidFill>
+                            <a:schemeClr val="tx1"/>
+                          </a:solidFill>
+                          <a:effectLst/>
+                          <a:latin typeface="Courier New" panose="02070309020205020404" pitchFamily="49" charset="0"/>
+                          <a:ea typeface="+mn-ea"/>
+                          <a:cs typeface="Courier New" panose="02070309020205020404" pitchFamily="49" charset="0"/>
+                        </a:rPr>
+                        <a:t>lat_s</a:t>
+                      </a:r>
+                      <a:r>
+                        <a:rPr lang="en-US" sz="900" b="0" i="0" u="none" strike="noStrike" kern="1200" dirty="0">
+                          <a:solidFill>
+                            <a:schemeClr val="tx1"/>
+                          </a:solidFill>
+                          <a:effectLst/>
+                          <a:latin typeface="Courier New" panose="02070309020205020404" pitchFamily="49" charset="0"/>
+                          <a:ea typeface="+mn-ea"/>
+                          <a:cs typeface="Courier New" panose="02070309020205020404" pitchFamily="49" charset="0"/>
+                        </a:rPr>
+                        <a:t>= 22</a:t>
+                      </a:r>
+                      <a:endParaRPr lang="en-US" sz="900" dirty="0">
+                        <a:solidFill>
+                          <a:schemeClr val="tx1"/>
+                        </a:solidFill>
+                        <a:effectLst/>
+                        <a:latin typeface="Courier New" panose="02070309020205020404" pitchFamily="49" charset="0"/>
+                        <a:cs typeface="Courier New" panose="02070309020205020404" pitchFamily="49" charset="0"/>
+                      </a:endParaRPr>
+                    </a:p>
+                    <a:p>
+                      <a:pPr rtl="0"/>
+                      <a:r>
+                        <a:rPr lang="en-US" sz="900" b="0" i="0" u="none" strike="noStrike" kern="1200" dirty="0">
+                          <a:solidFill>
+                            <a:schemeClr val="tx1"/>
+                          </a:solidFill>
+                          <a:effectLst/>
+                          <a:latin typeface="Courier New" panose="02070309020205020404" pitchFamily="49" charset="0"/>
+                          <a:ea typeface="+mn-ea"/>
+                          <a:cs typeface="Courier New" panose="02070309020205020404" pitchFamily="49" charset="0"/>
+                        </a:rPr>
+                        <a:t>|</a:t>
+                      </a:r>
+                      <a:r>
+                        <a:rPr lang="en-US" sz="900" b="0" i="0" u="none" strike="noStrike" kern="1200" dirty="0" err="1">
+                          <a:solidFill>
+                            <a:schemeClr val="tx1"/>
+                          </a:solidFill>
+                          <a:effectLst/>
+                          <a:latin typeface="Courier New" panose="02070309020205020404" pitchFamily="49" charset="0"/>
+                          <a:ea typeface="+mn-ea"/>
+                          <a:cs typeface="Courier New" panose="02070309020205020404" pitchFamily="49" charset="0"/>
+                        </a:rPr>
+                        <a:t>lat_NS</a:t>
+                      </a:r>
+                      <a:r>
+                        <a:rPr lang="en-US" sz="900" b="0" i="0" u="none" strike="noStrike" kern="1200" dirty="0">
+                          <a:solidFill>
+                            <a:schemeClr val="tx1"/>
+                          </a:solidFill>
+                          <a:effectLst/>
+                          <a:latin typeface="Courier New" panose="02070309020205020404" pitchFamily="49" charset="0"/>
+                          <a:ea typeface="+mn-ea"/>
+                          <a:cs typeface="Courier New" panose="02070309020205020404" pitchFamily="49" charset="0"/>
+                        </a:rPr>
+                        <a:t>= N</a:t>
+                      </a:r>
+                      <a:endParaRPr lang="en-US" sz="900" dirty="0">
+                        <a:solidFill>
+                          <a:schemeClr val="tx1"/>
+                        </a:solidFill>
+                        <a:effectLst/>
+                        <a:latin typeface="Courier New" panose="02070309020205020404" pitchFamily="49" charset="0"/>
+                        <a:cs typeface="Courier New" panose="02070309020205020404" pitchFamily="49" charset="0"/>
+                      </a:endParaRPr>
+                    </a:p>
+                    <a:p>
+                      <a:pPr rtl="0"/>
+                      <a:r>
+                        <a:rPr lang="en-US" sz="900" b="0" i="0" u="none" strike="noStrike" kern="1200" dirty="0">
+                          <a:solidFill>
+                            <a:schemeClr val="tx1"/>
+                          </a:solidFill>
+                          <a:effectLst/>
+                          <a:latin typeface="Courier New" panose="02070309020205020404" pitchFamily="49" charset="0"/>
+                          <a:ea typeface="+mn-ea"/>
+                          <a:cs typeface="Courier New" panose="02070309020205020404" pitchFamily="49" charset="0"/>
+                        </a:rPr>
+                        <a:t>|</a:t>
+                      </a:r>
+                      <a:r>
+                        <a:rPr lang="en-US" sz="900" b="0" i="0" u="none" strike="noStrike" kern="1200" dirty="0" err="1">
+                          <a:solidFill>
+                            <a:schemeClr val="tx1"/>
+                          </a:solidFill>
+                          <a:effectLst/>
+                          <a:latin typeface="Courier New" panose="02070309020205020404" pitchFamily="49" charset="0"/>
+                          <a:ea typeface="+mn-ea"/>
+                          <a:cs typeface="Courier New" panose="02070309020205020404" pitchFamily="49" charset="0"/>
+                        </a:rPr>
+                        <a:t>long_d</a:t>
+                      </a:r>
+                      <a:r>
+                        <a:rPr lang="en-US" sz="900" b="0" i="0" u="none" strike="noStrike" kern="1200" dirty="0">
+                          <a:solidFill>
+                            <a:schemeClr val="tx1"/>
+                          </a:solidFill>
+                          <a:effectLst/>
+                          <a:latin typeface="Courier New" panose="02070309020205020404" pitchFamily="49" charset="0"/>
+                          <a:ea typeface="+mn-ea"/>
+                          <a:cs typeface="Courier New" panose="02070309020205020404" pitchFamily="49" charset="0"/>
+                        </a:rPr>
+                        <a:t>= 21</a:t>
+                      </a:r>
+                      <a:endParaRPr lang="en-US" sz="900" dirty="0">
+                        <a:solidFill>
+                          <a:schemeClr val="tx1"/>
+                        </a:solidFill>
+                        <a:effectLst/>
+                        <a:latin typeface="Courier New" panose="02070309020205020404" pitchFamily="49" charset="0"/>
+                        <a:cs typeface="Courier New" panose="02070309020205020404" pitchFamily="49" charset="0"/>
+                      </a:endParaRPr>
+                    </a:p>
+                    <a:p>
+                      <a:pPr rtl="0"/>
+                      <a:r>
+                        <a:rPr lang="en-US" sz="900" b="0" i="0" u="none" strike="noStrike" kern="1200" dirty="0">
+                          <a:solidFill>
+                            <a:schemeClr val="tx1"/>
+                          </a:solidFill>
+                          <a:effectLst/>
+                          <a:latin typeface="Courier New" panose="02070309020205020404" pitchFamily="49" charset="0"/>
+                          <a:ea typeface="+mn-ea"/>
+                          <a:cs typeface="Courier New" panose="02070309020205020404" pitchFamily="49" charset="0"/>
+                        </a:rPr>
+                        <a:t>|</a:t>
+                      </a:r>
+                      <a:r>
+                        <a:rPr lang="en-US" sz="900" b="0" i="0" u="none" strike="noStrike" kern="1200" dirty="0" err="1">
+                          <a:solidFill>
+                            <a:schemeClr val="tx1"/>
+                          </a:solidFill>
+                          <a:effectLst/>
+                          <a:latin typeface="Courier New" panose="02070309020205020404" pitchFamily="49" charset="0"/>
+                          <a:ea typeface="+mn-ea"/>
+                          <a:cs typeface="Courier New" panose="02070309020205020404" pitchFamily="49" charset="0"/>
+                        </a:rPr>
+                        <a:t>long_m</a:t>
+                      </a:r>
+                      <a:r>
+                        <a:rPr lang="en-US" sz="900" b="0" i="0" u="none" strike="noStrike" kern="1200" dirty="0">
+                          <a:solidFill>
+                            <a:schemeClr val="tx1"/>
+                          </a:solidFill>
+                          <a:effectLst/>
+                          <a:latin typeface="Courier New" panose="02070309020205020404" pitchFamily="49" charset="0"/>
+                          <a:ea typeface="+mn-ea"/>
+                          <a:cs typeface="Courier New" panose="02070309020205020404" pitchFamily="49" charset="0"/>
+                        </a:rPr>
+                        <a:t>= 44</a:t>
+                      </a:r>
+                      <a:endParaRPr lang="en-US" sz="900" dirty="0">
+                        <a:solidFill>
+                          <a:schemeClr val="tx1"/>
+                        </a:solidFill>
+                        <a:effectLst/>
+                        <a:latin typeface="Courier New" panose="02070309020205020404" pitchFamily="49" charset="0"/>
+                        <a:cs typeface="Courier New" panose="02070309020205020404" pitchFamily="49" charset="0"/>
+                      </a:endParaRPr>
+                    </a:p>
+                    <a:p>
+                      <a:pPr rtl="0"/>
+                      <a:r>
+                        <a:rPr lang="en-US" sz="900" b="0" i="0" u="none" strike="noStrike" kern="1200" dirty="0">
+                          <a:solidFill>
+                            <a:schemeClr val="tx1"/>
+                          </a:solidFill>
+                          <a:effectLst/>
+                          <a:latin typeface="Courier New" panose="02070309020205020404" pitchFamily="49" charset="0"/>
+                          <a:ea typeface="+mn-ea"/>
+                          <a:cs typeface="Courier New" panose="02070309020205020404" pitchFamily="49" charset="0"/>
+                        </a:rPr>
+                        <a:t>|</a:t>
+                      </a:r>
+                      <a:r>
+                        <a:rPr lang="en-US" sz="900" b="0" i="0" u="none" strike="noStrike" kern="1200" dirty="0" err="1">
+                          <a:solidFill>
+                            <a:schemeClr val="tx1"/>
+                          </a:solidFill>
+                          <a:effectLst/>
+                          <a:latin typeface="Courier New" panose="02070309020205020404" pitchFamily="49" charset="0"/>
+                          <a:ea typeface="+mn-ea"/>
+                          <a:cs typeface="Courier New" panose="02070309020205020404" pitchFamily="49" charset="0"/>
+                        </a:rPr>
+                        <a:t>long_s</a:t>
+                      </a:r>
+                      <a:r>
+                        <a:rPr lang="en-US" sz="900" b="0" i="0" u="none" strike="noStrike" kern="1200" dirty="0">
+                          <a:solidFill>
+                            <a:schemeClr val="tx1"/>
+                          </a:solidFill>
+                          <a:effectLst/>
+                          <a:latin typeface="Courier New" panose="02070309020205020404" pitchFamily="49" charset="0"/>
+                          <a:ea typeface="+mn-ea"/>
+                          <a:cs typeface="Courier New" panose="02070309020205020404" pitchFamily="49" charset="0"/>
+                        </a:rPr>
+                        <a:t>= 23</a:t>
+                      </a:r>
+                      <a:endParaRPr lang="en-US" sz="900" dirty="0">
+                        <a:solidFill>
+                          <a:schemeClr val="tx1"/>
+                        </a:solidFill>
+                        <a:effectLst/>
+                        <a:latin typeface="Courier New" panose="02070309020205020404" pitchFamily="49" charset="0"/>
+                        <a:cs typeface="Courier New" panose="02070309020205020404" pitchFamily="49" charset="0"/>
+                      </a:endParaRPr>
+                    </a:p>
+                    <a:p>
+                      <a:pPr rtl="0"/>
+                      <a:r>
+                        <a:rPr lang="en-US" sz="900" b="0" i="0" u="none" strike="noStrike" kern="1200" dirty="0">
+                          <a:solidFill>
+                            <a:schemeClr val="tx1"/>
+                          </a:solidFill>
+                          <a:effectLst/>
+                          <a:latin typeface="Courier New" panose="02070309020205020404" pitchFamily="49" charset="0"/>
+                          <a:ea typeface="+mn-ea"/>
+                          <a:cs typeface="Courier New" panose="02070309020205020404" pitchFamily="49" charset="0"/>
+                        </a:rPr>
+                        <a:t>|</a:t>
+                      </a:r>
+                      <a:r>
+                        <a:rPr lang="en-US" sz="900" b="0" i="0" u="none" strike="noStrike" kern="1200" dirty="0" err="1">
+                          <a:solidFill>
+                            <a:schemeClr val="tx1"/>
+                          </a:solidFill>
+                          <a:effectLst/>
+                          <a:latin typeface="Courier New" panose="02070309020205020404" pitchFamily="49" charset="0"/>
+                          <a:ea typeface="+mn-ea"/>
+                          <a:cs typeface="Courier New" panose="02070309020205020404" pitchFamily="49" charset="0"/>
+                        </a:rPr>
+                        <a:t>long_EV</a:t>
+                      </a:r>
+                      <a:r>
+                        <a:rPr lang="en-US" sz="900" b="0" i="0" u="none" strike="noStrike" kern="1200" dirty="0">
+                          <a:solidFill>
+                            <a:schemeClr val="tx1"/>
+                          </a:solidFill>
+                          <a:effectLst/>
+                          <a:latin typeface="Courier New" panose="02070309020205020404" pitchFamily="49" charset="0"/>
+                          <a:ea typeface="+mn-ea"/>
+                          <a:cs typeface="Courier New" panose="02070309020205020404" pitchFamily="49" charset="0"/>
+                        </a:rPr>
+                        <a:t>= E</a:t>
+                      </a:r>
+                      <a:endParaRPr lang="en-US" sz="900" dirty="0">
+                        <a:solidFill>
+                          <a:schemeClr val="tx1"/>
+                        </a:solidFill>
+                        <a:effectLst/>
+                        <a:latin typeface="Courier New" panose="02070309020205020404" pitchFamily="49" charset="0"/>
+                        <a:cs typeface="Courier New" panose="02070309020205020404" pitchFamily="49" charset="0"/>
+                      </a:endParaRPr>
+                    </a:p>
+                    <a:p>
+                      <a:pPr rtl="0"/>
+                      <a:r>
+                        <a:rPr lang="en-US" sz="900" b="0" i="0" u="none" strike="noStrike" kern="1200" dirty="0">
+                          <a:solidFill>
+                            <a:schemeClr val="tx1"/>
+                          </a:solidFill>
+                          <a:effectLst/>
+                          <a:latin typeface="Courier New" panose="02070309020205020404" pitchFamily="49" charset="0"/>
+                          <a:ea typeface="+mn-ea"/>
+                          <a:cs typeface="Courier New" panose="02070309020205020404" pitchFamily="49" charset="0"/>
+                        </a:rPr>
+                        <a:t>|</a:t>
+                      </a:r>
+                      <a:r>
+                        <a:rPr lang="en-US" sz="900" b="0" i="0" u="none" strike="noStrike" kern="1200" dirty="0" err="1">
+                          <a:solidFill>
+                            <a:schemeClr val="tx1"/>
+                          </a:solidFill>
+                          <a:effectLst/>
+                          <a:latin typeface="Courier New" panose="02070309020205020404" pitchFamily="49" charset="0"/>
+                          <a:ea typeface="+mn-ea"/>
+                          <a:cs typeface="Courier New" panose="02070309020205020404" pitchFamily="49" charset="0"/>
+                        </a:rPr>
+                        <a:t>ref_coordonate</a:t>
+                      </a:r>
+                      <a:r>
+                        <a:rPr lang="en-US" sz="900" b="0" i="0" u="none" strike="noStrike" kern="1200" dirty="0">
+                          <a:solidFill>
+                            <a:schemeClr val="tx1"/>
+                          </a:solidFill>
+                          <a:effectLst/>
+                          <a:latin typeface="Courier New" panose="02070309020205020404" pitchFamily="49" charset="0"/>
+                          <a:ea typeface="+mn-ea"/>
+                          <a:cs typeface="Courier New" panose="02070309020205020404" pitchFamily="49" charset="0"/>
+                        </a:rPr>
+                        <a:t>=</a:t>
+                      </a:r>
+                      <a:endParaRPr lang="en-US" sz="900" dirty="0">
+                        <a:solidFill>
+                          <a:schemeClr val="tx1"/>
+                        </a:solidFill>
+                        <a:effectLst/>
+                        <a:latin typeface="Courier New" panose="02070309020205020404" pitchFamily="49" charset="0"/>
+                        <a:cs typeface="Courier New" panose="02070309020205020404" pitchFamily="49" charset="0"/>
+                      </a:endParaRPr>
+                    </a:p>
+                    <a:p>
+                      <a:pPr rtl="0"/>
+                      <a:r>
+                        <a:rPr lang="en-US" sz="900" b="0" i="0" u="none" strike="noStrike" kern="1200" dirty="0">
+                          <a:solidFill>
+                            <a:schemeClr val="tx1"/>
+                          </a:solidFill>
+                          <a:effectLst/>
+                          <a:latin typeface="Courier New" panose="02070309020205020404" pitchFamily="49" charset="0"/>
+                          <a:ea typeface="+mn-ea"/>
+                          <a:cs typeface="Courier New" panose="02070309020205020404" pitchFamily="49" charset="0"/>
+                        </a:rPr>
+                        <a:t>|</a:t>
+                      </a:r>
+                      <a:r>
+                        <a:rPr lang="en-US" sz="900" b="0" i="0" u="none" strike="noStrike" kern="1200" dirty="0" err="1">
+                          <a:solidFill>
+                            <a:schemeClr val="tx1"/>
+                          </a:solidFill>
+                          <a:effectLst/>
+                          <a:latin typeface="Courier New" panose="02070309020205020404" pitchFamily="49" charset="0"/>
+                          <a:ea typeface="+mn-ea"/>
+                          <a:cs typeface="Courier New" panose="02070309020205020404" pitchFamily="49" charset="0"/>
+                        </a:rPr>
+                        <a:t>înființat</a:t>
+                      </a:r>
+                      <a:r>
+                        <a:rPr lang="en-US" sz="900" b="0" i="0" u="none" strike="noStrike" kern="1200" dirty="0">
+                          <a:solidFill>
+                            <a:schemeClr val="tx1"/>
+                          </a:solidFill>
+                          <a:effectLst/>
+                          <a:latin typeface="Courier New" panose="02070309020205020404" pitchFamily="49" charset="0"/>
+                          <a:ea typeface="+mn-ea"/>
+                          <a:cs typeface="Courier New" panose="02070309020205020404" pitchFamily="49" charset="0"/>
+                        </a:rPr>
+                        <a:t>= [[1982]], </a:t>
+                      </a:r>
+                      <a:r>
+                        <a:rPr lang="en-US" sz="900" b="0" i="0" u="none" strike="noStrike" kern="1200" dirty="0" err="1">
+                          <a:solidFill>
+                            <a:schemeClr val="tx1"/>
+                          </a:solidFill>
+                          <a:effectLst/>
+                          <a:latin typeface="Courier New" panose="02070309020205020404" pitchFamily="49" charset="0"/>
+                          <a:ea typeface="+mn-ea"/>
+                          <a:cs typeface="Courier New" panose="02070309020205020404" pitchFamily="49" charset="0"/>
+                        </a:rPr>
+                        <a:t>declarat</a:t>
+                      </a:r>
+                      <a:r>
+                        <a:rPr lang="en-US" sz="900" b="0" i="0" u="none" strike="noStrike" kern="1200" dirty="0">
+                          <a:solidFill>
+                            <a:schemeClr val="tx1"/>
+                          </a:solidFill>
+                          <a:effectLst/>
+                          <a:latin typeface="Courier New" panose="02070309020205020404" pitchFamily="49" charset="0"/>
+                          <a:ea typeface="+mn-ea"/>
+                          <a:cs typeface="Courier New" panose="02070309020205020404" pitchFamily="49" charset="0"/>
+                        </a:rPr>
+                        <a:t> </a:t>
+                      </a:r>
+                      <a:r>
+                        <a:rPr lang="en-US" sz="900" b="0" i="0" u="none" strike="noStrike" kern="1200" dirty="0" err="1">
+                          <a:solidFill>
+                            <a:schemeClr val="tx1"/>
+                          </a:solidFill>
+                          <a:effectLst/>
+                          <a:latin typeface="Courier New" panose="02070309020205020404" pitchFamily="49" charset="0"/>
+                          <a:ea typeface="+mn-ea"/>
+                          <a:cs typeface="Courier New" panose="02070309020205020404" pitchFamily="49" charset="0"/>
+                        </a:rPr>
+                        <a:t>în</a:t>
+                      </a:r>
+                      <a:r>
+                        <a:rPr lang="en-US" sz="900" b="0" i="0" u="none" strike="noStrike" kern="1200" dirty="0">
+                          <a:solidFill>
+                            <a:schemeClr val="tx1"/>
+                          </a:solidFill>
+                          <a:effectLst/>
+                          <a:latin typeface="Courier New" panose="02070309020205020404" pitchFamily="49" charset="0"/>
+                          <a:ea typeface="+mn-ea"/>
+                          <a:cs typeface="Courier New" panose="02070309020205020404" pitchFamily="49" charset="0"/>
+                        </a:rPr>
+                        <a:t> [[2000]]</a:t>
+                      </a:r>
+                      <a:endParaRPr lang="en-US" sz="900" dirty="0">
+                        <a:solidFill>
+                          <a:schemeClr val="tx1"/>
+                        </a:solidFill>
+                        <a:effectLst/>
+                        <a:latin typeface="Courier New" panose="02070309020205020404" pitchFamily="49" charset="0"/>
+                        <a:cs typeface="Courier New" panose="02070309020205020404" pitchFamily="49" charset="0"/>
+                      </a:endParaRPr>
+                    </a:p>
+                    <a:p>
+                      <a:pPr rtl="0"/>
+                      <a:r>
+                        <a:rPr lang="en-US" sz="900" b="0" i="0" u="none" strike="noStrike" kern="1200" dirty="0">
+                          <a:solidFill>
+                            <a:schemeClr val="tx1"/>
+                          </a:solidFill>
+                          <a:effectLst/>
+                          <a:latin typeface="Courier New" panose="02070309020205020404" pitchFamily="49" charset="0"/>
+                          <a:ea typeface="+mn-ea"/>
+                          <a:cs typeface="Courier New" panose="02070309020205020404" pitchFamily="49" charset="0"/>
+                        </a:rPr>
+                        <a:t>|</a:t>
+                      </a:r>
+                      <a:r>
+                        <a:rPr lang="en-US" sz="900" b="0" i="0" u="none" strike="noStrike" kern="1200" dirty="0" err="1">
+                          <a:solidFill>
+                            <a:schemeClr val="tx1"/>
+                          </a:solidFill>
+                          <a:effectLst/>
+                          <a:latin typeface="Courier New" panose="02070309020205020404" pitchFamily="49" charset="0"/>
+                          <a:ea typeface="+mn-ea"/>
+                          <a:cs typeface="Courier New" panose="02070309020205020404" pitchFamily="49" charset="0"/>
+                        </a:rPr>
+                        <a:t>suprafață_ha</a:t>
+                      </a:r>
+                      <a:r>
+                        <a:rPr lang="en-US" sz="900" b="0" i="0" u="none" strike="noStrike" kern="1200" dirty="0">
+                          <a:solidFill>
+                            <a:schemeClr val="tx1"/>
+                          </a:solidFill>
+                          <a:effectLst/>
+                          <a:latin typeface="Courier New" panose="02070309020205020404" pitchFamily="49" charset="0"/>
+                          <a:ea typeface="+mn-ea"/>
+                          <a:cs typeface="Courier New" panose="02070309020205020404" pitchFamily="49" charset="0"/>
+                        </a:rPr>
+                        <a:t>= 246</a:t>
+                      </a:r>
+                      <a:endParaRPr lang="en-US" sz="900" dirty="0">
+                        <a:solidFill>
+                          <a:schemeClr val="tx1"/>
+                        </a:solidFill>
+                        <a:effectLst/>
+                        <a:latin typeface="Courier New" panose="02070309020205020404" pitchFamily="49" charset="0"/>
+                        <a:cs typeface="Courier New" panose="02070309020205020404" pitchFamily="49" charset="0"/>
+                      </a:endParaRPr>
+                    </a:p>
+                    <a:p>
+                      <a:pPr rtl="0"/>
+                      <a:r>
+                        <a:rPr lang="en-US" sz="900" b="0" i="0" u="none" strike="noStrike" kern="1200" dirty="0">
+                          <a:solidFill>
+                            <a:schemeClr val="tx1"/>
+                          </a:solidFill>
+                          <a:effectLst/>
+                          <a:latin typeface="Courier New" panose="02070309020205020404" pitchFamily="49" charset="0"/>
+                          <a:ea typeface="+mn-ea"/>
+                          <a:cs typeface="Courier New" panose="02070309020205020404" pitchFamily="49" charset="0"/>
+                        </a:rPr>
+                        <a:t>|</a:t>
+                      </a:r>
+                      <a:r>
+                        <a:rPr lang="en-US" sz="900" b="0" i="0" u="none" strike="noStrike" kern="1200" dirty="0" err="1">
+                          <a:solidFill>
+                            <a:schemeClr val="tx1"/>
+                          </a:solidFill>
+                          <a:effectLst/>
+                          <a:latin typeface="Courier New" panose="02070309020205020404" pitchFamily="49" charset="0"/>
+                          <a:ea typeface="+mn-ea"/>
+                          <a:cs typeface="Courier New" panose="02070309020205020404" pitchFamily="49" charset="0"/>
+                        </a:rPr>
+                        <a:t>lungime_km</a:t>
+                      </a:r>
+                      <a:r>
+                        <a:rPr lang="en-US" sz="900" b="0" i="0" u="none" strike="noStrike" kern="1200" dirty="0">
+                          <a:solidFill>
+                            <a:schemeClr val="tx1"/>
+                          </a:solidFill>
+                          <a:effectLst/>
+                          <a:latin typeface="Courier New" panose="02070309020205020404" pitchFamily="49" charset="0"/>
+                          <a:ea typeface="+mn-ea"/>
+                          <a:cs typeface="Courier New" panose="02070309020205020404" pitchFamily="49" charset="0"/>
+                        </a:rPr>
+                        <a:t>= 3</a:t>
+                      </a:r>
+                      <a:endParaRPr lang="en-US" sz="900" dirty="0">
+                        <a:solidFill>
+                          <a:schemeClr val="tx1"/>
+                        </a:solidFill>
+                        <a:effectLst/>
+                        <a:latin typeface="Courier New" panose="02070309020205020404" pitchFamily="49" charset="0"/>
+                        <a:cs typeface="Courier New" panose="02070309020205020404" pitchFamily="49" charset="0"/>
+                      </a:endParaRPr>
+                    </a:p>
+                    <a:p>
+                      <a:pPr rtl="0"/>
+                      <a:r>
+                        <a:rPr lang="en-US" sz="900" b="0" i="0" u="none" strike="noStrike" kern="1200" dirty="0">
+                          <a:solidFill>
+                            <a:schemeClr val="tx1"/>
+                          </a:solidFill>
+                          <a:effectLst/>
+                          <a:latin typeface="Courier New" panose="02070309020205020404" pitchFamily="49" charset="0"/>
+                          <a:ea typeface="+mn-ea"/>
+                          <a:cs typeface="Courier New" panose="02070309020205020404" pitchFamily="49" charset="0"/>
+                        </a:rPr>
+                        <a:t>|}}</a:t>
+                      </a:r>
+                      <a:endParaRPr lang="en-US" sz="900" dirty="0">
+                        <a:solidFill>
+                          <a:schemeClr val="tx1"/>
+                        </a:solidFill>
+                        <a:effectLst/>
+                        <a:latin typeface="Courier New" panose="02070309020205020404" pitchFamily="49" charset="0"/>
+                        <a:cs typeface="Courier New" panose="02070309020205020404" pitchFamily="49" charset="0"/>
+                      </a:endParaRPr>
+                    </a:p>
+                    <a:p>
+                      <a:pPr rtl="0"/>
+                      <a:r>
+                        <a:rPr lang="en-US" sz="900" b="0" i="0" u="none" strike="noStrike" kern="1200" dirty="0">
+                          <a:solidFill>
+                            <a:schemeClr val="tx1"/>
+                          </a:solidFill>
+                          <a:effectLst/>
+                          <a:latin typeface="Courier New" panose="02070309020205020404" pitchFamily="49" charset="0"/>
+                          <a:ea typeface="+mn-ea"/>
+                          <a:cs typeface="Courier New" panose="02070309020205020404" pitchFamily="49" charset="0"/>
+                        </a:rPr>
+                        <a:t>'''</a:t>
+                      </a:r>
+                      <a:r>
+                        <a:rPr lang="en-US" sz="900" b="0" i="0" u="none" strike="noStrike" kern="1200" dirty="0" err="1">
+                          <a:solidFill>
+                            <a:schemeClr val="tx1"/>
+                          </a:solidFill>
+                          <a:effectLst/>
+                          <a:latin typeface="Courier New" panose="02070309020205020404" pitchFamily="49" charset="0"/>
+                          <a:ea typeface="+mn-ea"/>
+                          <a:cs typeface="Courier New" panose="02070309020205020404" pitchFamily="49" charset="0"/>
+                        </a:rPr>
+                        <a:t>Cheile</a:t>
+                      </a:r>
+                      <a:r>
+                        <a:rPr lang="en-US" sz="900" b="0" i="0" u="none" strike="noStrike" kern="1200" dirty="0">
+                          <a:solidFill>
+                            <a:schemeClr val="tx1"/>
+                          </a:solidFill>
+                          <a:effectLst/>
+                          <a:latin typeface="Courier New" panose="02070309020205020404" pitchFamily="49" charset="0"/>
+                          <a:ea typeface="+mn-ea"/>
+                          <a:cs typeface="Courier New" panose="02070309020205020404" pitchFamily="49" charset="0"/>
+                        </a:rPr>
+                        <a:t> </a:t>
+                      </a:r>
+                      <a:r>
+                        <a:rPr lang="en-US" sz="900" b="0" i="0" u="none" strike="noStrike" kern="1200" dirty="0" err="1">
+                          <a:solidFill>
+                            <a:schemeClr val="tx1"/>
+                          </a:solidFill>
+                          <a:effectLst/>
+                          <a:latin typeface="Courier New" panose="02070309020205020404" pitchFamily="49" charset="0"/>
+                          <a:ea typeface="+mn-ea"/>
+                          <a:cs typeface="Courier New" panose="02070309020205020404" pitchFamily="49" charset="0"/>
+                        </a:rPr>
+                        <a:t>Șușarei</a:t>
+                      </a:r>
+                      <a:r>
+                        <a:rPr lang="en-US" sz="900" b="0" i="0" u="none" strike="noStrike" kern="1200" dirty="0">
+                          <a:solidFill>
+                            <a:schemeClr val="tx1"/>
+                          </a:solidFill>
+                          <a:effectLst/>
+                          <a:latin typeface="Courier New" panose="02070309020205020404" pitchFamily="49" charset="0"/>
+                          <a:ea typeface="+mn-ea"/>
+                          <a:cs typeface="Courier New" panose="02070309020205020404" pitchFamily="49" charset="0"/>
+                        </a:rPr>
+                        <a:t>''' (</a:t>
+                      </a:r>
+                      <a:r>
+                        <a:rPr lang="en-US" sz="900" b="0" i="0" u="none" strike="noStrike" kern="1200" dirty="0" err="1">
+                          <a:solidFill>
+                            <a:schemeClr val="tx1"/>
+                          </a:solidFill>
+                          <a:effectLst/>
+                          <a:latin typeface="Courier New" panose="02070309020205020404" pitchFamily="49" charset="0"/>
+                          <a:ea typeface="+mn-ea"/>
+                          <a:cs typeface="Courier New" panose="02070309020205020404" pitchFamily="49" charset="0"/>
+                        </a:rPr>
+                        <a:t>cunoscute</a:t>
+                      </a:r>
+                      <a:r>
+                        <a:rPr lang="en-US" sz="900" b="0" i="0" u="none" strike="noStrike" kern="1200" dirty="0">
+                          <a:solidFill>
+                            <a:schemeClr val="tx1"/>
+                          </a:solidFill>
+                          <a:effectLst/>
+                          <a:latin typeface="Courier New" panose="02070309020205020404" pitchFamily="49" charset="0"/>
+                          <a:ea typeface="+mn-ea"/>
+                          <a:cs typeface="Courier New" panose="02070309020205020404" pitchFamily="49" charset="0"/>
+                        </a:rPr>
+                        <a:t> </a:t>
+                      </a:r>
+                      <a:r>
+                        <a:rPr lang="en-US" sz="900" b="0" i="0" u="none" strike="noStrike" kern="1200" dirty="0" err="1">
+                          <a:solidFill>
+                            <a:schemeClr val="tx1"/>
+                          </a:solidFill>
+                          <a:effectLst/>
+                          <a:latin typeface="Courier New" panose="02070309020205020404" pitchFamily="49" charset="0"/>
+                          <a:ea typeface="+mn-ea"/>
+                          <a:cs typeface="Courier New" panose="02070309020205020404" pitchFamily="49" charset="0"/>
+                        </a:rPr>
+                        <a:t>și</a:t>
+                      </a:r>
+                      <a:r>
+                        <a:rPr lang="en-US" sz="900" b="0" i="0" u="none" strike="noStrike" kern="1200" dirty="0">
+                          <a:solidFill>
+                            <a:schemeClr val="tx1"/>
+                          </a:solidFill>
+                          <a:effectLst/>
+                          <a:latin typeface="Courier New" panose="02070309020205020404" pitchFamily="49" charset="0"/>
+                          <a:ea typeface="+mn-ea"/>
+                          <a:cs typeface="Courier New" panose="02070309020205020404" pitchFamily="49" charset="0"/>
+                        </a:rPr>
+                        <a:t> sub </a:t>
+                      </a:r>
+                      <a:r>
+                        <a:rPr lang="en-US" sz="900" b="0" i="0" u="none" strike="noStrike" kern="1200" dirty="0" err="1">
+                          <a:solidFill>
+                            <a:schemeClr val="tx1"/>
+                          </a:solidFill>
+                          <a:effectLst/>
+                          <a:latin typeface="Courier New" panose="02070309020205020404" pitchFamily="49" charset="0"/>
+                          <a:ea typeface="+mn-ea"/>
+                          <a:cs typeface="Courier New" panose="02070309020205020404" pitchFamily="49" charset="0"/>
+                        </a:rPr>
+                        <a:t>numele</a:t>
+                      </a:r>
+                      <a:r>
+                        <a:rPr lang="en-US" sz="900" b="0" i="0" u="none" strike="noStrike" kern="1200" dirty="0">
+                          <a:solidFill>
+                            <a:schemeClr val="tx1"/>
+                          </a:solidFill>
+                          <a:effectLst/>
+                          <a:latin typeface="Courier New" panose="02070309020205020404" pitchFamily="49" charset="0"/>
+                          <a:ea typeface="+mn-ea"/>
+                          <a:cs typeface="Courier New" panose="02070309020205020404" pitchFamily="49" charset="0"/>
+                        </a:rPr>
+                        <a:t> de ''</a:t>
+                      </a:r>
+                      <a:r>
+                        <a:rPr lang="en-US" sz="900" b="0" i="0" u="none" strike="noStrike" kern="1200" dirty="0" err="1">
+                          <a:solidFill>
+                            <a:schemeClr val="tx1"/>
+                          </a:solidFill>
+                          <a:effectLst/>
+                          <a:latin typeface="Courier New" panose="02070309020205020404" pitchFamily="49" charset="0"/>
+                          <a:ea typeface="+mn-ea"/>
+                          <a:cs typeface="Courier New" panose="02070309020205020404" pitchFamily="49" charset="0"/>
+                        </a:rPr>
+                        <a:t>Cheile</a:t>
+                      </a:r>
+                      <a:r>
+                        <a:rPr lang="en-US" sz="900" b="0" i="0" u="none" strike="noStrike" kern="1200" dirty="0">
+                          <a:solidFill>
+                            <a:schemeClr val="tx1"/>
+                          </a:solidFill>
+                          <a:effectLst/>
+                          <a:latin typeface="Courier New" panose="02070309020205020404" pitchFamily="49" charset="0"/>
+                          <a:ea typeface="+mn-ea"/>
+                          <a:cs typeface="Courier New" panose="02070309020205020404" pitchFamily="49" charset="0"/>
+                        </a:rPr>
+                        <a:t> </a:t>
+                      </a:r>
+                      <a:r>
+                        <a:rPr lang="en-US" sz="900" b="0" i="0" u="none" strike="noStrike" kern="1200" dirty="0" err="1">
+                          <a:solidFill>
+                            <a:schemeClr val="tx1"/>
+                          </a:solidFill>
+                          <a:effectLst/>
+                          <a:latin typeface="Courier New" panose="02070309020205020404" pitchFamily="49" charset="0"/>
+                          <a:ea typeface="+mn-ea"/>
+                          <a:cs typeface="Courier New" panose="02070309020205020404" pitchFamily="49" charset="0"/>
+                        </a:rPr>
+                        <a:t>Valea</a:t>
+                      </a:r>
+                      <a:r>
+                        <a:rPr lang="en-US" sz="900" b="0" i="0" u="none" strike="noStrike" kern="1200" dirty="0">
+                          <a:solidFill>
+                            <a:schemeClr val="tx1"/>
+                          </a:solidFill>
+                          <a:effectLst/>
+                          <a:latin typeface="Courier New" panose="02070309020205020404" pitchFamily="49" charset="0"/>
+                          <a:ea typeface="+mn-ea"/>
+                          <a:cs typeface="Courier New" panose="02070309020205020404" pitchFamily="49" charset="0"/>
+                        </a:rPr>
+                        <a:t> </a:t>
+                      </a:r>
+                      <a:r>
+                        <a:rPr lang="en-US" sz="900" b="0" i="0" u="none" strike="noStrike" kern="1200" dirty="0" err="1">
+                          <a:solidFill>
+                            <a:schemeClr val="tx1"/>
+                          </a:solidFill>
+                          <a:effectLst/>
+                          <a:latin typeface="Courier New" panose="02070309020205020404" pitchFamily="49" charset="0"/>
+                          <a:ea typeface="+mn-ea"/>
+                          <a:cs typeface="Courier New" panose="02070309020205020404" pitchFamily="49" charset="0"/>
+                        </a:rPr>
+                        <a:t>Morii</a:t>
+                      </a:r>
+                      <a:r>
+                        <a:rPr lang="en-US" sz="900" b="0" i="0" u="none" strike="noStrike" kern="1200" dirty="0">
+                          <a:solidFill>
+                            <a:schemeClr val="tx1"/>
+                          </a:solidFill>
+                          <a:effectLst/>
+                          <a:latin typeface="Courier New" panose="02070309020205020404" pitchFamily="49" charset="0"/>
+                          <a:ea typeface="+mn-ea"/>
+                          <a:cs typeface="Courier New" panose="02070309020205020404" pitchFamily="49" charset="0"/>
+                        </a:rPr>
+                        <a:t>'') </a:t>
+                      </a:r>
+                      <a:r>
+                        <a:rPr lang="en-US" sz="900" b="0" i="0" u="none" strike="noStrike" kern="1200" dirty="0" err="1">
+                          <a:solidFill>
+                            <a:schemeClr val="tx1"/>
+                          </a:solidFill>
+                          <a:effectLst/>
+                          <a:latin typeface="Courier New" panose="02070309020205020404" pitchFamily="49" charset="0"/>
+                          <a:ea typeface="+mn-ea"/>
+                          <a:cs typeface="Courier New" panose="02070309020205020404" pitchFamily="49" charset="0"/>
+                        </a:rPr>
+                        <a:t>alcătuiesc</a:t>
+                      </a:r>
+                      <a:r>
+                        <a:rPr lang="en-US" sz="900" b="0" i="0" u="none" strike="noStrike" kern="1200" dirty="0">
+                          <a:solidFill>
+                            <a:schemeClr val="tx1"/>
+                          </a:solidFill>
+                          <a:effectLst/>
+                          <a:latin typeface="Courier New" panose="02070309020205020404" pitchFamily="49" charset="0"/>
+                          <a:ea typeface="+mn-ea"/>
+                          <a:cs typeface="Courier New" panose="02070309020205020404" pitchFamily="49" charset="0"/>
+                        </a:rPr>
+                        <a:t> o </a:t>
+                      </a:r>
+                      <a:r>
+                        <a:rPr lang="en-US" sz="900" b="0" i="0" u="none" strike="noStrike" kern="1200" dirty="0" err="1">
+                          <a:solidFill>
+                            <a:schemeClr val="tx1"/>
+                          </a:solidFill>
+                          <a:effectLst/>
+                          <a:latin typeface="Courier New" panose="02070309020205020404" pitchFamily="49" charset="0"/>
+                          <a:ea typeface="+mn-ea"/>
+                          <a:cs typeface="Courier New" panose="02070309020205020404" pitchFamily="49" charset="0"/>
+                        </a:rPr>
+                        <a:t>arie</a:t>
+                      </a:r>
+                      <a:r>
+                        <a:rPr lang="en-US" sz="900" b="0" i="0" u="none" strike="noStrike" kern="1200" dirty="0">
+                          <a:solidFill>
+                            <a:schemeClr val="tx1"/>
+                          </a:solidFill>
+                          <a:effectLst/>
+                          <a:latin typeface="Courier New" panose="02070309020205020404" pitchFamily="49" charset="0"/>
+                          <a:ea typeface="+mn-ea"/>
+                          <a:cs typeface="Courier New" panose="02070309020205020404" pitchFamily="49" charset="0"/>
+                        </a:rPr>
+                        <a:t> </a:t>
+                      </a:r>
+                      <a:r>
+                        <a:rPr lang="en-US" sz="900" b="0" i="0" u="none" strike="noStrike" kern="1200" dirty="0" err="1">
+                          <a:solidFill>
+                            <a:schemeClr val="tx1"/>
+                          </a:solidFill>
+                          <a:effectLst/>
+                          <a:latin typeface="Courier New" panose="02070309020205020404" pitchFamily="49" charset="0"/>
+                          <a:ea typeface="+mn-ea"/>
+                          <a:cs typeface="Courier New" panose="02070309020205020404" pitchFamily="49" charset="0"/>
+                        </a:rPr>
+                        <a:t>protejată</a:t>
+                      </a:r>
+                      <a:r>
+                        <a:rPr lang="en-US" sz="900" b="0" i="0" u="none" strike="noStrike" kern="1200" dirty="0">
+                          <a:solidFill>
+                            <a:schemeClr val="tx1"/>
+                          </a:solidFill>
+                          <a:effectLst/>
+                          <a:latin typeface="Courier New" panose="02070309020205020404" pitchFamily="49" charset="0"/>
+                          <a:ea typeface="+mn-ea"/>
+                          <a:cs typeface="Courier New" panose="02070309020205020404" pitchFamily="49" charset="0"/>
+                        </a:rPr>
+                        <a:t> de </a:t>
+                      </a:r>
+                      <a:r>
+                        <a:rPr lang="en-US" sz="900" b="0" i="0" u="none" strike="noStrike" kern="1200" dirty="0" err="1">
+                          <a:solidFill>
+                            <a:schemeClr val="tx1"/>
+                          </a:solidFill>
+                          <a:effectLst/>
+                          <a:latin typeface="Courier New" panose="02070309020205020404" pitchFamily="49" charset="0"/>
+                          <a:ea typeface="+mn-ea"/>
+                          <a:cs typeface="Courier New" panose="02070309020205020404" pitchFamily="49" charset="0"/>
+                        </a:rPr>
+                        <a:t>interes</a:t>
+                      </a:r>
+                      <a:r>
+                        <a:rPr lang="en-US" sz="900" b="0" i="0" u="none" strike="noStrike" kern="1200" dirty="0">
+                          <a:solidFill>
+                            <a:schemeClr val="tx1"/>
+                          </a:solidFill>
+                          <a:effectLst/>
+                          <a:latin typeface="Courier New" panose="02070309020205020404" pitchFamily="49" charset="0"/>
+                          <a:ea typeface="+mn-ea"/>
+                          <a:cs typeface="Courier New" panose="02070309020205020404" pitchFamily="49" charset="0"/>
+                        </a:rPr>
+                        <a:t> </a:t>
+                      </a:r>
+                      <a:r>
+                        <a:rPr lang="en-US" sz="900" b="0" i="0" u="none" strike="noStrike" kern="1200" dirty="0" err="1">
+                          <a:solidFill>
+                            <a:schemeClr val="tx1"/>
+                          </a:solidFill>
+                          <a:effectLst/>
+                          <a:latin typeface="Courier New" panose="02070309020205020404" pitchFamily="49" charset="0"/>
+                          <a:ea typeface="+mn-ea"/>
+                          <a:cs typeface="Courier New" panose="02070309020205020404" pitchFamily="49" charset="0"/>
+                        </a:rPr>
+                        <a:t>național</a:t>
+                      </a:r>
+                      <a:r>
+                        <a:rPr lang="en-US" sz="900" b="0" i="0" u="none" strike="noStrike" kern="1200" dirty="0">
+                          <a:solidFill>
+                            <a:schemeClr val="tx1"/>
+                          </a:solidFill>
+                          <a:effectLst/>
+                          <a:latin typeface="Courier New" panose="02070309020205020404" pitchFamily="49" charset="0"/>
+                          <a:ea typeface="+mn-ea"/>
+                          <a:cs typeface="Courier New" panose="02070309020205020404" pitchFamily="49" charset="0"/>
+                        </a:rPr>
+                        <a:t> </a:t>
+                      </a:r>
+                      <a:r>
+                        <a:rPr lang="en-US" sz="900" b="0" i="0" u="none" strike="noStrike" kern="1200" dirty="0" err="1">
+                          <a:solidFill>
+                            <a:schemeClr val="tx1"/>
+                          </a:solidFill>
+                          <a:effectLst/>
+                          <a:latin typeface="Courier New" panose="02070309020205020404" pitchFamily="49" charset="0"/>
+                          <a:ea typeface="+mn-ea"/>
+                          <a:cs typeface="Courier New" panose="02070309020205020404" pitchFamily="49" charset="0"/>
+                        </a:rPr>
+                        <a:t>ce</a:t>
+                      </a:r>
+                      <a:r>
+                        <a:rPr lang="en-US" sz="900" b="0" i="0" u="none" strike="noStrike" kern="1200" dirty="0">
+                          <a:solidFill>
+                            <a:schemeClr val="tx1"/>
+                          </a:solidFill>
+                          <a:effectLst/>
+                          <a:latin typeface="Courier New" panose="02070309020205020404" pitchFamily="49" charset="0"/>
+                          <a:ea typeface="+mn-ea"/>
+                          <a:cs typeface="Courier New" panose="02070309020205020404" pitchFamily="49" charset="0"/>
+                        </a:rPr>
+                        <a:t> </a:t>
+                      </a:r>
+                      <a:r>
+                        <a:rPr lang="en-US" sz="900" b="0" i="0" u="none" strike="noStrike" kern="1200" dirty="0" err="1">
+                          <a:solidFill>
+                            <a:schemeClr val="tx1"/>
+                          </a:solidFill>
+                          <a:effectLst/>
+                          <a:latin typeface="Courier New" panose="02070309020205020404" pitchFamily="49" charset="0"/>
+                          <a:ea typeface="+mn-ea"/>
+                          <a:cs typeface="Courier New" panose="02070309020205020404" pitchFamily="49" charset="0"/>
+                        </a:rPr>
+                        <a:t>corespunde</a:t>
+                      </a:r>
+                      <a:r>
+                        <a:rPr lang="en-US" sz="900" b="0" i="0" u="none" strike="noStrike" kern="1200" dirty="0">
+                          <a:solidFill>
+                            <a:schemeClr val="tx1"/>
+                          </a:solidFill>
+                          <a:effectLst/>
+                          <a:latin typeface="Courier New" panose="02070309020205020404" pitchFamily="49" charset="0"/>
+                          <a:ea typeface="+mn-ea"/>
+                          <a:cs typeface="Courier New" panose="02070309020205020404" pitchFamily="49" charset="0"/>
+                        </a:rPr>
+                        <a:t> </a:t>
+                      </a:r>
+                      <a:r>
+                        <a:rPr lang="en-US" sz="900" b="0" i="0" u="none" strike="noStrike" kern="1200" dirty="0" err="1">
+                          <a:solidFill>
+                            <a:schemeClr val="tx1"/>
+                          </a:solidFill>
+                          <a:effectLst/>
+                          <a:latin typeface="Courier New" panose="02070309020205020404" pitchFamily="49" charset="0"/>
+                          <a:ea typeface="+mn-ea"/>
+                          <a:cs typeface="Courier New" panose="02070309020205020404" pitchFamily="49" charset="0"/>
+                        </a:rPr>
+                        <a:t>categoriei</a:t>
+                      </a:r>
+                      <a:r>
+                        <a:rPr lang="en-US" sz="900" b="0" i="0" u="none" strike="noStrike" kern="1200" dirty="0">
+                          <a:solidFill>
+                            <a:schemeClr val="tx1"/>
+                          </a:solidFill>
+                          <a:effectLst/>
+                          <a:latin typeface="Courier New" panose="02070309020205020404" pitchFamily="49" charset="0"/>
+                          <a:ea typeface="+mn-ea"/>
+                          <a:cs typeface="Courier New" panose="02070309020205020404" pitchFamily="49" charset="0"/>
+                        </a:rPr>
+                        <a:t> a IV [[IUCN]] (</a:t>
+                      </a:r>
+                      <a:r>
+                        <a:rPr lang="en-US" sz="900" b="0" i="0" u="none" strike="noStrike" kern="1200" dirty="0" err="1">
+                          <a:solidFill>
+                            <a:schemeClr val="tx1"/>
+                          </a:solidFill>
+                          <a:effectLst/>
+                          <a:latin typeface="Courier New" panose="02070309020205020404" pitchFamily="49" charset="0"/>
+                          <a:ea typeface="+mn-ea"/>
+                          <a:cs typeface="Courier New" panose="02070309020205020404" pitchFamily="49" charset="0"/>
+                        </a:rPr>
+                        <a:t>rezervație</a:t>
+                      </a:r>
+                      <a:r>
+                        <a:rPr lang="en-US" sz="900" b="0" i="0" u="none" strike="noStrike" kern="1200" dirty="0">
+                          <a:solidFill>
+                            <a:schemeClr val="tx1"/>
+                          </a:solidFill>
+                          <a:effectLst/>
+                          <a:latin typeface="Courier New" panose="02070309020205020404" pitchFamily="49" charset="0"/>
+                          <a:ea typeface="+mn-ea"/>
+                          <a:cs typeface="Courier New" panose="02070309020205020404" pitchFamily="49" charset="0"/>
+                        </a:rPr>
+                        <a:t> </a:t>
+                      </a:r>
+                      <a:r>
+                        <a:rPr lang="en-US" sz="900" b="0" i="0" u="none" strike="noStrike" kern="1200" dirty="0" err="1">
+                          <a:solidFill>
+                            <a:schemeClr val="tx1"/>
+                          </a:solidFill>
+                          <a:effectLst/>
+                          <a:latin typeface="Courier New" panose="02070309020205020404" pitchFamily="49" charset="0"/>
+                          <a:ea typeface="+mn-ea"/>
+                          <a:cs typeface="Courier New" panose="02070309020205020404" pitchFamily="49" charset="0"/>
+                        </a:rPr>
+                        <a:t>naturală</a:t>
+                      </a:r>
+                      <a:r>
+                        <a:rPr lang="en-US" sz="900" b="0" i="0" u="none" strike="noStrike" kern="1200" dirty="0">
+                          <a:solidFill>
+                            <a:schemeClr val="tx1"/>
+                          </a:solidFill>
+                          <a:effectLst/>
+                          <a:latin typeface="Courier New" panose="02070309020205020404" pitchFamily="49" charset="0"/>
+                          <a:ea typeface="+mn-ea"/>
+                          <a:cs typeface="Courier New" panose="02070309020205020404" pitchFamily="49" charset="0"/>
+                        </a:rPr>
+                        <a:t> de tip mixt), </a:t>
+                      </a:r>
+                      <a:r>
+                        <a:rPr lang="en-US" sz="900" b="0" i="0" u="none" strike="noStrike" kern="1200" dirty="0" err="1">
+                          <a:solidFill>
+                            <a:schemeClr val="tx1"/>
+                          </a:solidFill>
+                          <a:effectLst/>
+                          <a:latin typeface="Courier New" panose="02070309020205020404" pitchFamily="49" charset="0"/>
+                          <a:ea typeface="+mn-ea"/>
+                          <a:cs typeface="Courier New" panose="02070309020205020404" pitchFamily="49" charset="0"/>
+                        </a:rPr>
+                        <a:t>situată</a:t>
+                      </a:r>
+                      <a:r>
+                        <a:rPr lang="en-US" sz="900" b="0" i="0" u="none" strike="noStrike" kern="1200" dirty="0">
+                          <a:solidFill>
+                            <a:schemeClr val="tx1"/>
+                          </a:solidFill>
+                          <a:effectLst/>
+                          <a:latin typeface="Courier New" panose="02070309020205020404" pitchFamily="49" charset="0"/>
+                          <a:ea typeface="+mn-ea"/>
+                          <a:cs typeface="Courier New" panose="02070309020205020404" pitchFamily="49" charset="0"/>
+                        </a:rPr>
+                        <a:t> </a:t>
+                      </a:r>
+                      <a:r>
+                        <a:rPr lang="en-US" sz="900" b="0" i="0" u="none" strike="noStrike" kern="1200" dirty="0" err="1">
+                          <a:solidFill>
+                            <a:schemeClr val="tx1"/>
+                          </a:solidFill>
+                          <a:effectLst/>
+                          <a:latin typeface="Courier New" panose="02070309020205020404" pitchFamily="49" charset="0"/>
+                          <a:ea typeface="+mn-ea"/>
+                          <a:cs typeface="Courier New" panose="02070309020205020404" pitchFamily="49" charset="0"/>
+                        </a:rPr>
+                        <a:t>în</a:t>
+                      </a:r>
+                      <a:r>
+                        <a:rPr lang="en-US" sz="900" b="0" i="0" u="none" strike="noStrike" kern="1200" dirty="0">
+                          <a:solidFill>
+                            <a:schemeClr val="tx1"/>
+                          </a:solidFill>
+                          <a:effectLst/>
+                          <a:latin typeface="Courier New" panose="02070309020205020404" pitchFamily="49" charset="0"/>
+                          <a:ea typeface="+mn-ea"/>
+                          <a:cs typeface="Courier New" panose="02070309020205020404" pitchFamily="49" charset="0"/>
+                        </a:rPr>
+                        <a:t> [[Banat]], </a:t>
+                      </a:r>
+                      <a:r>
+                        <a:rPr lang="en-US" sz="900" b="0" i="0" u="none" strike="noStrike" kern="1200" dirty="0" err="1">
+                          <a:solidFill>
+                            <a:schemeClr val="tx1"/>
+                          </a:solidFill>
+                          <a:effectLst/>
+                          <a:latin typeface="Courier New" panose="02070309020205020404" pitchFamily="49" charset="0"/>
+                          <a:ea typeface="+mn-ea"/>
+                          <a:cs typeface="Courier New" panose="02070309020205020404" pitchFamily="49" charset="0"/>
+                        </a:rPr>
+                        <a:t>pe</a:t>
+                      </a:r>
+                      <a:r>
+                        <a:rPr lang="en-US" sz="900" b="0" i="0" u="none" strike="noStrike" kern="1200" dirty="0">
+                          <a:solidFill>
+                            <a:schemeClr val="tx1"/>
+                          </a:solidFill>
+                          <a:effectLst/>
+                          <a:latin typeface="Courier New" panose="02070309020205020404" pitchFamily="49" charset="0"/>
+                          <a:ea typeface="+mn-ea"/>
+                          <a:cs typeface="Courier New" panose="02070309020205020404" pitchFamily="49" charset="0"/>
+                        </a:rPr>
+                        <a:t> </a:t>
+                      </a:r>
+                      <a:r>
+                        <a:rPr lang="en-US" sz="900" b="0" i="0" u="none" strike="noStrike" kern="1200" dirty="0" err="1">
+                          <a:solidFill>
+                            <a:schemeClr val="tx1"/>
+                          </a:solidFill>
+                          <a:effectLst/>
+                          <a:latin typeface="Courier New" panose="02070309020205020404" pitchFamily="49" charset="0"/>
+                          <a:ea typeface="+mn-ea"/>
+                          <a:cs typeface="Courier New" panose="02070309020205020404" pitchFamily="49" charset="0"/>
+                        </a:rPr>
+                        <a:t>teritoriul</a:t>
+                      </a:r>
+                      <a:r>
+                        <a:rPr lang="en-US" sz="900" b="0" i="0" u="none" strike="noStrike" kern="1200" dirty="0">
+                          <a:solidFill>
+                            <a:schemeClr val="tx1"/>
+                          </a:solidFill>
+                          <a:effectLst/>
+                          <a:latin typeface="Courier New" panose="02070309020205020404" pitchFamily="49" charset="0"/>
+                          <a:ea typeface="+mn-ea"/>
+                          <a:cs typeface="Courier New" panose="02070309020205020404" pitchFamily="49" charset="0"/>
+                        </a:rPr>
+                        <a:t> </a:t>
+                      </a:r>
+                      <a:r>
+                        <a:rPr lang="en-US" sz="900" b="0" i="0" u="none" strike="noStrike" kern="1200" dirty="0" err="1">
+                          <a:solidFill>
+                            <a:schemeClr val="tx1"/>
+                          </a:solidFill>
+                          <a:effectLst/>
+                          <a:latin typeface="Courier New" panose="02070309020205020404" pitchFamily="49" charset="0"/>
+                          <a:ea typeface="+mn-ea"/>
+                          <a:cs typeface="Courier New" panose="02070309020205020404" pitchFamily="49" charset="0"/>
+                        </a:rPr>
+                        <a:t>județuli</a:t>
+                      </a:r>
+                      <a:r>
+                        <a:rPr lang="en-US" sz="900" b="0" i="0" u="none" strike="noStrike" kern="1200" dirty="0">
+                          <a:solidFill>
+                            <a:schemeClr val="tx1"/>
+                          </a:solidFill>
+                          <a:effectLst/>
+                          <a:latin typeface="Courier New" panose="02070309020205020404" pitchFamily="49" charset="0"/>
+                          <a:ea typeface="+mn-ea"/>
+                          <a:cs typeface="Courier New" panose="02070309020205020404" pitchFamily="49" charset="0"/>
+                        </a:rPr>
+                        <a:t> [[</a:t>
+                      </a:r>
+                      <a:r>
+                        <a:rPr lang="en-US" sz="900" b="0" i="0" u="none" strike="noStrike" kern="1200" dirty="0" err="1">
+                          <a:solidFill>
+                            <a:schemeClr val="tx1"/>
+                          </a:solidFill>
+                          <a:effectLst/>
+                          <a:latin typeface="Courier New" panose="02070309020205020404" pitchFamily="49" charset="0"/>
+                          <a:ea typeface="+mn-ea"/>
+                          <a:cs typeface="Courier New" panose="02070309020205020404" pitchFamily="49" charset="0"/>
+                        </a:rPr>
+                        <a:t>Județul</a:t>
+                      </a:r>
+                      <a:r>
+                        <a:rPr lang="en-US" sz="900" b="0" i="0" u="none" strike="noStrike" kern="1200" dirty="0">
+                          <a:solidFill>
+                            <a:schemeClr val="tx1"/>
+                          </a:solidFill>
+                          <a:effectLst/>
+                          <a:latin typeface="Courier New" panose="02070309020205020404" pitchFamily="49" charset="0"/>
+                          <a:ea typeface="+mn-ea"/>
+                          <a:cs typeface="Courier New" panose="02070309020205020404" pitchFamily="49" charset="0"/>
+                        </a:rPr>
+                        <a:t> </a:t>
+                      </a:r>
+                      <a:r>
+                        <a:rPr lang="en-US" sz="900" b="0" i="0" u="none" strike="noStrike" kern="1200" dirty="0" err="1">
+                          <a:solidFill>
+                            <a:schemeClr val="tx1"/>
+                          </a:solidFill>
+                          <a:effectLst/>
+                          <a:latin typeface="Courier New" panose="02070309020205020404" pitchFamily="49" charset="0"/>
+                          <a:ea typeface="+mn-ea"/>
+                          <a:cs typeface="Courier New" panose="02070309020205020404" pitchFamily="49" charset="0"/>
+                        </a:rPr>
+                        <a:t>Caraș-Severin|Caraș-Severin</a:t>
+                      </a:r>
+                      <a:r>
+                        <a:rPr lang="en-US" sz="900" b="0" i="0" u="none" strike="noStrike" kern="1200" dirty="0">
+                          <a:solidFill>
+                            <a:schemeClr val="tx1"/>
+                          </a:solidFill>
+                          <a:effectLst/>
+                          <a:latin typeface="Courier New" panose="02070309020205020404" pitchFamily="49" charset="0"/>
+                          <a:ea typeface="+mn-ea"/>
+                          <a:cs typeface="Courier New" panose="02070309020205020404" pitchFamily="49" charset="0"/>
+                        </a:rPr>
+                        <a:t>]]&lt;ref&gt;[http://www.protectedplanet.net/sites/183539 ProtectedPlanet.net - </a:t>
+                      </a:r>
+                      <a:r>
+                        <a:rPr lang="en-US" sz="900" b="0" i="0" u="none" strike="noStrike" kern="1200" dirty="0" err="1">
+                          <a:solidFill>
+                            <a:schemeClr val="tx1"/>
+                          </a:solidFill>
+                          <a:effectLst/>
+                          <a:latin typeface="Courier New" panose="02070309020205020404" pitchFamily="49" charset="0"/>
+                          <a:ea typeface="+mn-ea"/>
+                          <a:cs typeface="Courier New" panose="02070309020205020404" pitchFamily="49" charset="0"/>
+                        </a:rPr>
+                        <a:t>Cheile</a:t>
+                      </a:r>
+                      <a:r>
+                        <a:rPr lang="en-US" sz="900" b="0" i="0" u="none" strike="noStrike" kern="1200" dirty="0">
+                          <a:solidFill>
+                            <a:schemeClr val="tx1"/>
+                          </a:solidFill>
+                          <a:effectLst/>
+                          <a:latin typeface="Courier New" panose="02070309020205020404" pitchFamily="49" charset="0"/>
+                          <a:ea typeface="+mn-ea"/>
+                          <a:cs typeface="Courier New" panose="02070309020205020404" pitchFamily="49" charset="0"/>
+                        </a:rPr>
+                        <a:t> </a:t>
+                      </a:r>
+                      <a:r>
+                        <a:rPr lang="en-US" sz="900" b="0" i="0" u="none" strike="noStrike" kern="1200" dirty="0" err="1">
+                          <a:solidFill>
+                            <a:schemeClr val="tx1"/>
+                          </a:solidFill>
+                          <a:effectLst/>
+                          <a:latin typeface="Courier New" panose="02070309020205020404" pitchFamily="49" charset="0"/>
+                          <a:ea typeface="+mn-ea"/>
+                          <a:cs typeface="Courier New" panose="02070309020205020404" pitchFamily="49" charset="0"/>
+                        </a:rPr>
+                        <a:t>Șușarei</a:t>
+                      </a:r>
+                      <a:r>
+                        <a:rPr lang="en-US" sz="900" b="0" i="0" u="none" strike="noStrike" kern="1200" dirty="0">
+                          <a:solidFill>
+                            <a:schemeClr val="tx1"/>
+                          </a:solidFill>
+                          <a:effectLst/>
+                          <a:latin typeface="Courier New" panose="02070309020205020404" pitchFamily="49" charset="0"/>
+                          <a:ea typeface="+mn-ea"/>
+                          <a:cs typeface="Courier New" panose="02070309020205020404" pitchFamily="49" charset="0"/>
+                        </a:rPr>
+                        <a:t> - </a:t>
+                      </a:r>
+                      <a:r>
+                        <a:rPr lang="en-US" sz="900" b="0" i="0" u="none" strike="noStrike" kern="1200" dirty="0" err="1">
+                          <a:solidFill>
+                            <a:schemeClr val="tx1"/>
+                          </a:solidFill>
+                          <a:effectLst/>
+                          <a:latin typeface="Courier New" panose="02070309020205020404" pitchFamily="49" charset="0"/>
+                          <a:ea typeface="+mn-ea"/>
+                          <a:cs typeface="Courier New" panose="02070309020205020404" pitchFamily="49" charset="0"/>
+                        </a:rPr>
+                        <a:t>delimitarea</a:t>
+                      </a:r>
+                      <a:r>
+                        <a:rPr lang="en-US" sz="900" b="0" i="0" u="none" strike="noStrike" kern="1200" dirty="0">
+                          <a:solidFill>
+                            <a:schemeClr val="tx1"/>
+                          </a:solidFill>
+                          <a:effectLst/>
+                          <a:latin typeface="Courier New" panose="02070309020205020404" pitchFamily="49" charset="0"/>
+                          <a:ea typeface="+mn-ea"/>
+                          <a:cs typeface="Courier New" panose="02070309020205020404" pitchFamily="49" charset="0"/>
+                        </a:rPr>
+                        <a:t> </a:t>
+                      </a:r>
+                      <a:r>
+                        <a:rPr lang="en-US" sz="900" b="0" i="0" u="none" strike="noStrike" kern="1200" dirty="0" err="1">
+                          <a:solidFill>
+                            <a:schemeClr val="tx1"/>
+                          </a:solidFill>
+                          <a:effectLst/>
+                          <a:latin typeface="Courier New" panose="02070309020205020404" pitchFamily="49" charset="0"/>
+                          <a:ea typeface="+mn-ea"/>
+                          <a:cs typeface="Courier New" panose="02070309020205020404" pitchFamily="49" charset="0"/>
+                        </a:rPr>
+                        <a:t>ariei</a:t>
+                      </a:r>
+                      <a:r>
+                        <a:rPr lang="en-US" sz="900" b="0" i="0" u="none" strike="noStrike" kern="1200" dirty="0">
+                          <a:solidFill>
+                            <a:schemeClr val="tx1"/>
+                          </a:solidFill>
+                          <a:effectLst/>
+                          <a:latin typeface="Courier New" panose="02070309020205020404" pitchFamily="49" charset="0"/>
+                          <a:ea typeface="+mn-ea"/>
+                          <a:cs typeface="Courier New" panose="02070309020205020404" pitchFamily="49" charset="0"/>
+                        </a:rPr>
+                        <a:t> </a:t>
+                      </a:r>
+                      <a:r>
+                        <a:rPr lang="en-US" sz="900" b="0" i="0" u="none" strike="noStrike" kern="1200" dirty="0" err="1">
+                          <a:solidFill>
+                            <a:schemeClr val="tx1"/>
+                          </a:solidFill>
+                          <a:effectLst/>
+                          <a:latin typeface="Courier New" panose="02070309020205020404" pitchFamily="49" charset="0"/>
+                          <a:ea typeface="+mn-ea"/>
+                          <a:cs typeface="Courier New" panose="02070309020205020404" pitchFamily="49" charset="0"/>
+                        </a:rPr>
+                        <a:t>protejate</a:t>
+                      </a:r>
+                      <a:r>
+                        <a:rPr lang="en-US" sz="900" b="0" i="0" u="none" strike="noStrike" kern="1200" dirty="0">
+                          <a:solidFill>
+                            <a:schemeClr val="tx1"/>
+                          </a:solidFill>
+                          <a:effectLst/>
+                          <a:latin typeface="Courier New" panose="02070309020205020404" pitchFamily="49" charset="0"/>
+                          <a:ea typeface="+mn-ea"/>
+                          <a:cs typeface="Courier New" panose="02070309020205020404" pitchFamily="49" charset="0"/>
+                        </a:rPr>
+                        <a:t>], </a:t>
+                      </a:r>
+                      <a:r>
+                        <a:rPr lang="en-US" sz="900" b="0" i="0" u="none" strike="noStrike" kern="1200" dirty="0" err="1">
+                          <a:solidFill>
+                            <a:schemeClr val="tx1"/>
+                          </a:solidFill>
+                          <a:effectLst/>
+                          <a:latin typeface="Courier New" panose="02070309020205020404" pitchFamily="49" charset="0"/>
+                          <a:ea typeface="+mn-ea"/>
+                          <a:cs typeface="Courier New" panose="02070309020205020404" pitchFamily="49" charset="0"/>
+                        </a:rPr>
+                        <a:t>accesat</a:t>
+                      </a:r>
+                      <a:r>
+                        <a:rPr lang="en-US" sz="900" b="0" i="0" u="none" strike="noStrike" kern="1200" dirty="0">
+                          <a:solidFill>
+                            <a:schemeClr val="tx1"/>
+                          </a:solidFill>
+                          <a:effectLst/>
+                          <a:latin typeface="Courier New" panose="02070309020205020404" pitchFamily="49" charset="0"/>
+                          <a:ea typeface="+mn-ea"/>
+                          <a:cs typeface="Courier New" panose="02070309020205020404" pitchFamily="49" charset="0"/>
+                        </a:rPr>
+                        <a:t> la 10 </a:t>
+                      </a:r>
+                      <a:r>
+                        <a:rPr lang="en-US" sz="900" b="0" i="0" u="none" strike="noStrike" kern="1200" dirty="0" err="1">
+                          <a:solidFill>
+                            <a:schemeClr val="tx1"/>
+                          </a:solidFill>
+                          <a:effectLst/>
+                          <a:latin typeface="Courier New" panose="02070309020205020404" pitchFamily="49" charset="0"/>
+                          <a:ea typeface="+mn-ea"/>
+                          <a:cs typeface="Courier New" panose="02070309020205020404" pitchFamily="49" charset="0"/>
+                        </a:rPr>
+                        <a:t>martie</a:t>
+                      </a:r>
+                      <a:r>
+                        <a:rPr lang="en-US" sz="900" b="0" i="0" u="none" strike="noStrike" kern="1200" dirty="0">
+                          <a:solidFill>
+                            <a:schemeClr val="tx1"/>
+                          </a:solidFill>
+                          <a:effectLst/>
+                          <a:latin typeface="Courier New" panose="02070309020205020404" pitchFamily="49" charset="0"/>
+                          <a:ea typeface="+mn-ea"/>
+                          <a:cs typeface="Courier New" panose="02070309020205020404" pitchFamily="49" charset="0"/>
+                        </a:rPr>
+                        <a:t> 2012&lt;/ref&gt;.</a:t>
+                      </a:r>
+                      <a:endParaRPr lang="en-US" sz="900" dirty="0">
+                        <a:solidFill>
+                          <a:schemeClr val="tx1"/>
+                        </a:solidFill>
+                        <a:effectLst/>
+                        <a:latin typeface="Courier New" panose="02070309020205020404" pitchFamily="49" charset="0"/>
+                        <a:cs typeface="Courier New" panose="02070309020205020404" pitchFamily="49" charset="0"/>
+                      </a:endParaRPr>
+                    </a:p>
+                    <a:p>
+                      <a:endParaRPr lang="en-150" sz="900" dirty="0">
+                        <a:solidFill>
+                          <a:schemeClr val="tx1"/>
+                        </a:solidFill>
+                        <a:latin typeface="Courier New" panose="02070309020205020404" pitchFamily="49" charset="0"/>
+                        <a:cs typeface="Courier New" panose="02070309020205020404" pitchFamily="49" charset="0"/>
+                      </a:endParaRPr>
+                    </a:p>
+                  </a:txBody>
+                  <a:tcPr/>
+                </a:tc>
+                <a:extLst>
+                  <a:ext uri="{0D108BD9-81ED-4DB2-BD59-A6C34878D82A}">
+                    <a16:rowId xmlns:a16="http://schemas.microsoft.com/office/drawing/2014/main" val="1625287975"/>
+                  </a:ext>
+                </a:extLst>
+              </a:tr>
+            </a:tbl>
+          </a:graphicData>
+        </a:graphic>
+      </p:graphicFrame>
     </p:spTree>
     <p:extLst>
       <p:ext uri="{BB962C8B-B14F-4D97-AF65-F5344CB8AC3E}">
-        <p14:creationId xmlns:p14="http://schemas.microsoft.com/office/powerpoint/2010/main" val="385091110"/>
+        <p14:creationId xmlns:p14="http://schemas.microsoft.com/office/powerpoint/2010/main" val="3481703133"/>
       </p:ext>
     </p:extLst>
   </p:cSld>
@@ -14467,7 +20893,7 @@
           <p:cNvPr id="2" name="Titlu 1">
             <a:extLst>
               <a:ext uri="{FF2B5EF4-FFF2-40B4-BE49-F238E27FC236}">
-                <a16:creationId xmlns:a16="http://schemas.microsoft.com/office/drawing/2014/main" id="{B3E1011E-2D47-4111-AC82-1B94CF6AE9B6}"/>
+                <a16:creationId xmlns:a16="http://schemas.microsoft.com/office/drawing/2014/main" id="{D6ED1C3F-A225-43AD-B6C3-CE6C98DE299C}"/>
               </a:ext>
             </a:extLst>
           </p:cNvPr>
@@ -14485,7 +20911,15 @@
           <a:p>
             <a:r>
               <a:rPr lang="en-US" dirty="0" err="1"/>
-              <a:t>Preprocesare</a:t>
+              <a:t>Antrenarea</a:t>
+            </a:r>
+            <a:r>
+              <a:rPr lang="en-US" dirty="0"/>
+              <a:t> </a:t>
+            </a:r>
+            <a:r>
+              <a:rPr lang="en-US" dirty="0" err="1"/>
+              <a:t>datelor</a:t>
             </a:r>
             <a:endParaRPr lang="en-150" dirty="0"/>
           </a:p>
@@ -14496,7 +20930,7 @@
           <p:cNvPr id="3" name="Substituent conținut 2">
             <a:extLst>
               <a:ext uri="{FF2B5EF4-FFF2-40B4-BE49-F238E27FC236}">
-                <a16:creationId xmlns:a16="http://schemas.microsoft.com/office/drawing/2014/main" id="{2C362264-C1BE-49DF-AC3D-A730225FC614}"/>
+                <a16:creationId xmlns:a16="http://schemas.microsoft.com/office/drawing/2014/main" id="{22056C02-EFD8-4AB5-8F33-3B88475FAA5A}"/>
               </a:ext>
             </a:extLst>
           </p:cNvPr>
@@ -14514,38 +20948,27 @@
           <a:p>
             <a:r>
               <a:rPr lang="en-US" dirty="0" err="1"/>
-              <a:t>Extragere</a:t>
-            </a:r>
-            <a:r>
-              <a:rPr lang="en-US" dirty="0"/>
-              <a:t> plaintext</a:t>
-            </a:r>
-            <a:r>
-              <a:rPr lang="ro-RO" dirty="0"/>
-              <a:t> (</a:t>
-            </a:r>
-            <a:r>
-              <a:rPr lang="ro-RO" dirty="0" err="1"/>
-              <a:t>WikiExtractor</a:t>
-            </a:r>
-            <a:r>
-              <a:rPr lang="ro-RO" dirty="0"/>
-              <a:t> + </a:t>
-            </a:r>
-            <a:r>
-              <a:rPr lang="ro-RO" dirty="0" err="1"/>
-              <a:t>RegEx</a:t>
-            </a:r>
-            <a:r>
-              <a:rPr lang="ro-RO" dirty="0"/>
-              <a:t>)</a:t>
+              <a:t>Preprocesare</a:t>
             </a:r>
             <a:endParaRPr lang="en-US" dirty="0"/>
           </a:p>
           <a:p>
+            <a:endParaRPr lang="en-US" dirty="0"/>
+          </a:p>
+          <a:p>
             <a:r>
               <a:rPr lang="en-US" dirty="0" err="1"/>
-              <a:t>Normalizarea</a:t>
+              <a:t>Antrenare</a:t>
+            </a:r>
+            <a:endParaRPr lang="en-US" dirty="0"/>
+          </a:p>
+          <a:p>
+            <a:endParaRPr lang="en-US" dirty="0"/>
+          </a:p>
+          <a:p>
+            <a:r>
+              <a:rPr lang="en-US" dirty="0" err="1"/>
+              <a:t>Analizarea</a:t>
             </a:r>
             <a:r>
               <a:rPr lang="en-US" dirty="0"/>
@@ -14553,31 +20976,8 @@
             </a:r>
             <a:r>
               <a:rPr lang="en-US" dirty="0" err="1"/>
-              <a:t>textului</a:t>
-            </a:r>
-            <a:r>
-              <a:rPr lang="ro-RO" dirty="0"/>
-              <a:t> (diacritice)</a:t>
-            </a:r>
-            <a:endParaRPr lang="en-US" dirty="0"/>
-          </a:p>
-          <a:p>
-            <a:r>
-              <a:rPr lang="en-US" dirty="0" err="1"/>
-              <a:t>Stopword</a:t>
-            </a:r>
-            <a:r>
-              <a:rPr lang="en-US" dirty="0"/>
-              <a:t> removal</a:t>
-            </a:r>
-          </a:p>
-          <a:p>
-            <a:r>
-              <a:rPr lang="en-US" dirty="0"/>
-              <a:t>Stemming</a:t>
-            </a:r>
-          </a:p>
-          <a:p>
+              <a:t>rezultatelor</a:t>
+            </a:r>
             <a:endParaRPr lang="en-150" dirty="0"/>
           </a:p>
         </p:txBody>
@@ -14585,7 +20985,7 @@
     </p:spTree>
     <p:extLst>
       <p:ext uri="{BB962C8B-B14F-4D97-AF65-F5344CB8AC3E}">
-        <p14:creationId xmlns:p14="http://schemas.microsoft.com/office/powerpoint/2010/main" val="3342104314"/>
+        <p14:creationId xmlns:p14="http://schemas.microsoft.com/office/powerpoint/2010/main" val="385091110"/>
       </p:ext>
     </p:extLst>
   </p:cSld>

--- a/Prezentare -Colban Mihai.pptx
+++ b/Prezentare -Colban Mihai.pptx
@@ -14168,7 +14168,7 @@
           <p:nvPr>
             <p:extLst>
               <p:ext uri="{D42A27DB-BD31-4B8C-83A1-F6EECF244321}">
-                <p14:modId xmlns:p14="http://schemas.microsoft.com/office/powerpoint/2010/main" val="1902934398"/>
+                <p14:modId xmlns:p14="http://schemas.microsoft.com/office/powerpoint/2010/main" val="2907160199"/>
               </p:ext>
             </p:extLst>
           </p:nvPr>
@@ -14215,57 +14215,121 @@
                     </a:p>
                     <a:p>
                       <a:r>
-                        <a:rPr lang="en-US" b="0" dirty="0" err="1">
-                          <a:solidFill>
-                            <a:schemeClr val="tx1"/>
-                          </a:solidFill>
-                          <a:latin typeface="Courier New" panose="02070309020205020404" pitchFamily="49" charset="0"/>
-                          <a:cs typeface="Courier New" panose="02070309020205020404" pitchFamily="49" charset="0"/>
-                        </a:rPr>
-                        <a:t>izolat_bruttium</a:t>
-                      </a:r>
-                      <a:r>
-                        <a:rPr lang="en-US" b="0" dirty="0">
-                          <a:solidFill>
-                            <a:schemeClr val="tx1"/>
-                          </a:solidFill>
-                          <a:latin typeface="Courier New" panose="02070309020205020404" pitchFamily="49" charset="0"/>
-                          <a:cs typeface="Courier New" panose="02070309020205020404" pitchFamily="49" charset="0"/>
-                        </a:rPr>
-                        <a:t> </a:t>
-                      </a:r>
-                      <a:r>
-                        <a:rPr lang="en-US" dirty="0">
-                          <a:solidFill>
-                            <a:schemeClr val="tx1"/>
-                          </a:solidFill>
-                          <a:latin typeface="Courier New" panose="02070309020205020404" pitchFamily="49" charset="0"/>
-                          <a:cs typeface="Courier New" panose="02070309020205020404" pitchFamily="49" charset="0"/>
-                        </a:rPr>
-                        <a:t>0,6256754</a:t>
-                      </a:r>
+                        <a:rPr lang="ro-RO" b="0" dirty="0" smtClean="0">
+                          <a:solidFill>
+                            <a:schemeClr val="tx1"/>
+                          </a:solidFill>
+                          <a:latin typeface="Courier New" panose="02070309020205020404" pitchFamily="49" charset="0"/>
+                          <a:cs typeface="Courier New" panose="02070309020205020404" pitchFamily="49" charset="0"/>
+                        </a:rPr>
+                        <a:t>potocki           </a:t>
+                      </a:r>
+                      <a:r>
+                        <a:rPr lang="en-US" dirty="0" smtClean="0">
+                          <a:solidFill>
+                            <a:schemeClr val="tx1"/>
+                          </a:solidFill>
+                          <a:latin typeface="Courier New" panose="02070309020205020404" pitchFamily="49" charset="0"/>
+                          <a:cs typeface="Courier New" panose="02070309020205020404" pitchFamily="49" charset="0"/>
+                        </a:rPr>
+                        <a:t>0,6</a:t>
+                      </a:r>
+                      <a:r>
+                        <a:rPr lang="ro-RO" dirty="0" smtClean="0">
+                          <a:solidFill>
+                            <a:schemeClr val="tx1"/>
+                          </a:solidFill>
+                          <a:latin typeface="Courier New" panose="02070309020205020404" pitchFamily="49" charset="0"/>
+                          <a:cs typeface="Courier New" panose="02070309020205020404" pitchFamily="49" charset="0"/>
+                        </a:rPr>
+                        <a:t>67</a:t>
+                      </a:r>
+                      <a:r>
+                        <a:rPr lang="en-US" dirty="0" smtClean="0">
+                          <a:solidFill>
+                            <a:schemeClr val="tx1"/>
+                          </a:solidFill>
+                          <a:latin typeface="Courier New" panose="02070309020205020404" pitchFamily="49" charset="0"/>
+                          <a:cs typeface="Courier New" panose="02070309020205020404" pitchFamily="49" charset="0"/>
+                        </a:rPr>
+                        <a:t>6754</a:t>
+                      </a:r>
+                      <a:endParaRPr lang="en-US" dirty="0">
+                        <a:solidFill>
+                          <a:schemeClr val="tx1"/>
+                        </a:solidFill>
+                        <a:latin typeface="Courier New" panose="02070309020205020404" pitchFamily="49" charset="0"/>
+                        <a:cs typeface="Courier New" panose="02070309020205020404" pitchFamily="49" charset="0"/>
+                      </a:endParaRPr>
                     </a:p>
                     <a:p>
                       <a:r>
-                        <a:rPr lang="en-US" b="0" dirty="0">
-                          <a:solidFill>
-                            <a:schemeClr val="tx1"/>
-                          </a:solidFill>
-                          <a:latin typeface="Courier New" panose="02070309020205020404" pitchFamily="49" charset="0"/>
-                          <a:cs typeface="Courier New" panose="02070309020205020404" pitchFamily="49" charset="0"/>
-                        </a:rPr>
-                        <a:t>ziduri_270 </a:t>
-                      </a:r>
-                      <a:r>
-                        <a:rPr lang="en-US" dirty="0">
-                          <a:solidFill>
-                            <a:schemeClr val="tx1"/>
-                          </a:solidFill>
-                          <a:latin typeface="Courier New" panose="02070309020205020404" pitchFamily="49" charset="0"/>
-                          <a:cs typeface="Courier New" panose="02070309020205020404" pitchFamily="49" charset="0"/>
-                        </a:rPr>
-                        <a:t>0,6231904</a:t>
-                      </a:r>
+                        <a:rPr lang="ro-RO" b="0" dirty="0" smtClean="0">
+                          <a:solidFill>
+                            <a:schemeClr val="tx1"/>
+                          </a:solidFill>
+                          <a:latin typeface="Courier New" panose="02070309020205020404" pitchFamily="49" charset="0"/>
+                          <a:cs typeface="Courier New" panose="02070309020205020404" pitchFamily="49" charset="0"/>
+                        </a:rPr>
+                        <a:t>osler     </a:t>
+                      </a:r>
+                      <a:r>
+                        <a:rPr lang="en-US" b="0" dirty="0" smtClean="0">
+                          <a:solidFill>
+                            <a:schemeClr val="tx1"/>
+                          </a:solidFill>
+                          <a:latin typeface="Courier New" panose="02070309020205020404" pitchFamily="49" charset="0"/>
+                          <a:cs typeface="Courier New" panose="02070309020205020404" pitchFamily="49" charset="0"/>
+                        </a:rPr>
+                        <a:t> </a:t>
+                      </a:r>
+                      <a:r>
+                        <a:rPr lang="ro-RO" b="0" dirty="0" smtClean="0">
+                          <a:solidFill>
+                            <a:schemeClr val="tx1"/>
+                          </a:solidFill>
+                          <a:latin typeface="Courier New" panose="02070309020205020404" pitchFamily="49" charset="0"/>
+                          <a:cs typeface="Courier New" panose="02070309020205020404" pitchFamily="49" charset="0"/>
+                        </a:rPr>
+                        <a:t>       </a:t>
+                      </a:r>
+                      <a:r>
+                        <a:rPr lang="en-US" dirty="0" smtClean="0">
+                          <a:solidFill>
+                            <a:schemeClr val="tx1"/>
+                          </a:solidFill>
+                          <a:latin typeface="Courier New" panose="02070309020205020404" pitchFamily="49" charset="0"/>
+                          <a:cs typeface="Courier New" panose="02070309020205020404" pitchFamily="49" charset="0"/>
+                        </a:rPr>
+                        <a:t>0,6</a:t>
+                      </a:r>
+                      <a:r>
+                        <a:rPr lang="ro-RO" dirty="0" smtClean="0">
+                          <a:solidFill>
+                            <a:schemeClr val="tx1"/>
+                          </a:solidFill>
+                          <a:latin typeface="Courier New" panose="02070309020205020404" pitchFamily="49" charset="0"/>
+                          <a:cs typeface="Courier New" panose="02070309020205020404" pitchFamily="49" charset="0"/>
+                        </a:rPr>
+                        <a:t>61</a:t>
+                      </a:r>
+                      <a:r>
+                        <a:rPr lang="en-US" dirty="0" smtClean="0">
+                          <a:solidFill>
+                            <a:schemeClr val="tx1"/>
+                          </a:solidFill>
+                          <a:latin typeface="Courier New" panose="02070309020205020404" pitchFamily="49" charset="0"/>
+                          <a:cs typeface="Courier New" panose="02070309020205020404" pitchFamily="49" charset="0"/>
+                        </a:rPr>
+                        <a:t>1904</a:t>
+                      </a:r>
+                      <a:endParaRPr lang="en-US" dirty="0">
+                        <a:solidFill>
+                          <a:schemeClr val="tx1"/>
+                        </a:solidFill>
+                        <a:latin typeface="Courier New" panose="02070309020205020404" pitchFamily="49" charset="0"/>
+                        <a:cs typeface="Courier New" panose="02070309020205020404" pitchFamily="49" charset="0"/>
+                      </a:endParaRPr>
                     </a:p>
                     <a:p>
                       <a:r>
@@ -14289,7 +14353,17 @@
                         <a:t> </a:t>
                       </a:r>
                       <a:r>
-                        <a:rPr lang="en-US" dirty="0">
+                        <a:rPr lang="ro-RO" b="0" dirty="0" smtClean="0">
+                          <a:solidFill>
+                            <a:schemeClr val="tx1"/>
+                          </a:solidFill>
+                          <a:latin typeface="Courier New" panose="02070309020205020404" pitchFamily="49" charset="0"/>
+                          <a:cs typeface="Courier New" panose="02070309020205020404" pitchFamily="49" charset="0"/>
+                        </a:rPr>
+                        <a:t>    </a:t>
+                      </a:r>
+                      <a:r>
+                        <a:rPr lang="en-US" dirty="0" smtClean="0">
                           <a:solidFill>
                             <a:schemeClr val="tx1"/>
                           </a:solidFill>
@@ -14298,30 +14372,37 @@
                         </a:rPr>
                         <a:t>0,6211057</a:t>
                       </a:r>
+                      <a:endParaRPr lang="en-US" dirty="0">
+                        <a:solidFill>
+                          <a:schemeClr val="tx1"/>
+                        </a:solidFill>
+                        <a:latin typeface="Courier New" panose="02070309020205020404" pitchFamily="49" charset="0"/>
+                        <a:cs typeface="Courier New" panose="02070309020205020404" pitchFamily="49" charset="0"/>
+                      </a:endParaRPr>
                     </a:p>
                     <a:p>
                       <a:r>
-                        <a:rPr lang="en-US" b="0" dirty="0" err="1">
-                          <a:solidFill>
-                            <a:schemeClr val="tx1"/>
-                          </a:solidFill>
-                          <a:latin typeface="Courier New" panose="02070309020205020404" pitchFamily="49" charset="0"/>
-                          <a:cs typeface="Courier New" panose="02070309020205020404" pitchFamily="49" charset="0"/>
-                        </a:rPr>
-                        <a:t>scurtu_căruia</a:t>
-                      </a:r>
-                      <a:r>
-                        <a:rPr lang="en-US" b="0" dirty="0">
-                          <a:solidFill>
-                            <a:schemeClr val="tx1"/>
-                          </a:solidFill>
-                          <a:latin typeface="Courier New" panose="02070309020205020404" pitchFamily="49" charset="0"/>
-                          <a:cs typeface="Courier New" panose="02070309020205020404" pitchFamily="49" charset="0"/>
-                        </a:rPr>
-                        <a:t> </a:t>
-                      </a:r>
-                      <a:r>
-                        <a:rPr lang="en-US" dirty="0">
+                        <a:rPr lang="ro-RO" b="0" dirty="0" smtClean="0">
+                          <a:solidFill>
+                            <a:schemeClr val="tx1"/>
+                          </a:solidFill>
+                          <a:latin typeface="Courier New" panose="02070309020205020404" pitchFamily="49" charset="0"/>
+                          <a:cs typeface="Courier New" panose="02070309020205020404" pitchFamily="49" charset="0"/>
+                        </a:rPr>
+                        <a:t>filosof_englez</a:t>
+                      </a:r>
+                      <a:r>
+                        <a:rPr lang="ro-RO" b="0" baseline="0" dirty="0" smtClean="0">
+                          <a:solidFill>
+                            <a:schemeClr val="tx1"/>
+                          </a:solidFill>
+                          <a:latin typeface="Courier New" panose="02070309020205020404" pitchFamily="49" charset="0"/>
+                          <a:cs typeface="Courier New" panose="02070309020205020404" pitchFamily="49" charset="0"/>
+                        </a:rPr>
+                        <a:t>    </a:t>
+                      </a:r>
+                      <a:r>
+                        <a:rPr lang="en-US" dirty="0" smtClean="0">
                           <a:solidFill>
                             <a:schemeClr val="tx1"/>
                           </a:solidFill>
@@ -14330,6 +14411,13 @@
                         </a:rPr>
                         <a:t>0,6210095</a:t>
                       </a:r>
+                      <a:endParaRPr lang="en-US" dirty="0">
+                        <a:solidFill>
+                          <a:schemeClr val="tx1"/>
+                        </a:solidFill>
+                        <a:latin typeface="Courier New" panose="02070309020205020404" pitchFamily="49" charset="0"/>
+                        <a:cs typeface="Courier New" panose="02070309020205020404" pitchFamily="49" charset="0"/>
+                      </a:endParaRPr>
                     </a:p>
                     <a:p>
                       <a:r>
@@ -14353,7 +14441,17 @@
                         <a:t> </a:t>
                       </a:r>
                       <a:r>
-                        <a:rPr lang="en-US" dirty="0">
+                        <a:rPr lang="ro-RO" b="0" dirty="0" smtClean="0">
+                          <a:solidFill>
+                            <a:schemeClr val="tx1"/>
+                          </a:solidFill>
+                          <a:latin typeface="Courier New" panose="02070309020205020404" pitchFamily="49" charset="0"/>
+                          <a:cs typeface="Courier New" panose="02070309020205020404" pitchFamily="49" charset="0"/>
+                        </a:rPr>
+                        <a:t>   </a:t>
+                      </a:r>
+                      <a:r>
+                        <a:rPr lang="en-US" dirty="0" smtClean="0">
                           <a:solidFill>
                             <a:schemeClr val="tx1"/>
                           </a:solidFill>
@@ -14362,6 +14460,13 @@
                         </a:rPr>
                         <a:t>0,6176957</a:t>
                       </a:r>
+                      <a:endParaRPr lang="en-US" dirty="0">
+                        <a:solidFill>
+                          <a:schemeClr val="tx1"/>
+                        </a:solidFill>
+                        <a:latin typeface="Courier New" panose="02070309020205020404" pitchFamily="49" charset="0"/>
+                        <a:cs typeface="Courier New" panose="02070309020205020404" pitchFamily="49" charset="0"/>
+                      </a:endParaRPr>
                     </a:p>
                     <a:p>
                       <a:r>
@@ -14385,7 +14490,17 @@
                         <a:t> </a:t>
                       </a:r>
                       <a:r>
-                        <a:rPr lang="en-US" dirty="0">
+                        <a:rPr lang="ro-RO" b="0" dirty="0" smtClean="0">
+                          <a:solidFill>
+                            <a:schemeClr val="tx1"/>
+                          </a:solidFill>
+                          <a:latin typeface="Courier New" panose="02070309020205020404" pitchFamily="49" charset="0"/>
+                          <a:cs typeface="Courier New" panose="02070309020205020404" pitchFamily="49" charset="0"/>
+                        </a:rPr>
+                        <a:t>   </a:t>
+                      </a:r>
+                      <a:r>
+                        <a:rPr lang="en-US" dirty="0" smtClean="0">
                           <a:solidFill>
                             <a:schemeClr val="tx1"/>
                           </a:solidFill>
@@ -14394,6 +14509,13 @@
                         </a:rPr>
                         <a:t>0,6102987</a:t>
                       </a:r>
+                      <a:endParaRPr lang="en-US" dirty="0">
+                        <a:solidFill>
+                          <a:schemeClr val="tx1"/>
+                        </a:solidFill>
+                        <a:latin typeface="Courier New" panose="02070309020205020404" pitchFamily="49" charset="0"/>
+                        <a:cs typeface="Courier New" panose="02070309020205020404" pitchFamily="49" charset="0"/>
+                      </a:endParaRPr>
                     </a:p>
                     <a:p>
                       <a:r>
@@ -14417,7 +14539,17 @@
                         <a:t> </a:t>
                       </a:r>
                       <a:r>
-                        <a:rPr lang="en-US" dirty="0">
+                        <a:rPr lang="ro-RO" b="0" dirty="0" smtClean="0">
+                          <a:solidFill>
+                            <a:schemeClr val="tx1"/>
+                          </a:solidFill>
+                          <a:latin typeface="Courier New" panose="02070309020205020404" pitchFamily="49" charset="0"/>
+                          <a:cs typeface="Courier New" panose="02070309020205020404" pitchFamily="49" charset="0"/>
+                        </a:rPr>
+                        <a:t>     </a:t>
+                      </a:r>
+                      <a:r>
+                        <a:rPr lang="en-US" dirty="0" smtClean="0">
                           <a:solidFill>
                             <a:schemeClr val="tx1"/>
                           </a:solidFill>
@@ -14426,6 +14558,13 @@
                         </a:rPr>
                         <a:t>0,6095843</a:t>
                       </a:r>
+                      <a:endParaRPr lang="en-US" dirty="0">
+                        <a:solidFill>
+                          <a:schemeClr val="tx1"/>
+                        </a:solidFill>
+                        <a:latin typeface="Courier New" panose="02070309020205020404" pitchFamily="49" charset="0"/>
+                        <a:cs typeface="Courier New" panose="02070309020205020404" pitchFamily="49" charset="0"/>
+                      </a:endParaRPr>
                     </a:p>
                     <a:p>
                       <a:r>
@@ -14449,7 +14588,17 @@
                         <a:t> </a:t>
                       </a:r>
                       <a:r>
-                        <a:rPr lang="en-US" dirty="0">
+                        <a:rPr lang="ro-RO" b="0" dirty="0" smtClean="0">
+                          <a:solidFill>
+                            <a:schemeClr val="tx1"/>
+                          </a:solidFill>
+                          <a:latin typeface="Courier New" panose="02070309020205020404" pitchFamily="49" charset="0"/>
+                          <a:cs typeface="Courier New" panose="02070309020205020404" pitchFamily="49" charset="0"/>
+                        </a:rPr>
+                        <a:t> </a:t>
+                      </a:r>
+                      <a:r>
+                        <a:rPr lang="en-US" dirty="0" smtClean="0">
                           <a:solidFill>
                             <a:schemeClr val="tx1"/>
                           </a:solidFill>
@@ -14458,6 +14607,13 @@
                         </a:rPr>
                         <a:t>0,6061838</a:t>
                       </a:r>
+                      <a:endParaRPr lang="en-US" dirty="0">
+                        <a:solidFill>
+                          <a:schemeClr val="tx1"/>
+                        </a:solidFill>
+                        <a:latin typeface="Courier New" panose="02070309020205020404" pitchFamily="49" charset="0"/>
+                        <a:cs typeface="Courier New" panose="02070309020205020404" pitchFamily="49" charset="0"/>
+                      </a:endParaRPr>
                     </a:p>
                     <a:p>
                       <a:r>
@@ -14481,7 +14637,17 @@
                         <a:t> </a:t>
                       </a:r>
                       <a:r>
-                        <a:rPr lang="en-US" dirty="0">
+                        <a:rPr lang="ro-RO" b="0" dirty="0" smtClean="0">
+                          <a:solidFill>
+                            <a:schemeClr val="tx1"/>
+                          </a:solidFill>
+                          <a:latin typeface="Courier New" panose="02070309020205020404" pitchFamily="49" charset="0"/>
+                          <a:cs typeface="Courier New" panose="02070309020205020404" pitchFamily="49" charset="0"/>
+                        </a:rPr>
+                        <a:t>      </a:t>
+                      </a:r>
+                      <a:r>
+                        <a:rPr lang="en-US" dirty="0" smtClean="0">
                           <a:solidFill>
                             <a:schemeClr val="tx1"/>
                           </a:solidFill>
@@ -14490,6 +14656,13 @@
                         </a:rPr>
                         <a:t>0,603968</a:t>
                       </a:r>
+                      <a:endParaRPr lang="en-US" dirty="0">
+                        <a:solidFill>
+                          <a:schemeClr val="tx1"/>
+                        </a:solidFill>
+                        <a:latin typeface="Courier New" panose="02070309020205020404" pitchFamily="49" charset="0"/>
+                        <a:cs typeface="Courier New" panose="02070309020205020404" pitchFamily="49" charset="0"/>
+                      </a:endParaRPr>
                     </a:p>
                     <a:p>
                       <a:r>
@@ -14513,7 +14686,17 @@
                         <a:t> </a:t>
                       </a:r>
                       <a:r>
-                        <a:rPr lang="en-US" dirty="0">
+                        <a:rPr lang="ro-RO" b="0" dirty="0" smtClean="0">
+                          <a:solidFill>
+                            <a:schemeClr val="tx1"/>
+                          </a:solidFill>
+                          <a:latin typeface="Courier New" panose="02070309020205020404" pitchFamily="49" charset="0"/>
+                          <a:cs typeface="Courier New" panose="02070309020205020404" pitchFamily="49" charset="0"/>
+                        </a:rPr>
+                        <a:t>    </a:t>
+                      </a:r>
+                      <a:r>
+                        <a:rPr lang="en-US" dirty="0" smtClean="0">
                           <a:solidFill>
                             <a:schemeClr val="tx1"/>
                           </a:solidFill>
@@ -14565,8 +14748,35 @@
                           <a:latin typeface="Courier New" panose="02070309020205020404" pitchFamily="49" charset="0"/>
                           <a:cs typeface="Courier New" panose="02070309020205020404" pitchFamily="49" charset="0"/>
                         </a:rPr>
-                        <a:t> 0,6020508</a:t>
-                      </a:r>
+                        <a:t> </a:t>
+                      </a:r>
+                      <a:r>
+                        <a:rPr lang="ro-RO" dirty="0" smtClean="0">
+                          <a:solidFill>
+                            <a:schemeClr val="tx1"/>
+                          </a:solidFill>
+                          <a:latin typeface="Courier New" panose="02070309020205020404" pitchFamily="49" charset="0"/>
+                          <a:cs typeface="Courier New" panose="02070309020205020404" pitchFamily="49" charset="0"/>
+                        </a:rPr>
+                        <a:t>        </a:t>
+                      </a:r>
+                      <a:r>
+                        <a:rPr lang="en-US" dirty="0" smtClean="0">
+                          <a:solidFill>
+                            <a:schemeClr val="tx1"/>
+                          </a:solidFill>
+                          <a:latin typeface="Courier New" panose="02070309020205020404" pitchFamily="49" charset="0"/>
+                          <a:cs typeface="Courier New" panose="02070309020205020404" pitchFamily="49" charset="0"/>
+                        </a:rPr>
+                        <a:t>0,6020508</a:t>
+                      </a:r>
+                      <a:endParaRPr lang="en-US" dirty="0">
+                        <a:solidFill>
+                          <a:schemeClr val="tx1"/>
+                        </a:solidFill>
+                        <a:latin typeface="Courier New" panose="02070309020205020404" pitchFamily="49" charset="0"/>
+                        <a:cs typeface="Courier New" panose="02070309020205020404" pitchFamily="49" charset="0"/>
+                      </a:endParaRPr>
                     </a:p>
                     <a:p>
                       <a:r>
@@ -14590,7 +14800,17 @@
                         <a:t> </a:t>
                       </a:r>
                       <a:r>
-                        <a:rPr lang="en-US" dirty="0">
+                        <a:rPr lang="ro-RO" b="0" dirty="0" smtClean="0">
+                          <a:solidFill>
+                            <a:schemeClr val="tx1"/>
+                          </a:solidFill>
+                          <a:latin typeface="Courier New" panose="02070309020205020404" pitchFamily="49" charset="0"/>
+                          <a:cs typeface="Courier New" panose="02070309020205020404" pitchFamily="49" charset="0"/>
+                        </a:rPr>
+                        <a:t>   </a:t>
+                      </a:r>
+                      <a:r>
+                        <a:rPr lang="en-US" dirty="0" smtClean="0">
                           <a:solidFill>
                             <a:schemeClr val="tx1"/>
                           </a:solidFill>
@@ -14599,6 +14819,13 @@
                         </a:rPr>
                         <a:t>0,6009338</a:t>
                       </a:r>
+                      <a:endParaRPr lang="en-US" dirty="0">
+                        <a:solidFill>
+                          <a:schemeClr val="tx1"/>
+                        </a:solidFill>
+                        <a:latin typeface="Courier New" panose="02070309020205020404" pitchFamily="49" charset="0"/>
+                        <a:cs typeface="Courier New" panose="02070309020205020404" pitchFamily="49" charset="0"/>
+                      </a:endParaRPr>
                     </a:p>
                     <a:p>
                       <a:r>
@@ -14622,7 +14849,17 @@
                         <a:t> </a:t>
                       </a:r>
                       <a:r>
-                        <a:rPr lang="en-US" dirty="0">
+                        <a:rPr lang="ro-RO" b="0" dirty="0" smtClean="0">
+                          <a:solidFill>
+                            <a:schemeClr val="tx1"/>
+                          </a:solidFill>
+                          <a:latin typeface="Courier New" panose="02070309020205020404" pitchFamily="49" charset="0"/>
+                          <a:cs typeface="Courier New" panose="02070309020205020404" pitchFamily="49" charset="0"/>
+                        </a:rPr>
+                        <a:t>    </a:t>
+                      </a:r>
+                      <a:r>
+                        <a:rPr lang="en-US" dirty="0" smtClean="0">
                           <a:solidFill>
                             <a:schemeClr val="tx1"/>
                           </a:solidFill>
@@ -14631,6 +14868,13 @@
                         </a:rPr>
                         <a:t>0,600865</a:t>
                       </a:r>
+                      <a:endParaRPr lang="en-US" dirty="0">
+                        <a:solidFill>
+                          <a:schemeClr val="tx1"/>
+                        </a:solidFill>
+                        <a:latin typeface="Courier New" panose="02070309020205020404" pitchFamily="49" charset="0"/>
+                        <a:cs typeface="Courier New" panose="02070309020205020404" pitchFamily="49" charset="0"/>
+                      </a:endParaRPr>
                     </a:p>
                     <a:p>
                       <a:r>
@@ -14686,7 +14930,17 @@
                         <a:t> </a:t>
                       </a:r>
                       <a:r>
-                        <a:rPr lang="en-US" dirty="0">
+                        <a:rPr lang="ro-RO" b="0" dirty="0" smtClean="0">
+                          <a:solidFill>
+                            <a:schemeClr val="tx1"/>
+                          </a:solidFill>
+                          <a:latin typeface="Courier New" panose="02070309020205020404" pitchFamily="49" charset="0"/>
+                          <a:cs typeface="Courier New" panose="02070309020205020404" pitchFamily="49" charset="0"/>
+                        </a:rPr>
+                        <a:t>  </a:t>
+                      </a:r>
+                      <a:r>
+                        <a:rPr lang="en-US" dirty="0" smtClean="0">
                           <a:solidFill>
                             <a:schemeClr val="tx1"/>
                           </a:solidFill>
@@ -14695,6 +14949,13 @@
                         </a:rPr>
                         <a:t>0,5981552</a:t>
                       </a:r>
+                      <a:endParaRPr lang="en-US" dirty="0">
+                        <a:solidFill>
+                          <a:schemeClr val="tx1"/>
+                        </a:solidFill>
+                        <a:latin typeface="Courier New" panose="02070309020205020404" pitchFamily="49" charset="0"/>
+                        <a:cs typeface="Courier New" panose="02070309020205020404" pitchFamily="49" charset="0"/>
+                      </a:endParaRPr>
                     </a:p>
                     <a:p>
                       <a:r>
@@ -14718,7 +14979,17 @@
                         <a:t> </a:t>
                       </a:r>
                       <a:r>
-                        <a:rPr lang="en-US" dirty="0">
+                        <a:rPr lang="ro-RO" b="0" dirty="0" smtClean="0">
+                          <a:solidFill>
+                            <a:schemeClr val="tx1"/>
+                          </a:solidFill>
+                          <a:latin typeface="Courier New" panose="02070309020205020404" pitchFamily="49" charset="0"/>
+                          <a:cs typeface="Courier New" panose="02070309020205020404" pitchFamily="49" charset="0"/>
+                        </a:rPr>
+                        <a:t>     </a:t>
+                      </a:r>
+                      <a:r>
+                        <a:rPr lang="en-US" dirty="0" smtClean="0">
                           <a:solidFill>
                             <a:schemeClr val="tx1"/>
                           </a:solidFill>
@@ -14727,10 +14998,17 @@
                         </a:rPr>
                         <a:t>0,597579</a:t>
                       </a:r>
+                      <a:endParaRPr lang="en-US" dirty="0">
+                        <a:solidFill>
+                          <a:schemeClr val="tx1"/>
+                        </a:solidFill>
+                        <a:latin typeface="Courier New" panose="02070309020205020404" pitchFamily="49" charset="0"/>
+                        <a:cs typeface="Courier New" panose="02070309020205020404" pitchFamily="49" charset="0"/>
+                      </a:endParaRPr>
                     </a:p>
                     <a:p>
                       <a:r>
-                        <a:rPr lang="en-US" b="0" dirty="0" err="1">
+                        <a:rPr lang="en-US" b="0" dirty="0" err="1" smtClean="0">
                           <a:solidFill>
                             <a:schemeClr val="tx1"/>
                           </a:solidFill>
@@ -14740,7 +15018,17 @@
                         <a:t>onora_comanda</a:t>
                       </a:r>
                       <a:r>
-                        <a:rPr lang="en-US" b="0" dirty="0">
+                        <a:rPr lang="ro-RO" b="0" dirty="0" smtClean="0">
+                          <a:solidFill>
+                            <a:schemeClr val="tx1"/>
+                          </a:solidFill>
+                          <a:latin typeface="Courier New" panose="02070309020205020404" pitchFamily="49" charset="0"/>
+                          <a:cs typeface="Courier New" panose="02070309020205020404" pitchFamily="49" charset="0"/>
+                        </a:rPr>
+                        <a:t>    </a:t>
+                      </a:r>
+                      <a:r>
+                        <a:rPr lang="en-US" b="0" dirty="0" smtClean="0">
                           <a:solidFill>
                             <a:schemeClr val="tx1"/>
                           </a:solidFill>
@@ -14762,14 +15050,44 @@
                     </a:p>
                     <a:p>
                       <a:r>
-                        <a:rPr lang="en-US" b="0" dirty="0" err="1">
-                          <a:solidFill>
-                            <a:schemeClr val="tx1"/>
-                          </a:solidFill>
-                          <a:latin typeface="Courier New" panose="02070309020205020404" pitchFamily="49" charset="0"/>
-                          <a:cs typeface="Courier New" panose="02070309020205020404" pitchFamily="49" charset="0"/>
-                        </a:rPr>
-                        <a:t>quirinius</a:t>
+                        <a:rPr lang="ro-RO" b="0" dirty="0" smtClean="0">
+                          <a:solidFill>
+                            <a:schemeClr val="tx1"/>
+                          </a:solidFill>
+                          <a:latin typeface="Courier New" panose="02070309020205020404" pitchFamily="49" charset="0"/>
+                          <a:cs typeface="Courier New" panose="02070309020205020404" pitchFamily="49" charset="0"/>
+                        </a:rPr>
+                        <a:t>q</a:t>
+                      </a:r>
+                      <a:r>
+                        <a:rPr lang="en-US" b="0" dirty="0" err="1" smtClean="0">
+                          <a:solidFill>
+                            <a:schemeClr val="tx1"/>
+                          </a:solidFill>
+                          <a:latin typeface="Courier New" panose="02070309020205020404" pitchFamily="49" charset="0"/>
+                          <a:cs typeface="Courier New" panose="02070309020205020404" pitchFamily="49" charset="0"/>
+                        </a:rPr>
+                        <a:t>uirinius</a:t>
+                      </a:r>
+                      <a:r>
+                        <a:rPr lang="ro-RO" b="0" dirty="0" smtClean="0">
+                          <a:solidFill>
+                            <a:schemeClr val="tx1"/>
+                          </a:solidFill>
+                          <a:latin typeface="Courier New" panose="02070309020205020404" pitchFamily="49" charset="0"/>
+                          <a:cs typeface="Courier New" panose="02070309020205020404" pitchFamily="49" charset="0"/>
+                        </a:rPr>
+                        <a:t>        </a:t>
+                      </a:r>
+                      <a:r>
+                        <a:rPr lang="en-US" dirty="0" smtClean="0">
+                          <a:solidFill>
+                            <a:schemeClr val="tx1"/>
+                          </a:solidFill>
+                          <a:latin typeface="Courier New" panose="02070309020205020404" pitchFamily="49" charset="0"/>
+                          <a:cs typeface="Courier New" panose="02070309020205020404" pitchFamily="49" charset="0"/>
+                        </a:rPr>
+                        <a:t> </a:t>
                       </a:r>
                       <a:r>
                         <a:rPr lang="en-US" dirty="0">
@@ -14779,7 +15097,7 @@
                           <a:latin typeface="Courier New" panose="02070309020205020404" pitchFamily="49" charset="0"/>
                           <a:cs typeface="Courier New" panose="02070309020205020404" pitchFamily="49" charset="0"/>
                         </a:rPr>
-                        <a:t> 0,5954055</a:t>
+                        <a:t>0,5954055</a:t>
                       </a:r>
                     </a:p>
                     <a:p>
@@ -14801,8 +15119,35 @@
                           <a:latin typeface="Courier New" panose="02070309020205020404" pitchFamily="49" charset="0"/>
                           <a:cs typeface="Courier New" panose="02070309020205020404" pitchFamily="49" charset="0"/>
                         </a:rPr>
-                        <a:t> 0,5951988</a:t>
-                      </a:r>
+                        <a:t> </a:t>
+                      </a:r>
+                      <a:r>
+                        <a:rPr lang="ro-RO" dirty="0" smtClean="0">
+                          <a:solidFill>
+                            <a:schemeClr val="tx1"/>
+                          </a:solidFill>
+                          <a:latin typeface="Courier New" panose="02070309020205020404" pitchFamily="49" charset="0"/>
+                          <a:cs typeface="Courier New" panose="02070309020205020404" pitchFamily="49" charset="0"/>
+                        </a:rPr>
+                        <a:t>          </a:t>
+                      </a:r>
+                      <a:r>
+                        <a:rPr lang="en-US" dirty="0" smtClean="0">
+                          <a:solidFill>
+                            <a:schemeClr val="tx1"/>
+                          </a:solidFill>
+                          <a:latin typeface="Courier New" panose="02070309020205020404" pitchFamily="49" charset="0"/>
+                          <a:cs typeface="Courier New" panose="02070309020205020404" pitchFamily="49" charset="0"/>
+                        </a:rPr>
+                        <a:t>0,5951988</a:t>
+                      </a:r>
+                      <a:endParaRPr lang="en-US" dirty="0">
+                        <a:solidFill>
+                          <a:schemeClr val="tx1"/>
+                        </a:solidFill>
+                        <a:latin typeface="Courier New" panose="02070309020205020404" pitchFamily="49" charset="0"/>
+                        <a:cs typeface="Courier New" panose="02070309020205020404" pitchFamily="49" charset="0"/>
+                      </a:endParaRPr>
                     </a:p>
                     <a:p>
                       <a:r>
@@ -14826,7 +15171,17 @@
                         <a:t> </a:t>
                       </a:r>
                       <a:r>
-                        <a:rPr lang="en-US" dirty="0">
+                        <a:rPr lang="ro-RO" b="0" dirty="0" smtClean="0">
+                          <a:solidFill>
+                            <a:schemeClr val="tx1"/>
+                          </a:solidFill>
+                          <a:latin typeface="Courier New" panose="02070309020205020404" pitchFamily="49" charset="0"/>
+                          <a:cs typeface="Courier New" panose="02070309020205020404" pitchFamily="49" charset="0"/>
+                        </a:rPr>
+                        <a:t>    </a:t>
+                      </a:r>
+                      <a:r>
+                        <a:rPr lang="en-US" dirty="0" smtClean="0">
                           <a:solidFill>
                             <a:schemeClr val="tx1"/>
                           </a:solidFill>
@@ -14835,6 +15190,13 @@
                         </a:rPr>
                         <a:t>0,5908743</a:t>
                       </a:r>
+                      <a:endParaRPr lang="en-US" dirty="0">
+                        <a:solidFill>
+                          <a:schemeClr val="tx1"/>
+                        </a:solidFill>
+                        <a:latin typeface="Courier New" panose="02070309020205020404" pitchFamily="49" charset="0"/>
+                        <a:cs typeface="Courier New" panose="02070309020205020404" pitchFamily="49" charset="0"/>
+                      </a:endParaRPr>
                     </a:p>
                     <a:p>
                       <a:endParaRPr lang="x-none" dirty="0">
